--- a/AzureMLStudioLab.pptx
+++ b/AzureMLStudioLab.pptx
@@ -6,7 +6,7 @@
     <p:sldMasterId id="2147483660" r:id="rId2"/>
   </p:sldMasterIdLst>
   <p:notesMasterIdLst>
-    <p:notesMasterId r:id="rId18"/>
+    <p:notesMasterId r:id="rId19"/>
   </p:notesMasterIdLst>
   <p:sldIdLst>
     <p:sldId id="256" r:id="rId3"/>
@@ -24,6 +24,7 @@
     <p:sldId id="345" r:id="rId15"/>
     <p:sldId id="341" r:id="rId16"/>
     <p:sldId id="342" r:id="rId17"/>
+    <p:sldId id="354" r:id="rId18"/>
   </p:sldIdLst>
   <p:sldSz cx="12192000" cy="6858000"/>
   <p:notesSz cx="6858000" cy="9144000"/>
@@ -122,7 +123,85 @@
       </a:defRPr>
     </a:lvl9pPr>
   </p:defaultTextStyle>
+  <p:extLst>
+    <p:ext uri="{521415D9-36F7-43E2-AB2F-B90AF26B5E84}">
+      <p14:sectionLst xmlns:p14="http://schemas.microsoft.com/office/powerpoint/2010/main">
+        <p14:section name="Default Section" id="{90607424-3463-4B85-8434-2E9B2595C864}">
+          <p14:sldIdLst>
+            <p14:sldId id="256"/>
+            <p14:sldId id="310"/>
+            <p14:sldId id="311"/>
+            <p14:sldId id="278"/>
+            <p14:sldId id="312"/>
+            <p14:sldId id="313"/>
+            <p14:sldId id="338"/>
+            <p14:sldId id="340"/>
+            <p14:sldId id="276"/>
+            <p14:sldId id="353"/>
+            <p14:sldId id="343"/>
+            <p14:sldId id="344"/>
+            <p14:sldId id="345"/>
+            <p14:sldId id="341"/>
+            <p14:sldId id="342"/>
+          </p14:sldIdLst>
+        </p14:section>
+        <p14:section name="Appendix" id="{127ED5BF-B7F6-451C-ABAF-877697982833}">
+          <p14:sldIdLst>
+            <p14:sldId id="354"/>
+          </p14:sldIdLst>
+        </p14:section>
+      </p14:sectionLst>
+    </p:ext>
+    <p:ext uri="{EFAFB233-063F-42B5-8137-9DF3F51BA10A}">
+      <p15:sldGuideLst xmlns:p15="http://schemas.microsoft.com/office/powerpoint/2012/main"/>
+    </p:ext>
+  </p:extLst>
 </p:presentation>
+</file>
+
+<file path=ppt/revisionInfo.xml><?xml version="1.0" encoding="utf-8"?>
+<p1510:revInfo xmlns:a="http://schemas.openxmlformats.org/drawingml/2006/main" xmlns:r="http://schemas.openxmlformats.org/officeDocument/2006/relationships" xmlns:p1510="http://schemas.microsoft.com/office/powerpoint/2015/10/main">
+  <p1510:revLst>
+    <p1510:client id="{8D105A69-CF6B-4342-9DFA-26EA4E694385}" v="6" dt="2018-10-03T06:30:41.300"/>
+  </p1510:revLst>
+</p1510:revInfo>
+</file>
+
+<file path=ppt/changesInfos/changesInfo1.xml><?xml version="1.0" encoding="utf-8"?>
+<pc:chgInfo xmlns:a="http://schemas.openxmlformats.org/drawingml/2006/main" xmlns:r="http://schemas.openxmlformats.org/officeDocument/2006/relationships" xmlns:ac="http://schemas.microsoft.com/office/drawing/2013/main/command" xmlns:pc="http://schemas.microsoft.com/office/powerpoint/2013/main/command">
+  <pc:docChgLst>
+    <pc:chgData name="Joyjeet Majumdar" userId="a8c26bbd-80bf-4c6f-bdc0-30efe33ccea3" providerId="ADAL" clId="{8D105A69-CF6B-4342-9DFA-26EA4E694385}"/>
+    <pc:docChg chg="addSld modSld">
+      <pc:chgData name="Joyjeet Majumdar" userId="a8c26bbd-80bf-4c6f-bdc0-30efe33ccea3" providerId="ADAL" clId="{8D105A69-CF6B-4342-9DFA-26EA4E694385}" dt="2018-10-03T06:30:41.994" v="26" actId="20577"/>
+      <pc:docMkLst>
+        <pc:docMk/>
+      </pc:docMkLst>
+      <pc:sldChg chg="modSp add modNotesTx">
+        <pc:chgData name="Joyjeet Majumdar" userId="a8c26bbd-80bf-4c6f-bdc0-30efe33ccea3" providerId="ADAL" clId="{8D105A69-CF6B-4342-9DFA-26EA4E694385}" dt="2018-10-03T06:30:41.994" v="26" actId="20577"/>
+        <pc:sldMkLst>
+          <pc:docMk/>
+          <pc:sldMk cId="1970643437" sldId="354"/>
+        </pc:sldMkLst>
+        <pc:spChg chg="mod">
+          <ac:chgData name="Joyjeet Majumdar" userId="a8c26bbd-80bf-4c6f-bdc0-30efe33ccea3" providerId="ADAL" clId="{8D105A69-CF6B-4342-9DFA-26EA4E694385}" dt="2018-10-03T06:30:38.713" v="25" actId="20577"/>
+          <ac:spMkLst>
+            <pc:docMk/>
+            <pc:sldMk cId="1970643437" sldId="354"/>
+            <ac:spMk id="2" creationId="{F24FB3C8-617C-4BEF-BDAE-FBB7F3990105}"/>
+          </ac:spMkLst>
+        </pc:spChg>
+        <pc:spChg chg="mod">
+          <ac:chgData name="Joyjeet Majumdar" userId="a8c26bbd-80bf-4c6f-bdc0-30efe33ccea3" providerId="ADAL" clId="{8D105A69-CF6B-4342-9DFA-26EA4E694385}" dt="2018-10-03T06:30:31.493" v="2" actId="20577"/>
+          <ac:spMkLst>
+            <pc:docMk/>
+            <pc:sldMk cId="1970643437" sldId="354"/>
+            <ac:spMk id="3" creationId="{85A8BBAD-5739-4435-A3F3-0DE4B339C292}"/>
+          </ac:spMkLst>
+        </pc:spChg>
+      </pc:sldChg>
+    </pc:docChg>
+  </pc:docChgLst>
+</pc:chgInfo>
 </file>
 
 <file path=ppt/notesMasters/notesMaster1.xml><?xml version="1.0" encoding="utf-8"?>
@@ -1552,6 +1631,96 @@
     <p:extLst>
       <p:ext uri="{BB962C8B-B14F-4D97-AF65-F5344CB8AC3E}">
         <p14:creationId xmlns:p14="http://schemas.microsoft.com/office/powerpoint/2010/main" val="2845919665"/>
+      </p:ext>
+    </p:extLst>
+  </p:cSld>
+  <p:clrMapOvr>
+    <a:masterClrMapping/>
+  </p:clrMapOvr>
+</p:notes>
+</file>
+
+<file path=ppt/notesSlides/notesSlide9.xml><?xml version="1.0" encoding="utf-8"?>
+<p:notes xmlns:a="http://schemas.openxmlformats.org/drawingml/2006/main" xmlns:r="http://schemas.openxmlformats.org/officeDocument/2006/relationships" xmlns:p="http://schemas.openxmlformats.org/presentationml/2006/main">
+  <p:cSld>
+    <p:spTree>
+      <p:nvGrpSpPr>
+        <p:cNvPr id="1" name=""/>
+        <p:cNvGrpSpPr/>
+        <p:nvPr/>
+      </p:nvGrpSpPr>
+      <p:grpSpPr>
+        <a:xfrm>
+          <a:off x="0" y="0"/>
+          <a:ext cx="0" cy="0"/>
+          <a:chOff x="0" y="0"/>
+          <a:chExt cx="0" cy="0"/>
+        </a:xfrm>
+      </p:grpSpPr>
+      <p:sp>
+        <p:nvSpPr>
+          <p:cNvPr id="2" name="Slide Image Placeholder 1"/>
+          <p:cNvSpPr>
+            <a:spLocks noGrp="1" noRot="1" noChangeAspect="1"/>
+          </p:cNvSpPr>
+          <p:nvPr>
+            <p:ph type="sldImg"/>
+          </p:nvPr>
+        </p:nvSpPr>
+        <p:spPr/>
+      </p:sp>
+      <p:sp>
+        <p:nvSpPr>
+          <p:cNvPr id="3" name="Notes Placeholder 2"/>
+          <p:cNvSpPr>
+            <a:spLocks noGrp="1"/>
+          </p:cNvSpPr>
+          <p:nvPr>
+            <p:ph type="body" idx="1"/>
+          </p:nvPr>
+        </p:nvSpPr>
+        <p:spPr/>
+        <p:txBody>
+          <a:bodyPr/>
+          <a:lstStyle/>
+          <a:p>
+            <a:r>
+              <a:rPr lang="en-US" dirty="0"/>
+              <a:t>https://docs.microsoft.com/en-us/azure/machine-learning/studio/what-is-ml-studio</a:t>
+            </a:r>
+          </a:p>
+          <a:p>
+            <a:endParaRPr lang="en-US" dirty="0"/>
+          </a:p>
+        </p:txBody>
+      </p:sp>
+      <p:sp>
+        <p:nvSpPr>
+          <p:cNvPr id="4" name="Slide Number Placeholder 3"/>
+          <p:cNvSpPr>
+            <a:spLocks noGrp="1"/>
+          </p:cNvSpPr>
+          <p:nvPr>
+            <p:ph type="sldNum" sz="quarter" idx="5"/>
+          </p:nvPr>
+        </p:nvSpPr>
+        <p:spPr/>
+        <p:txBody>
+          <a:bodyPr/>
+          <a:lstStyle/>
+          <a:p>
+            <a:fld id="{21FA0B34-2399-4225-A735-4DF20F9FDF14}" type="slidenum">
+              <a:rPr lang="en-US" smtClean="0"/>
+              <a:t>16</a:t>
+            </a:fld>
+            <a:endParaRPr lang="en-US"/>
+          </a:p>
+        </p:txBody>
+      </p:sp>
+    </p:spTree>
+    <p:extLst>
+      <p:ext uri="{BB962C8B-B14F-4D97-AF65-F5344CB8AC3E}">
+        <p14:creationId xmlns:p14="http://schemas.microsoft.com/office/powerpoint/2010/main" val="803722563"/>
       </p:ext>
     </p:extLst>
   </p:cSld>
@@ -8313,6 +8482,98 @@
     <p:extLst>
       <p:ext uri="{BB962C8B-B14F-4D97-AF65-F5344CB8AC3E}">
         <p14:creationId xmlns:p14="http://schemas.microsoft.com/office/powerpoint/2010/main" val="2229690734"/>
+      </p:ext>
+    </p:extLst>
+  </p:cSld>
+  <p:clrMapOvr>
+    <a:masterClrMapping/>
+  </p:clrMapOvr>
+</p:sld>
+</file>
+
+<file path=ppt/slides/slide16.xml><?xml version="1.0" encoding="utf-8"?>
+<p:sld xmlns:a="http://schemas.openxmlformats.org/drawingml/2006/main" xmlns:r="http://schemas.openxmlformats.org/officeDocument/2006/relationships" xmlns:p="http://schemas.openxmlformats.org/presentationml/2006/main">
+  <p:cSld>
+    <p:spTree>
+      <p:nvGrpSpPr>
+        <p:cNvPr id="1" name=""/>
+        <p:cNvGrpSpPr/>
+        <p:nvPr/>
+      </p:nvGrpSpPr>
+      <p:grpSpPr>
+        <a:xfrm>
+          <a:off x="0" y="0"/>
+          <a:ext cx="0" cy="0"/>
+          <a:chOff x="0" y="0"/>
+          <a:chExt cx="0" cy="0"/>
+        </a:xfrm>
+      </p:grpSpPr>
+      <p:sp>
+        <p:nvSpPr>
+          <p:cNvPr id="2" name="Title 1">
+            <a:extLst>
+              <a:ext uri="{FF2B5EF4-FFF2-40B4-BE49-F238E27FC236}">
+                <a16:creationId xmlns:a16="http://schemas.microsoft.com/office/drawing/2014/main" id="{F24FB3C8-617C-4BEF-BDAE-FBB7F3990105}"/>
+              </a:ext>
+            </a:extLst>
+          </p:cNvPr>
+          <p:cNvSpPr>
+            <a:spLocks noGrp="1"/>
+          </p:cNvSpPr>
+          <p:nvPr>
+            <p:ph type="title"/>
+          </p:nvPr>
+        </p:nvSpPr>
+        <p:spPr/>
+        <p:txBody>
+          <a:bodyPr/>
+          <a:lstStyle/>
+          <a:p>
+            <a:r>
+              <a:rPr lang="en-US" dirty="0"/>
+              <a:t>What is Azure ML Studio</a:t>
+            </a:r>
+          </a:p>
+        </p:txBody>
+      </p:sp>
+      <p:sp>
+        <p:nvSpPr>
+          <p:cNvPr id="3" name="Content Placeholder 2">
+            <a:extLst>
+              <a:ext uri="{FF2B5EF4-FFF2-40B4-BE49-F238E27FC236}">
+                <a16:creationId xmlns:a16="http://schemas.microsoft.com/office/drawing/2014/main" id="{85A8BBAD-5739-4435-A3F3-0DE4B339C292}"/>
+              </a:ext>
+            </a:extLst>
+          </p:cNvPr>
+          <p:cNvSpPr>
+            <a:spLocks noGrp="1"/>
+          </p:cNvSpPr>
+          <p:nvPr>
+            <p:ph idx="1"/>
+          </p:nvPr>
+        </p:nvSpPr>
+        <p:spPr/>
+        <p:txBody>
+          <a:bodyPr/>
+          <a:lstStyle/>
+          <a:p>
+            <a:r>
+              <a:rPr lang="en-US" dirty="0">
+                <a:hlinkClick r:id="rId3"/>
+              </a:rPr>
+              <a:t>https://docs.microsoft.com/en-us/azure/machine-learning/studio/what-is-ml-studio</a:t>
+            </a:r>
+            <a:endParaRPr lang="en-US" dirty="0"/>
+          </a:p>
+          <a:p>
+            <a:endParaRPr lang="en-US" dirty="0"/>
+          </a:p>
+        </p:txBody>
+      </p:sp>
+    </p:spTree>
+    <p:extLst>
+      <p:ext uri="{BB962C8B-B14F-4D97-AF65-F5344CB8AC3E}">
+        <p14:creationId xmlns:p14="http://schemas.microsoft.com/office/powerpoint/2010/main" val="1970643437"/>
       </p:ext>
     </p:extLst>
   </p:cSld>
@@ -9381,14 +9642,14 @@
             </a:ln>
             <a:extLst>
               <a:ext uri="{909E8E84-426E-40dd-AFC4-6F175D3DCCD1}">
-                <a14:hiddenFill xmlns:a14="http://schemas.microsoft.com/office/drawing/2010/main" xmlns="">
+                <a14:hiddenFill xmlns="" xmlns:a14="http://schemas.microsoft.com/office/drawing/2010/main">
                   <a:solidFill>
                     <a:srgbClr val="FFFFFF"/>
                   </a:solidFill>
                 </a14:hiddenFill>
               </a:ext>
               <a:ext uri="{91240B29-F687-4f45-9708-019B960494DF}">
-                <a14:hiddenLine xmlns:a14="http://schemas.microsoft.com/office/drawing/2010/main" xmlns="" w="9525">
+                <a14:hiddenLine xmlns="" xmlns:a14="http://schemas.microsoft.com/office/drawing/2010/main" w="9525">
                   <a:solidFill>
                     <a:srgbClr val="000000"/>
                   </a:solidFill>
@@ -9691,7 +9952,7 @@
             </a:ln>
             <a:extLst>
               <a:ext uri="{91240B29-F687-4f45-9708-019B960494DF}">
-                <a14:hiddenLine xmlns:a14="http://schemas.microsoft.com/office/drawing/2010/main" xmlns="" w="9525">
+                <a14:hiddenLine xmlns="" xmlns:a14="http://schemas.microsoft.com/office/drawing/2010/main" w="9525">
                   <a:solidFill>
                     <a:srgbClr val="000000"/>
                   </a:solidFill>
@@ -9768,7 +10029,7 @@
             </a:ln>
             <a:extLst>
               <a:ext uri="{91240B29-F687-4f45-9708-019B960494DF}">
-                <a14:hiddenLine xmlns:a14="http://schemas.microsoft.com/office/drawing/2010/main" xmlns="" w="9525">
+                <a14:hiddenLine xmlns="" xmlns:a14="http://schemas.microsoft.com/office/drawing/2010/main" w="9525">
                   <a:solidFill>
                     <a:srgbClr val="000000"/>
                   </a:solidFill>
@@ -9845,7 +10106,7 @@
             </a:ln>
             <a:extLst>
               <a:ext uri="{91240B29-F687-4f45-9708-019B960494DF}">
-                <a14:hiddenLine xmlns:a14="http://schemas.microsoft.com/office/drawing/2010/main" xmlns="" w="9525">
+                <a14:hiddenLine xmlns="" xmlns:a14="http://schemas.microsoft.com/office/drawing/2010/main" w="9525">
                   <a:solidFill>
                     <a:srgbClr val="000000"/>
                   </a:solidFill>
@@ -9922,7 +10183,7 @@
             </a:ln>
             <a:extLst>
               <a:ext uri="{91240B29-F687-4f45-9708-019B960494DF}">
-                <a14:hiddenLine xmlns:a14="http://schemas.microsoft.com/office/drawing/2010/main" xmlns="" w="9525">
+                <a14:hiddenLine xmlns="" xmlns:a14="http://schemas.microsoft.com/office/drawing/2010/main" w="9525">
                   <a:solidFill>
                     <a:srgbClr val="000000"/>
                   </a:solidFill>
@@ -10003,7 +10264,7 @@
             </a:ln>
             <a:extLst>
               <a:ext uri="{909E8E84-426E-40dd-AFC4-6F175D3DCCD1}">
-                <a14:hiddenFill xmlns:a14="http://schemas.microsoft.com/office/drawing/2010/main" xmlns="">
+                <a14:hiddenFill xmlns="" xmlns:a14="http://schemas.microsoft.com/office/drawing/2010/main">
                   <a:noFill/>
                 </a14:hiddenFill>
               </a:ext>
@@ -10079,7 +10340,7 @@
             </a:ln>
             <a:extLst>
               <a:ext uri="{909E8E84-426E-40dd-AFC4-6F175D3DCCD1}">
-                <a14:hiddenFill xmlns:a14="http://schemas.microsoft.com/office/drawing/2010/main" xmlns="">
+                <a14:hiddenFill xmlns="" xmlns:a14="http://schemas.microsoft.com/office/drawing/2010/main">
                   <a:noFill/>
                 </a14:hiddenFill>
               </a:ext>
@@ -10189,7 +10450,7 @@
             </a:ln>
             <a:extLst>
               <a:ext uri="{909E8E84-426E-40dd-AFC4-6F175D3DCCD1}">
-                <a14:hiddenFill xmlns:a14="http://schemas.microsoft.com/office/drawing/2010/main" xmlns="">
+                <a14:hiddenFill xmlns="" xmlns:a14="http://schemas.microsoft.com/office/drawing/2010/main">
                   <a:solidFill>
                     <a:srgbClr val="FFFFFF"/>
                   </a:solidFill>
@@ -10263,7 +10524,7 @@
             </a:ln>
             <a:extLst>
               <a:ext uri="{91240B29-F687-4f45-9708-019B960494DF}">
-                <a14:hiddenLine xmlns:a14="http://schemas.microsoft.com/office/drawing/2010/main" xmlns="" w="9525">
+                <a14:hiddenLine xmlns="" xmlns:a14="http://schemas.microsoft.com/office/drawing/2010/main" w="9525">
                   <a:solidFill>
                     <a:srgbClr val="000000"/>
                   </a:solidFill>
@@ -10344,7 +10605,7 @@
             </a:ln>
             <a:extLst>
               <a:ext uri="{909E8E84-426E-40dd-AFC4-6F175D3DCCD1}">
-                <a14:hiddenFill xmlns:a14="http://schemas.microsoft.com/office/drawing/2010/main" xmlns="">
+                <a14:hiddenFill xmlns="" xmlns:a14="http://schemas.microsoft.com/office/drawing/2010/main">
                   <a:noFill/>
                 </a14:hiddenFill>
               </a:ext>
@@ -10420,7 +10681,7 @@
             </a:ln>
             <a:extLst>
               <a:ext uri="{909E8E84-426E-40dd-AFC4-6F175D3DCCD1}">
-                <a14:hiddenFill xmlns:a14="http://schemas.microsoft.com/office/drawing/2010/main" xmlns="">
+                <a14:hiddenFill xmlns="" xmlns:a14="http://schemas.microsoft.com/office/drawing/2010/main">
                   <a:noFill/>
                 </a14:hiddenFill>
               </a:ext>
@@ -11289,7 +11550,7 @@
             </a:ln>
             <a:extLst>
               <a:ext uri="{909E8E84-426E-40dd-AFC4-6F175D3DCCD1}">
-                <a14:hiddenFill xmlns:a14="http://schemas.microsoft.com/office/drawing/2010/main" xmlns="">
+                <a14:hiddenFill xmlns="" xmlns:a14="http://schemas.microsoft.com/office/drawing/2010/main">
                   <a:solidFill>
                     <a:srgbClr val="FFFFFF"/>
                   </a:solidFill>
@@ -11406,7 +11667,7 @@
             </a:ln>
             <a:extLst>
               <a:ext uri="{91240B29-F687-4f45-9708-019B960494DF}">
-                <a14:hiddenLine xmlns:a14="http://schemas.microsoft.com/office/drawing/2010/main" xmlns="" w="9525">
+                <a14:hiddenLine xmlns="" xmlns:a14="http://schemas.microsoft.com/office/drawing/2010/main" w="9525">
                   <a:solidFill>
                     <a:srgbClr val="000000"/>
                   </a:solidFill>
@@ -11529,7 +11790,7 @@
             </a:ln>
             <a:extLst>
               <a:ext uri="{909E8E84-426E-40dd-AFC4-6F175D3DCCD1}">
-                <a14:hiddenFill xmlns:a14="http://schemas.microsoft.com/office/drawing/2010/main" xmlns="">
+                <a14:hiddenFill xmlns="" xmlns:a14="http://schemas.microsoft.com/office/drawing/2010/main">
                   <a:solidFill>
                     <a:srgbClr val="FFFFFF"/>
                   </a:solidFill>
@@ -11646,7 +11907,7 @@
             </a:ln>
             <a:extLst>
               <a:ext uri="{91240B29-F687-4f45-9708-019B960494DF}">
-                <a14:hiddenLine xmlns:a14="http://schemas.microsoft.com/office/drawing/2010/main" xmlns="" w="9525">
+                <a14:hiddenLine xmlns="" xmlns:a14="http://schemas.microsoft.com/office/drawing/2010/main" w="9525">
                   <a:solidFill>
                     <a:srgbClr val="000000"/>
                   </a:solidFill>
@@ -11761,7 +12022,7 @@
             </a:ln>
             <a:extLst>
               <a:ext uri="{909E8E84-426E-40dd-AFC4-6F175D3DCCD1}">
-                <a14:hiddenFill xmlns:a14="http://schemas.microsoft.com/office/drawing/2010/main" xmlns="">
+                <a14:hiddenFill xmlns="" xmlns:a14="http://schemas.microsoft.com/office/drawing/2010/main">
                   <a:solidFill>
                     <a:srgbClr val="FFFFFF"/>
                   </a:solidFill>
@@ -11878,7 +12139,7 @@
             </a:ln>
             <a:extLst>
               <a:ext uri="{91240B29-F687-4f45-9708-019B960494DF}">
-                <a14:hiddenLine xmlns:a14="http://schemas.microsoft.com/office/drawing/2010/main" xmlns="" w="9525">
+                <a14:hiddenLine xmlns="" xmlns:a14="http://schemas.microsoft.com/office/drawing/2010/main" w="9525">
                   <a:solidFill>
                     <a:srgbClr val="000000"/>
                   </a:solidFill>
@@ -12399,7 +12660,7 @@
                 </a:ln>
                 <a:extLst>
                   <a:ext uri="{91240B29-F687-4f45-9708-019B960494DF}">
-                    <a14:hiddenLine xmlns:a14="http://schemas.microsoft.com/office/drawing/2010/main" xmlns="" w="9525">
+                    <a14:hiddenLine xmlns="" xmlns:a14="http://schemas.microsoft.com/office/drawing/2010/main" w="9525">
                       <a:solidFill>
                         <a:srgbClr val="000000"/>
                       </a:solidFill>
@@ -12541,7 +12802,7 @@
                 </a:ln>
                 <a:extLst>
                   <a:ext uri="{91240B29-F687-4f45-9708-019B960494DF}">
-                    <a14:hiddenLine xmlns:a14="http://schemas.microsoft.com/office/drawing/2010/main" xmlns="" w="9525">
+                    <a14:hiddenLine xmlns="" xmlns:a14="http://schemas.microsoft.com/office/drawing/2010/main" w="9525">
                       <a:solidFill>
                         <a:srgbClr val="000000"/>
                       </a:solidFill>
@@ -12683,7 +12944,7 @@
                 </a:ln>
                 <a:extLst>
                   <a:ext uri="{91240B29-F687-4f45-9708-019B960494DF}">
-                    <a14:hiddenLine xmlns:a14="http://schemas.microsoft.com/office/drawing/2010/main" xmlns="" w="9525">
+                    <a14:hiddenLine xmlns="" xmlns:a14="http://schemas.microsoft.com/office/drawing/2010/main" w="9525">
                       <a:solidFill>
                         <a:srgbClr val="000000"/>
                       </a:solidFill>
@@ -12825,7 +13086,7 @@
                 </a:ln>
                 <a:extLst>
                   <a:ext uri="{91240B29-F687-4f45-9708-019B960494DF}">
-                    <a14:hiddenLine xmlns:a14="http://schemas.microsoft.com/office/drawing/2010/main" xmlns="" w="9525">
+                    <a14:hiddenLine xmlns="" xmlns:a14="http://schemas.microsoft.com/office/drawing/2010/main" w="9525">
                       <a:solidFill>
                         <a:srgbClr val="000000"/>
                       </a:solidFill>
@@ -12902,14 +13163,14 @@
             </a:ln>
             <a:extLst>
               <a:ext uri="{909E8E84-426E-40dd-AFC4-6F175D3DCCD1}">
-                <a14:hiddenFill xmlns:a14="http://schemas.microsoft.com/office/drawing/2010/main" xmlns="">
+                <a14:hiddenFill xmlns="" xmlns:a14="http://schemas.microsoft.com/office/drawing/2010/main">
                   <a:solidFill>
                     <a:srgbClr val="FFFFFF"/>
                   </a:solidFill>
                 </a14:hiddenFill>
               </a:ext>
               <a:ext uri="{91240B29-F687-4f45-9708-019B960494DF}">
-                <a14:hiddenLine xmlns:a14="http://schemas.microsoft.com/office/drawing/2010/main" xmlns="" w="9525">
+                <a14:hiddenLine xmlns="" xmlns:a14="http://schemas.microsoft.com/office/drawing/2010/main" w="9525">
                   <a:solidFill>
                     <a:srgbClr val="000000"/>
                   </a:solidFill>
@@ -13131,7 +13392,7 @@
             </a:ln>
             <a:extLst>
               <a:ext uri="{91240B29-F687-4f45-9708-019B960494DF}">
-                <a14:hiddenLine xmlns:a14="http://schemas.microsoft.com/office/drawing/2010/main" xmlns="" w="9525">
+                <a14:hiddenLine xmlns="" xmlns:a14="http://schemas.microsoft.com/office/drawing/2010/main" w="9525">
                   <a:solidFill>
                     <a:srgbClr val="000000"/>
                   </a:solidFill>
@@ -13244,14 +13505,14 @@
             </a:ln>
             <a:extLst>
               <a:ext uri="{909E8E84-426E-40dd-AFC4-6F175D3DCCD1}">
-                <a14:hiddenFill xmlns:a14="http://schemas.microsoft.com/office/drawing/2010/main" xmlns="">
+                <a14:hiddenFill xmlns="" xmlns:a14="http://schemas.microsoft.com/office/drawing/2010/main">
                   <a:solidFill>
                     <a:srgbClr val="FFFFFF"/>
                   </a:solidFill>
                 </a14:hiddenFill>
               </a:ext>
               <a:ext uri="{91240B29-F687-4f45-9708-019B960494DF}">
-                <a14:hiddenLine xmlns:a14="http://schemas.microsoft.com/office/drawing/2010/main" xmlns="" w="9525">
+                <a14:hiddenLine xmlns="" xmlns:a14="http://schemas.microsoft.com/office/drawing/2010/main" w="9525">
                   <a:solidFill>
                     <a:srgbClr val="000000"/>
                   </a:solidFill>
@@ -13376,14 +13637,14 @@
             </a:ln>
             <a:extLst>
               <a:ext uri="{909E8E84-426E-40dd-AFC4-6F175D3DCCD1}">
-                <a14:hiddenFill xmlns:a14="http://schemas.microsoft.com/office/drawing/2010/main" xmlns="">
+                <a14:hiddenFill xmlns="" xmlns:a14="http://schemas.microsoft.com/office/drawing/2010/main">
                   <a:solidFill>
                     <a:srgbClr val="FFFFFF"/>
                   </a:solidFill>
                 </a14:hiddenFill>
               </a:ext>
               <a:ext uri="{91240B29-F687-4f45-9708-019B960494DF}">
-                <a14:hiddenLine xmlns:a14="http://schemas.microsoft.com/office/drawing/2010/main" xmlns="" w="9525">
+                <a14:hiddenLine xmlns="" xmlns:a14="http://schemas.microsoft.com/office/drawing/2010/main" w="9525">
                   <a:solidFill>
                     <a:srgbClr val="000000"/>
                   </a:solidFill>

--- a/AzureMLStudioLab.pptx
+++ b/AzureMLStudioLab.pptx
@@ -6,7 +6,7 @@
     <p:sldMasterId id="2147483660" r:id="rId2"/>
   </p:sldMasterIdLst>
   <p:notesMasterIdLst>
-    <p:notesMasterId r:id="rId19"/>
+    <p:notesMasterId r:id="rId20"/>
   </p:notesMasterIdLst>
   <p:sldIdLst>
     <p:sldId id="256" r:id="rId3"/>
@@ -24,7 +24,8 @@
     <p:sldId id="345" r:id="rId15"/>
     <p:sldId id="341" r:id="rId16"/>
     <p:sldId id="342" r:id="rId17"/>
-    <p:sldId id="354" r:id="rId18"/>
+    <p:sldId id="355" r:id="rId18"/>
+    <p:sldId id="354" r:id="rId19"/>
   </p:sldIdLst>
   <p:sldSz cx="12192000" cy="6858000"/>
   <p:notesSz cx="6858000" cy="9144000"/>
@@ -143,6 +144,7 @@
             <p14:sldId id="345"/>
             <p14:sldId id="341"/>
             <p14:sldId id="342"/>
+            <p14:sldId id="355"/>
           </p14:sldIdLst>
         </p14:section>
         <p14:section name="Appendix" id="{127ED5BF-B7F6-451C-ABAF-877697982833}">
@@ -162,7 +164,7 @@
 <file path=ppt/revisionInfo.xml><?xml version="1.0" encoding="utf-8"?>
 <p1510:revInfo xmlns:a="http://schemas.openxmlformats.org/drawingml/2006/main" xmlns:r="http://schemas.openxmlformats.org/officeDocument/2006/relationships" xmlns:p1510="http://schemas.microsoft.com/office/powerpoint/2015/10/main">
   <p1510:revLst>
-    <p1510:client id="{8D105A69-CF6B-4342-9DFA-26EA4E694385}" v="6" dt="2018-10-03T06:30:41.300"/>
+    <p1510:client id="{E66E20DC-104F-44D7-A6D1-6D5D8B8A929D}" v="3" dt="2018-11-04T09:08:51.489"/>
   </p1510:revLst>
 </p1510:revInfo>
 </file>
@@ -196,6 +198,38 @@
             <pc:docMk/>
             <pc:sldMk cId="1970643437" sldId="354"/>
             <ac:spMk id="3" creationId="{85A8BBAD-5739-4435-A3F3-0DE4B339C292}"/>
+          </ac:spMkLst>
+        </pc:spChg>
+      </pc:sldChg>
+    </pc:docChg>
+  </pc:docChgLst>
+  <pc:docChgLst>
+    <pc:chgData name="Joyjeet Majumdar" userId="a8c26bbd-80bf-4c6f-bdc0-30efe33ccea3" providerId="ADAL" clId="{E66E20DC-104F-44D7-A6D1-6D5D8B8A929D}"/>
+    <pc:docChg chg="addSld modSld">
+      <pc:chgData name="Joyjeet Majumdar" userId="a8c26bbd-80bf-4c6f-bdc0-30efe33ccea3" providerId="ADAL" clId="{E66E20DC-104F-44D7-A6D1-6D5D8B8A929D}" dt="2018-11-04T09:08:51.477" v="23" actId="5793"/>
+      <pc:docMkLst>
+        <pc:docMk/>
+      </pc:docMkLst>
+      <pc:sldChg chg="modSp add">
+        <pc:chgData name="Joyjeet Majumdar" userId="a8c26bbd-80bf-4c6f-bdc0-30efe33ccea3" providerId="ADAL" clId="{E66E20DC-104F-44D7-A6D1-6D5D8B8A929D}" dt="2018-11-04T09:08:51.477" v="23" actId="5793"/>
+        <pc:sldMkLst>
+          <pc:docMk/>
+          <pc:sldMk cId="3583937167" sldId="355"/>
+        </pc:sldMkLst>
+        <pc:spChg chg="mod">
+          <ac:chgData name="Joyjeet Majumdar" userId="a8c26bbd-80bf-4c6f-bdc0-30efe33ccea3" providerId="ADAL" clId="{E66E20DC-104F-44D7-A6D1-6D5D8B8A929D}" dt="2018-11-04T09:08:34.572" v="18" actId="20577"/>
+          <ac:spMkLst>
+            <pc:docMk/>
+            <pc:sldMk cId="3583937167" sldId="355"/>
+            <ac:spMk id="2" creationId="{7DA19E54-5910-459C-9B3F-FD8881CC6D28}"/>
+          </ac:spMkLst>
+        </pc:spChg>
+        <pc:spChg chg="mod">
+          <ac:chgData name="Joyjeet Majumdar" userId="a8c26bbd-80bf-4c6f-bdc0-30efe33ccea3" providerId="ADAL" clId="{E66E20DC-104F-44D7-A6D1-6D5D8B8A929D}" dt="2018-11-04T09:08:51.477" v="23" actId="5793"/>
+          <ac:spMkLst>
+            <pc:docMk/>
+            <pc:sldMk cId="3583937167" sldId="355"/>
+            <ac:spMk id="3" creationId="{F8213032-38FC-4B81-8C43-AB8524CF8040}"/>
           </ac:spMkLst>
         </pc:spChg>
       </pc:sldChg>
@@ -286,7 +320,7 @@
           <a:p>
             <a:fld id="{6296A4C6-A052-4AEE-B480-DCB4A8687DCA}" type="datetimeFigureOut">
               <a:rPr lang="en-US" smtClean="0"/>
-              <a:t>10/2/2018</a:t>
+              <a:t>11/4/2018</a:t>
             </a:fld>
             <a:endParaRPr lang="en-US"/>
           </a:p>
@@ -1501,7 +1535,7 @@
                 </a:solidFill>
               </a:rPr>
               <a:pPr/>
-              <a:t>10/2/2018</a:t>
+              <a:t>11/4/2018</a:t>
             </a:fld>
             <a:endParaRPr lang="en-US" dirty="0">
               <a:solidFill>
@@ -1711,7 +1745,7 @@
           <a:p>
             <a:fld id="{21FA0B34-2399-4225-A735-4DF20F9FDF14}" type="slidenum">
               <a:rPr lang="en-US" smtClean="0"/>
-              <a:t>16</a:t>
+              <a:t>17</a:t>
             </a:fld>
             <a:endParaRPr lang="en-US"/>
           </a:p>
@@ -1877,7 +1911,7 @@
           <a:p>
             <a:fld id="{22C58929-9DC1-42E8-8EB1-B8BF8C0A623C}" type="datetimeFigureOut">
               <a:rPr lang="en-US" smtClean="0"/>
-              <a:t>10/2/2018</a:t>
+              <a:t>11/4/2018</a:t>
             </a:fld>
             <a:endParaRPr lang="en-US"/>
           </a:p>
@@ -2075,7 +2109,7 @@
           <a:p>
             <a:fld id="{22C58929-9DC1-42E8-8EB1-B8BF8C0A623C}" type="datetimeFigureOut">
               <a:rPr lang="en-US" smtClean="0"/>
-              <a:t>10/2/2018</a:t>
+              <a:t>11/4/2018</a:t>
             </a:fld>
             <a:endParaRPr lang="en-US"/>
           </a:p>
@@ -2283,7 +2317,7 @@
           <a:p>
             <a:fld id="{22C58929-9DC1-42E8-8EB1-B8BF8C0A623C}" type="datetimeFigureOut">
               <a:rPr lang="en-US" smtClean="0"/>
-              <a:t>10/2/2018</a:t>
+              <a:t>11/4/2018</a:t>
             </a:fld>
             <a:endParaRPr lang="en-US"/>
           </a:p>
@@ -3249,7 +3283,7 @@
           <a:p>
             <a:fld id="{22C58929-9DC1-42E8-8EB1-B8BF8C0A623C}" type="datetimeFigureOut">
               <a:rPr lang="en-US" smtClean="0"/>
-              <a:t>10/2/2018</a:t>
+              <a:t>11/4/2018</a:t>
             </a:fld>
             <a:endParaRPr lang="en-US"/>
           </a:p>
@@ -3659,7 +3693,7 @@
           <a:p>
             <a:fld id="{22C58929-9DC1-42E8-8EB1-B8BF8C0A623C}" type="datetimeFigureOut">
               <a:rPr lang="en-US" smtClean="0"/>
-              <a:t>10/2/2018</a:t>
+              <a:t>11/4/2018</a:t>
             </a:fld>
             <a:endParaRPr lang="en-US"/>
           </a:p>
@@ -3924,7 +3958,7 @@
           <a:p>
             <a:fld id="{22C58929-9DC1-42E8-8EB1-B8BF8C0A623C}" type="datetimeFigureOut">
               <a:rPr lang="en-US" smtClean="0"/>
-              <a:t>10/2/2018</a:t>
+              <a:t>11/4/2018</a:t>
             </a:fld>
             <a:endParaRPr lang="en-US"/>
           </a:p>
@@ -4336,7 +4370,7 @@
           <a:p>
             <a:fld id="{22C58929-9DC1-42E8-8EB1-B8BF8C0A623C}" type="datetimeFigureOut">
               <a:rPr lang="en-US" smtClean="0"/>
-              <a:t>10/2/2018</a:t>
+              <a:t>11/4/2018</a:t>
             </a:fld>
             <a:endParaRPr lang="en-US"/>
           </a:p>
@@ -4477,7 +4511,7 @@
           <a:p>
             <a:fld id="{22C58929-9DC1-42E8-8EB1-B8BF8C0A623C}" type="datetimeFigureOut">
               <a:rPr lang="en-US" smtClean="0"/>
-              <a:t>10/2/2018</a:t>
+              <a:t>11/4/2018</a:t>
             </a:fld>
             <a:endParaRPr lang="en-US"/>
           </a:p>
@@ -4590,7 +4624,7 @@
           <a:p>
             <a:fld id="{22C58929-9DC1-42E8-8EB1-B8BF8C0A623C}" type="datetimeFigureOut">
               <a:rPr lang="en-US" smtClean="0"/>
-              <a:t>10/2/2018</a:t>
+              <a:t>11/4/2018</a:t>
             </a:fld>
             <a:endParaRPr lang="en-US"/>
           </a:p>
@@ -4901,7 +4935,7 @@
           <a:p>
             <a:fld id="{22C58929-9DC1-42E8-8EB1-B8BF8C0A623C}" type="datetimeFigureOut">
               <a:rPr lang="en-US" smtClean="0"/>
-              <a:t>10/2/2018</a:t>
+              <a:t>11/4/2018</a:t>
             </a:fld>
             <a:endParaRPr lang="en-US"/>
           </a:p>
@@ -5189,7 +5223,7 @@
           <a:p>
             <a:fld id="{22C58929-9DC1-42E8-8EB1-B8BF8C0A623C}" type="datetimeFigureOut">
               <a:rPr lang="en-US" smtClean="0"/>
-              <a:t>10/2/2018</a:t>
+              <a:t>11/4/2018</a:t>
             </a:fld>
             <a:endParaRPr lang="en-US"/>
           </a:p>
@@ -5430,7 +5464,7 @@
           <a:p>
             <a:fld id="{22C58929-9DC1-42E8-8EB1-B8BF8C0A623C}" type="datetimeFigureOut">
               <a:rPr lang="en-US" smtClean="0"/>
-              <a:t>10/2/2018</a:t>
+              <a:t>11/4/2018</a:t>
             </a:fld>
             <a:endParaRPr lang="en-US"/>
           </a:p>
@@ -8492,6 +8526,161 @@
 </file>
 
 <file path=ppt/slides/slide16.xml><?xml version="1.0" encoding="utf-8"?>
+<p:sld xmlns:a="http://schemas.openxmlformats.org/drawingml/2006/main" xmlns:r="http://schemas.openxmlformats.org/officeDocument/2006/relationships" xmlns:p="http://schemas.openxmlformats.org/presentationml/2006/main">
+  <p:cSld>
+    <p:spTree>
+      <p:nvGrpSpPr>
+        <p:cNvPr id="1" name=""/>
+        <p:cNvGrpSpPr/>
+        <p:nvPr/>
+      </p:nvGrpSpPr>
+      <p:grpSpPr>
+        <a:xfrm>
+          <a:off x="0" y="0"/>
+          <a:ext cx="0" cy="0"/>
+          <a:chOff x="0" y="0"/>
+          <a:chExt cx="0" cy="0"/>
+        </a:xfrm>
+      </p:grpSpPr>
+      <p:sp>
+        <p:nvSpPr>
+          <p:cNvPr id="2" name="Title 1">
+            <a:extLst>
+              <a:ext uri="{FF2B5EF4-FFF2-40B4-BE49-F238E27FC236}">
+                <a16:creationId xmlns:a16="http://schemas.microsoft.com/office/drawing/2014/main" id="{7DA19E54-5910-459C-9B3F-FD8881CC6D28}"/>
+              </a:ext>
+            </a:extLst>
+          </p:cNvPr>
+          <p:cNvSpPr>
+            <a:spLocks noGrp="1"/>
+          </p:cNvSpPr>
+          <p:nvPr>
+            <p:ph type="title"/>
+          </p:nvPr>
+        </p:nvSpPr>
+        <p:spPr/>
+        <p:txBody>
+          <a:bodyPr/>
+          <a:lstStyle/>
+          <a:p>
+            <a:r>
+              <a:rPr lang="en-US" dirty="0"/>
+              <a:t>Learning resources</a:t>
+            </a:r>
+          </a:p>
+        </p:txBody>
+      </p:sp>
+      <p:sp>
+        <p:nvSpPr>
+          <p:cNvPr id="3" name="Content Placeholder 2">
+            <a:extLst>
+              <a:ext uri="{FF2B5EF4-FFF2-40B4-BE49-F238E27FC236}">
+                <a16:creationId xmlns:a16="http://schemas.microsoft.com/office/drawing/2014/main" id="{F8213032-38FC-4B81-8C43-AB8524CF8040}"/>
+              </a:ext>
+            </a:extLst>
+          </p:cNvPr>
+          <p:cNvSpPr>
+            <a:spLocks noGrp="1"/>
+          </p:cNvSpPr>
+          <p:nvPr>
+            <p:ph idx="1"/>
+          </p:nvPr>
+        </p:nvSpPr>
+        <p:spPr/>
+        <p:txBody>
+          <a:bodyPr/>
+          <a:lstStyle/>
+          <a:p>
+            <a:r>
+              <a:rPr lang="en-US" dirty="0"/>
+              <a:t> </a:t>
+            </a:r>
+            <a:r>
+              <a:rPr lang="en-US" u="sng" dirty="0">
+                <a:hlinkClick r:id="rId2"/>
+              </a:rPr>
+              <a:t>https://aischool.microsoft.com/en-us/learning-paths</a:t>
+            </a:r>
+            <a:endParaRPr lang="en-US" dirty="0"/>
+          </a:p>
+          <a:p>
+            <a:pPr lvl="0"/>
+            <a:r>
+              <a:rPr lang="en-US" u="sng" dirty="0">
+                <a:hlinkClick r:id="rId3"/>
+              </a:rPr>
+              <a:t>https://azure.microsoft.com/en-us/solutions/architecture/?tag=artificial-intelligence</a:t>
+            </a:r>
+            <a:endParaRPr lang="en-US" dirty="0"/>
+          </a:p>
+          <a:p>
+            <a:pPr lvl="0"/>
+            <a:r>
+              <a:rPr lang="en-US" u="sng" dirty="0">
+                <a:hlinkClick r:id="rId4"/>
+              </a:rPr>
+              <a:t>https://azure.microsoft.com/en-us/overview/ai-platform/</a:t>
+            </a:r>
+            <a:endParaRPr lang="en-US" dirty="0"/>
+          </a:p>
+          <a:p>
+            <a:pPr lvl="0"/>
+            <a:r>
+              <a:rPr lang="en-US" u="sng" dirty="0">
+                <a:hlinkClick r:id="rId5"/>
+              </a:rPr>
+              <a:t>https://gallery.azure.ai/</a:t>
+            </a:r>
+            <a:endParaRPr lang="en-US" dirty="0"/>
+          </a:p>
+          <a:p>
+            <a:pPr lvl="0"/>
+            <a:r>
+              <a:rPr lang="en-US" u="sng" dirty="0">
+                <a:hlinkClick r:id="rId6"/>
+              </a:rPr>
+              <a:t>https://www.edx.org/microsoft-professional-program-artificial-intelligence</a:t>
+            </a:r>
+            <a:endParaRPr lang="en-US" dirty="0"/>
+          </a:p>
+          <a:p>
+            <a:pPr lvl="0"/>
+            <a:r>
+              <a:rPr lang="en-US" u="sng" dirty="0">
+                <a:hlinkClick r:id="rId7"/>
+              </a:rPr>
+              <a:t>https://www.edx.org/microsoft-professional-program-data-science</a:t>
+            </a:r>
+            <a:endParaRPr lang="en-US" dirty="0"/>
+          </a:p>
+          <a:p>
+            <a:pPr marL="0" indent="0">
+              <a:buNone/>
+            </a:pPr>
+            <a:r>
+              <a:rPr lang="en-US" dirty="0"/>
+              <a:t> </a:t>
+            </a:r>
+          </a:p>
+          <a:p>
+            <a:endParaRPr lang="en-US" dirty="0"/>
+          </a:p>
+        </p:txBody>
+      </p:sp>
+    </p:spTree>
+    <p:extLst>
+      <p:ext uri="{BB962C8B-B14F-4D97-AF65-F5344CB8AC3E}">
+        <p14:creationId xmlns:p14="http://schemas.microsoft.com/office/powerpoint/2010/main" val="3583937167"/>
+      </p:ext>
+    </p:extLst>
+  </p:cSld>
+  <p:clrMapOvr>
+    <a:masterClrMapping/>
+  </p:clrMapOvr>
+</p:sld>
+</file>
+
+<file path=ppt/slides/slide17.xml><?xml version="1.0" encoding="utf-8"?>
 <p:sld xmlns:a="http://schemas.openxmlformats.org/drawingml/2006/main" xmlns:r="http://schemas.openxmlformats.org/officeDocument/2006/relationships" xmlns:p="http://schemas.openxmlformats.org/presentationml/2006/main">
   <p:cSld>
     <p:spTree>
@@ -9642,14 +9831,14 @@
             </a:ln>
             <a:extLst>
               <a:ext uri="{909E8E84-426E-40dd-AFC4-6F175D3DCCD1}">
-                <a14:hiddenFill xmlns="" xmlns:a14="http://schemas.microsoft.com/office/drawing/2010/main">
+                <a14:hiddenFill xmlns:a14="http://schemas.microsoft.com/office/drawing/2010/main" xmlns="">
                   <a:solidFill>
                     <a:srgbClr val="FFFFFF"/>
                   </a:solidFill>
                 </a14:hiddenFill>
               </a:ext>
               <a:ext uri="{91240B29-F687-4f45-9708-019B960494DF}">
-                <a14:hiddenLine xmlns="" xmlns:a14="http://schemas.microsoft.com/office/drawing/2010/main" w="9525">
+                <a14:hiddenLine xmlns:a14="http://schemas.microsoft.com/office/drawing/2010/main" xmlns="" w="9525">
                   <a:solidFill>
                     <a:srgbClr val="000000"/>
                   </a:solidFill>
@@ -9952,7 +10141,7 @@
             </a:ln>
             <a:extLst>
               <a:ext uri="{91240B29-F687-4f45-9708-019B960494DF}">
-                <a14:hiddenLine xmlns="" xmlns:a14="http://schemas.microsoft.com/office/drawing/2010/main" w="9525">
+                <a14:hiddenLine xmlns:a14="http://schemas.microsoft.com/office/drawing/2010/main" xmlns="" w="9525">
                   <a:solidFill>
                     <a:srgbClr val="000000"/>
                   </a:solidFill>
@@ -10029,7 +10218,7 @@
             </a:ln>
             <a:extLst>
               <a:ext uri="{91240B29-F687-4f45-9708-019B960494DF}">
-                <a14:hiddenLine xmlns="" xmlns:a14="http://schemas.microsoft.com/office/drawing/2010/main" w="9525">
+                <a14:hiddenLine xmlns:a14="http://schemas.microsoft.com/office/drawing/2010/main" xmlns="" w="9525">
                   <a:solidFill>
                     <a:srgbClr val="000000"/>
                   </a:solidFill>
@@ -10106,7 +10295,7 @@
             </a:ln>
             <a:extLst>
               <a:ext uri="{91240B29-F687-4f45-9708-019B960494DF}">
-                <a14:hiddenLine xmlns="" xmlns:a14="http://schemas.microsoft.com/office/drawing/2010/main" w="9525">
+                <a14:hiddenLine xmlns:a14="http://schemas.microsoft.com/office/drawing/2010/main" xmlns="" w="9525">
                   <a:solidFill>
                     <a:srgbClr val="000000"/>
                   </a:solidFill>
@@ -10183,7 +10372,7 @@
             </a:ln>
             <a:extLst>
               <a:ext uri="{91240B29-F687-4f45-9708-019B960494DF}">
-                <a14:hiddenLine xmlns="" xmlns:a14="http://schemas.microsoft.com/office/drawing/2010/main" w="9525">
+                <a14:hiddenLine xmlns:a14="http://schemas.microsoft.com/office/drawing/2010/main" xmlns="" w="9525">
                   <a:solidFill>
                     <a:srgbClr val="000000"/>
                   </a:solidFill>
@@ -10264,7 +10453,7 @@
             </a:ln>
             <a:extLst>
               <a:ext uri="{909E8E84-426E-40dd-AFC4-6F175D3DCCD1}">
-                <a14:hiddenFill xmlns="" xmlns:a14="http://schemas.microsoft.com/office/drawing/2010/main">
+                <a14:hiddenFill xmlns:a14="http://schemas.microsoft.com/office/drawing/2010/main" xmlns="">
                   <a:noFill/>
                 </a14:hiddenFill>
               </a:ext>
@@ -10340,7 +10529,7 @@
             </a:ln>
             <a:extLst>
               <a:ext uri="{909E8E84-426E-40dd-AFC4-6F175D3DCCD1}">
-                <a14:hiddenFill xmlns="" xmlns:a14="http://schemas.microsoft.com/office/drawing/2010/main">
+                <a14:hiddenFill xmlns:a14="http://schemas.microsoft.com/office/drawing/2010/main" xmlns="">
                   <a:noFill/>
                 </a14:hiddenFill>
               </a:ext>
@@ -10450,7 +10639,7 @@
             </a:ln>
             <a:extLst>
               <a:ext uri="{909E8E84-426E-40dd-AFC4-6F175D3DCCD1}">
-                <a14:hiddenFill xmlns="" xmlns:a14="http://schemas.microsoft.com/office/drawing/2010/main">
+                <a14:hiddenFill xmlns:a14="http://schemas.microsoft.com/office/drawing/2010/main" xmlns="">
                   <a:solidFill>
                     <a:srgbClr val="FFFFFF"/>
                   </a:solidFill>
@@ -10524,7 +10713,7 @@
             </a:ln>
             <a:extLst>
               <a:ext uri="{91240B29-F687-4f45-9708-019B960494DF}">
-                <a14:hiddenLine xmlns="" xmlns:a14="http://schemas.microsoft.com/office/drawing/2010/main" w="9525">
+                <a14:hiddenLine xmlns:a14="http://schemas.microsoft.com/office/drawing/2010/main" xmlns="" w="9525">
                   <a:solidFill>
                     <a:srgbClr val="000000"/>
                   </a:solidFill>
@@ -10605,7 +10794,7 @@
             </a:ln>
             <a:extLst>
               <a:ext uri="{909E8E84-426E-40dd-AFC4-6F175D3DCCD1}">
-                <a14:hiddenFill xmlns="" xmlns:a14="http://schemas.microsoft.com/office/drawing/2010/main">
+                <a14:hiddenFill xmlns:a14="http://schemas.microsoft.com/office/drawing/2010/main" xmlns="">
                   <a:noFill/>
                 </a14:hiddenFill>
               </a:ext>
@@ -10681,7 +10870,7 @@
             </a:ln>
             <a:extLst>
               <a:ext uri="{909E8E84-426E-40dd-AFC4-6F175D3DCCD1}">
-                <a14:hiddenFill xmlns="" xmlns:a14="http://schemas.microsoft.com/office/drawing/2010/main">
+                <a14:hiddenFill xmlns:a14="http://schemas.microsoft.com/office/drawing/2010/main" xmlns="">
                   <a:noFill/>
                 </a14:hiddenFill>
               </a:ext>
@@ -11550,7 +11739,7 @@
             </a:ln>
             <a:extLst>
               <a:ext uri="{909E8E84-426E-40dd-AFC4-6F175D3DCCD1}">
-                <a14:hiddenFill xmlns="" xmlns:a14="http://schemas.microsoft.com/office/drawing/2010/main">
+                <a14:hiddenFill xmlns:a14="http://schemas.microsoft.com/office/drawing/2010/main" xmlns="">
                   <a:solidFill>
                     <a:srgbClr val="FFFFFF"/>
                   </a:solidFill>
@@ -11667,7 +11856,7 @@
             </a:ln>
             <a:extLst>
               <a:ext uri="{91240B29-F687-4f45-9708-019B960494DF}">
-                <a14:hiddenLine xmlns="" xmlns:a14="http://schemas.microsoft.com/office/drawing/2010/main" w="9525">
+                <a14:hiddenLine xmlns:a14="http://schemas.microsoft.com/office/drawing/2010/main" xmlns="" w="9525">
                   <a:solidFill>
                     <a:srgbClr val="000000"/>
                   </a:solidFill>
@@ -11790,7 +11979,7 @@
             </a:ln>
             <a:extLst>
               <a:ext uri="{909E8E84-426E-40dd-AFC4-6F175D3DCCD1}">
-                <a14:hiddenFill xmlns="" xmlns:a14="http://schemas.microsoft.com/office/drawing/2010/main">
+                <a14:hiddenFill xmlns:a14="http://schemas.microsoft.com/office/drawing/2010/main" xmlns="">
                   <a:solidFill>
                     <a:srgbClr val="FFFFFF"/>
                   </a:solidFill>
@@ -11907,7 +12096,7 @@
             </a:ln>
             <a:extLst>
               <a:ext uri="{91240B29-F687-4f45-9708-019B960494DF}">
-                <a14:hiddenLine xmlns="" xmlns:a14="http://schemas.microsoft.com/office/drawing/2010/main" w="9525">
+                <a14:hiddenLine xmlns:a14="http://schemas.microsoft.com/office/drawing/2010/main" xmlns="" w="9525">
                   <a:solidFill>
                     <a:srgbClr val="000000"/>
                   </a:solidFill>
@@ -12022,7 +12211,7 @@
             </a:ln>
             <a:extLst>
               <a:ext uri="{909E8E84-426E-40dd-AFC4-6F175D3DCCD1}">
-                <a14:hiddenFill xmlns="" xmlns:a14="http://schemas.microsoft.com/office/drawing/2010/main">
+                <a14:hiddenFill xmlns:a14="http://schemas.microsoft.com/office/drawing/2010/main" xmlns="">
                   <a:solidFill>
                     <a:srgbClr val="FFFFFF"/>
                   </a:solidFill>
@@ -12139,7 +12328,7 @@
             </a:ln>
             <a:extLst>
               <a:ext uri="{91240B29-F687-4f45-9708-019B960494DF}">
-                <a14:hiddenLine xmlns="" xmlns:a14="http://schemas.microsoft.com/office/drawing/2010/main" w="9525">
+                <a14:hiddenLine xmlns:a14="http://schemas.microsoft.com/office/drawing/2010/main" xmlns="" w="9525">
                   <a:solidFill>
                     <a:srgbClr val="000000"/>
                   </a:solidFill>
@@ -12660,7 +12849,7 @@
                 </a:ln>
                 <a:extLst>
                   <a:ext uri="{91240B29-F687-4f45-9708-019B960494DF}">
-                    <a14:hiddenLine xmlns="" xmlns:a14="http://schemas.microsoft.com/office/drawing/2010/main" w="9525">
+                    <a14:hiddenLine xmlns:a14="http://schemas.microsoft.com/office/drawing/2010/main" xmlns="" w="9525">
                       <a:solidFill>
                         <a:srgbClr val="000000"/>
                       </a:solidFill>
@@ -12802,7 +12991,7 @@
                 </a:ln>
                 <a:extLst>
                   <a:ext uri="{91240B29-F687-4f45-9708-019B960494DF}">
-                    <a14:hiddenLine xmlns="" xmlns:a14="http://schemas.microsoft.com/office/drawing/2010/main" w="9525">
+                    <a14:hiddenLine xmlns:a14="http://schemas.microsoft.com/office/drawing/2010/main" xmlns="" w="9525">
                       <a:solidFill>
                         <a:srgbClr val="000000"/>
                       </a:solidFill>
@@ -12944,7 +13133,7 @@
                 </a:ln>
                 <a:extLst>
                   <a:ext uri="{91240B29-F687-4f45-9708-019B960494DF}">
-                    <a14:hiddenLine xmlns="" xmlns:a14="http://schemas.microsoft.com/office/drawing/2010/main" w="9525">
+                    <a14:hiddenLine xmlns:a14="http://schemas.microsoft.com/office/drawing/2010/main" xmlns="" w="9525">
                       <a:solidFill>
                         <a:srgbClr val="000000"/>
                       </a:solidFill>
@@ -13086,7 +13275,7 @@
                 </a:ln>
                 <a:extLst>
                   <a:ext uri="{91240B29-F687-4f45-9708-019B960494DF}">
-                    <a14:hiddenLine xmlns="" xmlns:a14="http://schemas.microsoft.com/office/drawing/2010/main" w="9525">
+                    <a14:hiddenLine xmlns:a14="http://schemas.microsoft.com/office/drawing/2010/main" xmlns="" w="9525">
                       <a:solidFill>
                         <a:srgbClr val="000000"/>
                       </a:solidFill>
@@ -13163,14 +13352,14 @@
             </a:ln>
             <a:extLst>
               <a:ext uri="{909E8E84-426E-40dd-AFC4-6F175D3DCCD1}">
-                <a14:hiddenFill xmlns="" xmlns:a14="http://schemas.microsoft.com/office/drawing/2010/main">
+                <a14:hiddenFill xmlns:a14="http://schemas.microsoft.com/office/drawing/2010/main" xmlns="">
                   <a:solidFill>
                     <a:srgbClr val="FFFFFF"/>
                   </a:solidFill>
                 </a14:hiddenFill>
               </a:ext>
               <a:ext uri="{91240B29-F687-4f45-9708-019B960494DF}">
-                <a14:hiddenLine xmlns="" xmlns:a14="http://schemas.microsoft.com/office/drawing/2010/main" w="9525">
+                <a14:hiddenLine xmlns:a14="http://schemas.microsoft.com/office/drawing/2010/main" xmlns="" w="9525">
                   <a:solidFill>
                     <a:srgbClr val="000000"/>
                   </a:solidFill>
@@ -13392,7 +13581,7 @@
             </a:ln>
             <a:extLst>
               <a:ext uri="{91240B29-F687-4f45-9708-019B960494DF}">
-                <a14:hiddenLine xmlns="" xmlns:a14="http://schemas.microsoft.com/office/drawing/2010/main" w="9525">
+                <a14:hiddenLine xmlns:a14="http://schemas.microsoft.com/office/drawing/2010/main" xmlns="" w="9525">
                   <a:solidFill>
                     <a:srgbClr val="000000"/>
                   </a:solidFill>
@@ -13505,14 +13694,14 @@
             </a:ln>
             <a:extLst>
               <a:ext uri="{909E8E84-426E-40dd-AFC4-6F175D3DCCD1}">
-                <a14:hiddenFill xmlns="" xmlns:a14="http://schemas.microsoft.com/office/drawing/2010/main">
+                <a14:hiddenFill xmlns:a14="http://schemas.microsoft.com/office/drawing/2010/main" xmlns="">
                   <a:solidFill>
                     <a:srgbClr val="FFFFFF"/>
                   </a:solidFill>
                 </a14:hiddenFill>
               </a:ext>
               <a:ext uri="{91240B29-F687-4f45-9708-019B960494DF}">
-                <a14:hiddenLine xmlns="" xmlns:a14="http://schemas.microsoft.com/office/drawing/2010/main" w="9525">
+                <a14:hiddenLine xmlns:a14="http://schemas.microsoft.com/office/drawing/2010/main" xmlns="" w="9525">
                   <a:solidFill>
                     <a:srgbClr val="000000"/>
                   </a:solidFill>
@@ -13637,14 +13826,14 @@
             </a:ln>
             <a:extLst>
               <a:ext uri="{909E8E84-426E-40dd-AFC4-6F175D3DCCD1}">
-                <a14:hiddenFill xmlns="" xmlns:a14="http://schemas.microsoft.com/office/drawing/2010/main">
+                <a14:hiddenFill xmlns:a14="http://schemas.microsoft.com/office/drawing/2010/main" xmlns="">
                   <a:solidFill>
                     <a:srgbClr val="FFFFFF"/>
                   </a:solidFill>
                 </a14:hiddenFill>
               </a:ext>
               <a:ext uri="{91240B29-F687-4f45-9708-019B960494DF}">
-                <a14:hiddenLine xmlns="" xmlns:a14="http://schemas.microsoft.com/office/drawing/2010/main" w="9525">
+                <a14:hiddenLine xmlns:a14="http://schemas.microsoft.com/office/drawing/2010/main" xmlns="" w="9525">
                   <a:solidFill>
                     <a:srgbClr val="000000"/>
                   </a:solidFill>

--- a/AzureMLStudioLab.pptx
+++ b/AzureMLStudioLab.pptx
@@ -6,26 +6,28 @@
     <p:sldMasterId id="2147483660" r:id="rId2"/>
   </p:sldMasterIdLst>
   <p:notesMasterIdLst>
-    <p:notesMasterId r:id="rId20"/>
+    <p:notesMasterId r:id="rId22"/>
   </p:notesMasterIdLst>
   <p:sldIdLst>
-    <p:sldId id="256" r:id="rId3"/>
-    <p:sldId id="310" r:id="rId4"/>
-    <p:sldId id="311" r:id="rId5"/>
-    <p:sldId id="278" r:id="rId6"/>
-    <p:sldId id="312" r:id="rId7"/>
-    <p:sldId id="313" r:id="rId8"/>
-    <p:sldId id="338" r:id="rId9"/>
-    <p:sldId id="340" r:id="rId10"/>
-    <p:sldId id="276" r:id="rId11"/>
-    <p:sldId id="353" r:id="rId12"/>
-    <p:sldId id="343" r:id="rId13"/>
-    <p:sldId id="344" r:id="rId14"/>
-    <p:sldId id="345" r:id="rId15"/>
-    <p:sldId id="341" r:id="rId16"/>
-    <p:sldId id="342" r:id="rId17"/>
-    <p:sldId id="355" r:id="rId18"/>
-    <p:sldId id="354" r:id="rId19"/>
+    <p:sldId id="356" r:id="rId3"/>
+    <p:sldId id="357" r:id="rId4"/>
+    <p:sldId id="310" r:id="rId5"/>
+    <p:sldId id="311" r:id="rId6"/>
+    <p:sldId id="278" r:id="rId7"/>
+    <p:sldId id="312" r:id="rId8"/>
+    <p:sldId id="313" r:id="rId9"/>
+    <p:sldId id="338" r:id="rId10"/>
+    <p:sldId id="340" r:id="rId11"/>
+    <p:sldId id="276" r:id="rId12"/>
+    <p:sldId id="353" r:id="rId13"/>
+    <p:sldId id="343" r:id="rId14"/>
+    <p:sldId id="344" r:id="rId15"/>
+    <p:sldId id="345" r:id="rId16"/>
+    <p:sldId id="341" r:id="rId17"/>
+    <p:sldId id="342" r:id="rId18"/>
+    <p:sldId id="355" r:id="rId19"/>
+    <p:sldId id="358" r:id="rId20"/>
+    <p:sldId id="354" r:id="rId21"/>
   </p:sldIdLst>
   <p:sldSz cx="12192000" cy="6858000"/>
   <p:notesSz cx="6858000" cy="9144000"/>
@@ -129,7 +131,8 @@
       <p14:sectionLst xmlns:p14="http://schemas.microsoft.com/office/powerpoint/2010/main">
         <p14:section name="Default Section" id="{90607424-3463-4B85-8434-2E9B2595C864}">
           <p14:sldIdLst>
-            <p14:sldId id="256"/>
+            <p14:sldId id="356"/>
+            <p14:sldId id="357"/>
             <p14:sldId id="310"/>
             <p14:sldId id="311"/>
             <p14:sldId id="278"/>
@@ -145,6 +148,7 @@
             <p14:sldId id="341"/>
             <p14:sldId id="342"/>
             <p14:sldId id="355"/>
+            <p14:sldId id="358"/>
           </p14:sldIdLst>
         </p14:section>
         <p14:section name="Appendix" id="{127ED5BF-B7F6-451C-ABAF-877697982833}">
@@ -164,7 +168,7 @@
 <file path=ppt/revisionInfo.xml><?xml version="1.0" encoding="utf-8"?>
 <p1510:revInfo xmlns:a="http://schemas.openxmlformats.org/drawingml/2006/main" xmlns:r="http://schemas.openxmlformats.org/officeDocument/2006/relationships" xmlns:p1510="http://schemas.microsoft.com/office/powerpoint/2015/10/main">
   <p1510:revLst>
-    <p1510:client id="{E66E20DC-104F-44D7-A6D1-6D5D8B8A929D}" v="3" dt="2018-11-04T09:08:51.489"/>
+    <p1510:client id="{E66E20DC-104F-44D7-A6D1-6D5D8B8A929D}" v="38" dt="2018-11-07T18:47:14.857"/>
   </p1510:revLst>
 </p1510:revInfo>
 </file>
@@ -205,11 +209,57 @@
   </pc:docChgLst>
   <pc:docChgLst>
     <pc:chgData name="Joyjeet Majumdar" userId="a8c26bbd-80bf-4c6f-bdc0-30efe33ccea3" providerId="ADAL" clId="{E66E20DC-104F-44D7-A6D1-6D5D8B8A929D}"/>
-    <pc:docChg chg="addSld modSld">
-      <pc:chgData name="Joyjeet Majumdar" userId="a8c26bbd-80bf-4c6f-bdc0-30efe33ccea3" providerId="ADAL" clId="{E66E20DC-104F-44D7-A6D1-6D5D8B8A929D}" dt="2018-11-04T09:08:51.477" v="23" actId="5793"/>
+    <pc:docChg chg="undo custSel addSld delSld modSld sldOrd modSection">
+      <pc:chgData name="Joyjeet Majumdar" userId="a8c26bbd-80bf-4c6f-bdc0-30efe33ccea3" providerId="ADAL" clId="{E66E20DC-104F-44D7-A6D1-6D5D8B8A929D}" dt="2018-11-07T18:47:10.926" v="952" actId="115"/>
       <pc:docMkLst>
         <pc:docMk/>
       </pc:docMkLst>
+      <pc:sldChg chg="modSp del">
+        <pc:chgData name="Joyjeet Majumdar" userId="a8c26bbd-80bf-4c6f-bdc0-30efe33ccea3" providerId="ADAL" clId="{E66E20DC-104F-44D7-A6D1-6D5D8B8A929D}" dt="2018-11-07T17:44:40.745" v="107" actId="2696"/>
+        <pc:sldMkLst>
+          <pc:docMk/>
+          <pc:sldMk cId="4201020627" sldId="256"/>
+        </pc:sldMkLst>
+        <pc:spChg chg="mod">
+          <ac:chgData name="Joyjeet Majumdar" userId="a8c26bbd-80bf-4c6f-bdc0-30efe33ccea3" providerId="ADAL" clId="{E66E20DC-104F-44D7-A6D1-6D5D8B8A929D}" dt="2018-11-07T17:42:03.922" v="44" actId="20577"/>
+          <ac:spMkLst>
+            <pc:docMk/>
+            <pc:sldMk cId="4201020627" sldId="256"/>
+            <ac:spMk id="2" creationId="{C1305F7E-BCC3-433A-ADDB-9128922BEB0D}"/>
+          </ac:spMkLst>
+        </pc:spChg>
+        <pc:spChg chg="mod">
+          <ac:chgData name="Joyjeet Majumdar" userId="a8c26bbd-80bf-4c6f-bdc0-30efe33ccea3" providerId="ADAL" clId="{E66E20DC-104F-44D7-A6D1-6D5D8B8A929D}" dt="2018-11-07T17:42:08.390" v="52" actId="20577"/>
+          <ac:spMkLst>
+            <pc:docMk/>
+            <pc:sldMk cId="4201020627" sldId="256"/>
+            <ac:spMk id="3" creationId="{DDEC4A22-719A-46C9-BACE-8773352B93CE}"/>
+          </ac:spMkLst>
+        </pc:spChg>
+      </pc:sldChg>
+      <pc:sldChg chg="modSp">
+        <pc:chgData name="Joyjeet Majumdar" userId="a8c26bbd-80bf-4c6f-bdc0-30efe33ccea3" providerId="ADAL" clId="{E66E20DC-104F-44D7-A6D1-6D5D8B8A929D}" dt="2018-11-07T18:47:10.926" v="952" actId="115"/>
+        <pc:sldMkLst>
+          <pc:docMk/>
+          <pc:sldMk cId="1970643437" sldId="354"/>
+        </pc:sldMkLst>
+        <pc:spChg chg="mod">
+          <ac:chgData name="Joyjeet Majumdar" userId="a8c26bbd-80bf-4c6f-bdc0-30efe33ccea3" providerId="ADAL" clId="{E66E20DC-104F-44D7-A6D1-6D5D8B8A929D}" dt="2018-11-07T18:46:28.688" v="916" actId="20577"/>
+          <ac:spMkLst>
+            <pc:docMk/>
+            <pc:sldMk cId="1970643437" sldId="354"/>
+            <ac:spMk id="2" creationId="{F24FB3C8-617C-4BEF-BDAE-FBB7F3990105}"/>
+          </ac:spMkLst>
+        </pc:spChg>
+        <pc:spChg chg="mod">
+          <ac:chgData name="Joyjeet Majumdar" userId="a8c26bbd-80bf-4c6f-bdc0-30efe33ccea3" providerId="ADAL" clId="{E66E20DC-104F-44D7-A6D1-6D5D8B8A929D}" dt="2018-11-07T18:47:10.926" v="952" actId="115"/>
+          <ac:spMkLst>
+            <pc:docMk/>
+            <pc:sldMk cId="1970643437" sldId="354"/>
+            <ac:spMk id="3" creationId="{85A8BBAD-5739-4435-A3F3-0DE4B339C292}"/>
+          </ac:spMkLst>
+        </pc:spChg>
+      </pc:sldChg>
       <pc:sldChg chg="modSp add">
         <pc:chgData name="Joyjeet Majumdar" userId="a8c26bbd-80bf-4c6f-bdc0-30efe33ccea3" providerId="ADAL" clId="{E66E20DC-104F-44D7-A6D1-6D5D8B8A929D}" dt="2018-11-04T09:08:51.477" v="23" actId="5793"/>
         <pc:sldMkLst>
@@ -232,6 +282,107 @@
             <ac:spMk id="3" creationId="{F8213032-38FC-4B81-8C43-AB8524CF8040}"/>
           </ac:spMkLst>
         </pc:spChg>
+      </pc:sldChg>
+      <pc:sldChg chg="addSp delSp modSp add ord">
+        <pc:chgData name="Joyjeet Majumdar" userId="a8c26bbd-80bf-4c6f-bdc0-30efe33ccea3" providerId="ADAL" clId="{E66E20DC-104F-44D7-A6D1-6D5D8B8A929D}" dt="2018-11-07T17:54:53.655" v="248" actId="1036"/>
+        <pc:sldMkLst>
+          <pc:docMk/>
+          <pc:sldMk cId="3983092351" sldId="356"/>
+        </pc:sldMkLst>
+        <pc:spChg chg="mod">
+          <ac:chgData name="Joyjeet Majumdar" userId="a8c26bbd-80bf-4c6f-bdc0-30efe33ccea3" providerId="ADAL" clId="{E66E20DC-104F-44D7-A6D1-6D5D8B8A929D}" dt="2018-11-07T17:44:05.620" v="70" actId="20577"/>
+          <ac:spMkLst>
+            <pc:docMk/>
+            <pc:sldMk cId="3983092351" sldId="356"/>
+            <ac:spMk id="2" creationId="{7FD7B23D-7E98-4103-B985-75C743B50C17}"/>
+          </ac:spMkLst>
+        </pc:spChg>
+        <pc:spChg chg="mod">
+          <ac:chgData name="Joyjeet Majumdar" userId="a8c26bbd-80bf-4c6f-bdc0-30efe33ccea3" providerId="ADAL" clId="{E66E20DC-104F-44D7-A6D1-6D5D8B8A929D}" dt="2018-11-07T17:44:34.950" v="105" actId="20577"/>
+          <ac:spMkLst>
+            <pc:docMk/>
+            <pc:sldMk cId="3983092351" sldId="356"/>
+            <ac:spMk id="3" creationId="{FAFFC336-E87F-4E25-9873-A4F34C14C609}"/>
+          </ac:spMkLst>
+        </pc:spChg>
+        <pc:spChg chg="add mod">
+          <ac:chgData name="Joyjeet Majumdar" userId="a8c26bbd-80bf-4c6f-bdc0-30efe33ccea3" providerId="ADAL" clId="{E66E20DC-104F-44D7-A6D1-6D5D8B8A929D}" dt="2018-11-07T17:54:53.655" v="248" actId="1036"/>
+          <ac:spMkLst>
+            <pc:docMk/>
+            <pc:sldMk cId="3983092351" sldId="356"/>
+            <ac:spMk id="4" creationId="{1DA77A3F-CD3E-4881-9A6B-6AB9083ED025}"/>
+          </ac:spMkLst>
+        </pc:spChg>
+        <pc:picChg chg="add del mod">
+          <ac:chgData name="Joyjeet Majumdar" userId="a8c26bbd-80bf-4c6f-bdc0-30efe33ccea3" providerId="ADAL" clId="{E66E20DC-104F-44D7-A6D1-6D5D8B8A929D}" dt="2018-11-07T17:50:15.108" v="182"/>
+          <ac:picMkLst>
+            <pc:docMk/>
+            <pc:sldMk cId="3983092351" sldId="356"/>
+            <ac:picMk id="6" creationId="{80FA0333-2D2A-452B-B807-6809DC64E25A}"/>
+          </ac:picMkLst>
+        </pc:picChg>
+        <pc:picChg chg="add del mod">
+          <ac:chgData name="Joyjeet Majumdar" userId="a8c26bbd-80bf-4c6f-bdc0-30efe33ccea3" providerId="ADAL" clId="{E66E20DC-104F-44D7-A6D1-6D5D8B8A929D}" dt="2018-11-07T17:50:27.097" v="187"/>
+          <ac:picMkLst>
+            <pc:docMk/>
+            <pc:sldMk cId="3983092351" sldId="356"/>
+            <ac:picMk id="8" creationId="{CFB2864F-3774-4FD9-AB4F-491E3CFFA3C1}"/>
+          </ac:picMkLst>
+        </pc:picChg>
+        <pc:picChg chg="add mod">
+          <ac:chgData name="Joyjeet Majumdar" userId="a8c26bbd-80bf-4c6f-bdc0-30efe33ccea3" providerId="ADAL" clId="{E66E20DC-104F-44D7-A6D1-6D5D8B8A929D}" dt="2018-11-07T17:54:53.655" v="248" actId="1036"/>
+          <ac:picMkLst>
+            <pc:docMk/>
+            <pc:sldMk cId="3983092351" sldId="356"/>
+            <ac:picMk id="10" creationId="{BCC69838-95CC-4B93-988F-A1456D79FB0B}"/>
+          </ac:picMkLst>
+        </pc:picChg>
+        <pc:picChg chg="add mod">
+          <ac:chgData name="Joyjeet Majumdar" userId="a8c26bbd-80bf-4c6f-bdc0-30efe33ccea3" providerId="ADAL" clId="{E66E20DC-104F-44D7-A6D1-6D5D8B8A929D}" dt="2018-11-07T17:54:53.655" v="248" actId="1036"/>
+          <ac:picMkLst>
+            <pc:docMk/>
+            <pc:sldMk cId="3983092351" sldId="356"/>
+            <ac:picMk id="12" creationId="{152171BE-BFD1-40AB-8FEF-7A2BA9A0AA67}"/>
+          </ac:picMkLst>
+        </pc:picChg>
+      </pc:sldChg>
+      <pc:sldChg chg="modSp add del">
+        <pc:chgData name="Joyjeet Majumdar" userId="a8c26bbd-80bf-4c6f-bdc0-30efe33ccea3" providerId="ADAL" clId="{E66E20DC-104F-44D7-A6D1-6D5D8B8A929D}" dt="2018-11-07T18:45:48.577" v="903" actId="2696"/>
+        <pc:sldMkLst>
+          <pc:docMk/>
+          <pc:sldMk cId="2525443605" sldId="357"/>
+        </pc:sldMkLst>
+        <pc:spChg chg="mod">
+          <ac:chgData name="Joyjeet Majumdar" userId="a8c26bbd-80bf-4c6f-bdc0-30efe33ccea3" providerId="ADAL" clId="{E66E20DC-104F-44D7-A6D1-6D5D8B8A929D}" dt="2018-11-07T18:45:13.127" v="901" actId="20577"/>
+          <ac:spMkLst>
+            <pc:docMk/>
+            <pc:sldMk cId="2525443605" sldId="357"/>
+            <ac:spMk id="2" creationId="{A6A4B43F-6AD9-4B5F-B24B-E6726B13BC44}"/>
+          </ac:spMkLst>
+        </pc:spChg>
+        <pc:spChg chg="mod">
+          <ac:chgData name="Joyjeet Majumdar" userId="a8c26bbd-80bf-4c6f-bdc0-30efe33ccea3" providerId="ADAL" clId="{E66E20DC-104F-44D7-A6D1-6D5D8B8A929D}" dt="2018-11-07T18:35:55.987" v="341"/>
+          <ac:spMkLst>
+            <pc:docMk/>
+            <pc:sldMk cId="2525443605" sldId="357"/>
+            <ac:spMk id="3" creationId="{4E04F014-967E-4754-A5BB-E084DDE6A652}"/>
+          </ac:spMkLst>
+        </pc:spChg>
+        <pc:graphicFrameChg chg="mod modGraphic">
+          <ac:chgData name="Joyjeet Majumdar" userId="a8c26bbd-80bf-4c6f-bdc0-30efe33ccea3" providerId="ADAL" clId="{E66E20DC-104F-44D7-A6D1-6D5D8B8A929D}" dt="2018-11-07T18:44:59.855" v="900" actId="20577"/>
+          <ac:graphicFrameMkLst>
+            <pc:docMk/>
+            <pc:sldMk cId="2525443605" sldId="357"/>
+            <ac:graphicFrameMk id="4" creationId="{F03ED187-5D33-4117-AD0F-8A1AE3F58452}"/>
+          </ac:graphicFrameMkLst>
+        </pc:graphicFrameChg>
+      </pc:sldChg>
+      <pc:sldChg chg="add ord">
+        <pc:chgData name="Joyjeet Majumdar" userId="a8c26bbd-80bf-4c6f-bdc0-30efe33ccea3" providerId="ADAL" clId="{E66E20DC-104F-44D7-A6D1-6D5D8B8A929D}" dt="2018-11-07T18:46:03.540" v="906"/>
+        <pc:sldMkLst>
+          <pc:docMk/>
+          <pc:sldMk cId="32507161" sldId="358"/>
+        </pc:sldMkLst>
       </pc:sldChg>
     </pc:docChg>
   </pc:docChgLst>
@@ -320,7 +471,7 @@
           <a:p>
             <a:fld id="{6296A4C6-A052-4AEE-B480-DCB4A8687DCA}" type="datetimeFigureOut">
               <a:rPr lang="en-US" smtClean="0"/>
-              <a:t>11/4/2018</a:t>
+              <a:t>11/7/2018</a:t>
             </a:fld>
             <a:endParaRPr lang="en-US"/>
           </a:p>
@@ -631,28 +782,7 @@
           <a:bodyPr/>
           <a:lstStyle/>
           <a:p>
-            <a:r>
-              <a:rPr lang="en-US" baseline="0" dirty="0"/>
-              <a:t>With the cloud, you can bring in data sources with the ease of a drop down or drop your on-premises data set into the built in storage space. Users can then model in our development environment – Machine Learning Studio – where we’re offering R, Python and SQLite as first class citizens in addition to our world-class Microsoft algorithms. </a:t>
-            </a:r>
-          </a:p>
-          <a:p>
-            <a:endParaRPr lang="en-US" baseline="0" dirty="0"/>
-          </a:p>
-          <a:p>
-            <a:r>
-              <a:rPr lang="en-US" baseline="0" dirty="0"/>
-              <a:t>The second issue – and often the primary one – is putting finished work into production in a way others can use. We’ve heard from many data scientists that they model in R on a Linux stack but then have to hand over their work to developers who need to translate that into another language to actually make it work. This time consuming and unnecessary process has been eliminated with our system, as the model is with a click transformed into a web service end-point that can run over any data, anywhere and connect to any solution or client. </a:t>
-            </a:r>
-          </a:p>
-          <a:p>
-            <a:endParaRPr lang="en-US" baseline="0" dirty="0"/>
-          </a:p>
-          <a:p>
-            <a:r>
-              <a:rPr lang="en-US" baseline="0" dirty="0"/>
-              <a:t>Next, not only can this model be put into production for your company, it can be made available for the world on our Machine Learning Marketplace. Microsoft hosts your solution and markets it for you, while you have the freedom to brand and monetize as you see fit. We also offer a number of Microsoft solutions here.</a:t>
-            </a:r>
+            <a:endParaRPr lang="en-US" dirty="0"/>
           </a:p>
         </p:txBody>
       </p:sp>
@@ -663,7 +793,7 @@
             <a:spLocks noGrp="1"/>
           </p:cNvSpPr>
           <p:nvPr>
-            <p:ph type="sldNum" sz="quarter" idx="10"/>
+            <p:ph type="sldNum" sz="quarter" idx="5"/>
           </p:nvPr>
         </p:nvSpPr>
         <p:spPr/>
@@ -671,78 +801,108 @@
           <a:bodyPr/>
           <a:lstStyle/>
           <a:p>
-            <a:pPr marL="0" marR="0" lvl="0" indent="0" algn="r" defTabSz="914400" rtl="0" eaLnBrk="1" fontAlgn="auto" latinLnBrk="0" hangingPunct="1">
-              <a:lnSpc>
-                <a:spcPct val="100000"/>
-              </a:lnSpc>
-              <a:spcBef>
-                <a:spcPts val="0"/>
-              </a:spcBef>
-              <a:spcAft>
-                <a:spcPts val="0"/>
-              </a:spcAft>
-              <a:buClrTx/>
-              <a:buSzTx/>
-              <a:buFontTx/>
-              <a:buNone/>
-              <a:tabLst/>
-              <a:defRPr/>
-            </a:pPr>
-            <a:fld id="{39B346B2-E8EF-43C1-9AB2-48101FFD65C8}" type="slidenum">
-              <a:rPr kumimoji="0" lang="en-US" sz="1200" b="0" i="0" u="none" strike="noStrike" kern="1200" cap="none" spc="0" normalizeH="0" baseline="0" noProof="0" smtClean="0">
-                <a:ln>
-                  <a:noFill/>
-                </a:ln>
-                <a:solidFill>
-                  <a:prstClr val="black"/>
-                </a:solidFill>
-                <a:effectLst/>
-                <a:uLnTx/>
-                <a:uFillTx/>
-                <a:latin typeface="Calibri" panose="020F0502020204030204"/>
-                <a:ea typeface="+mn-ea"/>
-                <a:cs typeface="+mn-cs"/>
-              </a:rPr>
-              <a:pPr marL="0" marR="0" lvl="0" indent="0" algn="r" defTabSz="914400" rtl="0" eaLnBrk="1" fontAlgn="auto" latinLnBrk="0" hangingPunct="1">
-                <a:lnSpc>
-                  <a:spcPct val="100000"/>
-                </a:lnSpc>
-                <a:spcBef>
-                  <a:spcPts val="0"/>
-                </a:spcBef>
-                <a:spcAft>
-                  <a:spcPts val="0"/>
-                </a:spcAft>
-                <a:buClrTx/>
-                <a:buSzTx/>
-                <a:buFontTx/>
-                <a:buNone/>
-                <a:tabLst/>
-                <a:defRPr/>
-              </a:pPr>
-              <a:t>2</a:t>
+            <a:fld id="{21FA0B34-2399-4225-A735-4DF20F9FDF14}" type="slidenum">
+              <a:rPr lang="en-US" smtClean="0"/>
+              <a:t>1</a:t>
             </a:fld>
-            <a:endParaRPr kumimoji="0" lang="en-US" sz="1200" b="0" i="0" u="none" strike="noStrike" kern="1200" cap="none" spc="0" normalizeH="0" baseline="0" noProof="0">
-              <a:ln>
-                <a:noFill/>
-              </a:ln>
-              <a:solidFill>
-                <a:prstClr val="black"/>
-              </a:solidFill>
-              <a:effectLst/>
-              <a:uLnTx/>
-              <a:uFillTx/>
-              <a:latin typeface="Calibri" panose="020F0502020204030204"/>
-              <a:ea typeface="+mn-ea"/>
-              <a:cs typeface="+mn-cs"/>
-            </a:endParaRPr>
+            <a:endParaRPr lang="en-US"/>
           </a:p>
         </p:txBody>
       </p:sp>
     </p:spTree>
     <p:extLst>
       <p:ext uri="{BB962C8B-B14F-4D97-AF65-F5344CB8AC3E}">
-        <p14:creationId xmlns:p14="http://schemas.microsoft.com/office/powerpoint/2010/main" val="407476579"/>
+        <p14:creationId xmlns:p14="http://schemas.microsoft.com/office/powerpoint/2010/main" val="2293417496"/>
+      </p:ext>
+    </p:extLst>
+  </p:cSld>
+  <p:clrMapOvr>
+    <a:masterClrMapping/>
+  </p:clrMapOvr>
+</p:notes>
+</file>
+
+<file path=ppt/notesSlides/notesSlide10.xml><?xml version="1.0" encoding="utf-8"?>
+<p:notes xmlns:a="http://schemas.openxmlformats.org/drawingml/2006/main" xmlns:r="http://schemas.openxmlformats.org/officeDocument/2006/relationships" xmlns:p="http://schemas.openxmlformats.org/presentationml/2006/main">
+  <p:cSld>
+    <p:spTree>
+      <p:nvGrpSpPr>
+        <p:cNvPr id="1" name=""/>
+        <p:cNvGrpSpPr/>
+        <p:nvPr/>
+      </p:nvGrpSpPr>
+      <p:grpSpPr>
+        <a:xfrm>
+          <a:off x="0" y="0"/>
+          <a:ext cx="0" cy="0"/>
+          <a:chOff x="0" y="0"/>
+          <a:chExt cx="0" cy="0"/>
+        </a:xfrm>
+      </p:grpSpPr>
+      <p:sp>
+        <p:nvSpPr>
+          <p:cNvPr id="2" name="Slide Image Placeholder 1"/>
+          <p:cNvSpPr>
+            <a:spLocks noGrp="1" noRot="1" noChangeAspect="1"/>
+          </p:cNvSpPr>
+          <p:nvPr>
+            <p:ph type="sldImg"/>
+          </p:nvPr>
+        </p:nvSpPr>
+        <p:spPr/>
+      </p:sp>
+      <p:sp>
+        <p:nvSpPr>
+          <p:cNvPr id="3" name="Notes Placeholder 2"/>
+          <p:cNvSpPr>
+            <a:spLocks noGrp="1"/>
+          </p:cNvSpPr>
+          <p:nvPr>
+            <p:ph type="body" idx="1"/>
+          </p:nvPr>
+        </p:nvSpPr>
+        <p:spPr/>
+        <p:txBody>
+          <a:bodyPr/>
+          <a:lstStyle/>
+          <a:p>
+            <a:r>
+              <a:rPr lang="en-US" dirty="0"/>
+              <a:t>https://docs.microsoft.com/en-us/azure/machine-learning/studio/what-is-ml-studio</a:t>
+            </a:r>
+          </a:p>
+          <a:p>
+            <a:endParaRPr lang="en-US" dirty="0"/>
+          </a:p>
+        </p:txBody>
+      </p:sp>
+      <p:sp>
+        <p:nvSpPr>
+          <p:cNvPr id="4" name="Slide Number Placeholder 3"/>
+          <p:cNvSpPr>
+            <a:spLocks noGrp="1"/>
+          </p:cNvSpPr>
+          <p:nvPr>
+            <p:ph type="sldNum" sz="quarter" idx="5"/>
+          </p:nvPr>
+        </p:nvSpPr>
+        <p:spPr/>
+        <p:txBody>
+          <a:bodyPr/>
+          <a:lstStyle/>
+          <a:p>
+            <a:fld id="{21FA0B34-2399-4225-A735-4DF20F9FDF14}" type="slidenum">
+              <a:rPr lang="en-US" smtClean="0"/>
+              <a:t>19</a:t>
+            </a:fld>
+            <a:endParaRPr lang="en-US"/>
+          </a:p>
+        </p:txBody>
+      </p:sp>
+    </p:spTree>
+    <p:extLst>
+      <p:ext uri="{BB962C8B-B14F-4D97-AF65-F5344CB8AC3E}">
+        <p14:creationId xmlns:p14="http://schemas.microsoft.com/office/powerpoint/2010/main" val="803722563"/>
       </p:ext>
     </p:extLst>
   </p:cSld>
@@ -797,37 +957,46 @@
           <a:lstStyle/>
           <a:p>
             <a:r>
-              <a:rPr lang="en-US" dirty="0"/>
-              <a:t>Basic definition:</a:t>
+              <a:rPr lang="en-US" baseline="0" dirty="0"/>
+              <a:t>With the cloud, you can bring in data sources with the ease of a drop down or drop your on-premises data set into the built in storage space. Users can then model in our development environment – Machine Learning Studio – where we’re offering R, Python and SQLite as first class citizens in addition to our world-class Microsoft algorithms. </a:t>
             </a:r>
           </a:p>
           <a:p>
-            <a:pPr lvl="1"/>
+            <a:endParaRPr lang="en-US" baseline="0" dirty="0"/>
+          </a:p>
+          <a:p>
             <a:r>
-              <a:rPr lang="en-US" dirty="0"/>
-              <a:t>Machine learning develops algorithms for making </a:t>
+              <a:rPr lang="en-US" baseline="0" dirty="0"/>
+              <a:t>The second issue – and often the primary one – is putting finished work into production in a way others can use. We’ve heard from many data scientists that they model in R on a Linux stack but then have to hand over their work to developers who need to translate that into another language to actually make it work. This time consuming and unnecessary process has been eliminated with our system, as the model is with a click transformed into a web service end-point that can run over any data, anywhere and connect to any solution or client. </a:t>
             </a:r>
+          </a:p>
+          <a:p>
+            <a:endParaRPr lang="en-US" baseline="0" dirty="0"/>
+          </a:p>
+          <a:p>
             <a:r>
-              <a:rPr lang="en-US" b="1" dirty="0"/>
-              <a:t>predictions (statistical sense)</a:t>
+              <a:rPr lang="en-US" baseline="0" dirty="0"/>
+              <a:t>Next, not only can this model be put into production for your company, it can be made available for the world on our Machine Learning Marketplace. Microsoft hosts your solution and markets it for you, while you have the freedom to brand and monetize as you see fit. We also offer a number of Microsoft solutions here.</a:t>
             </a:r>
-            <a:r>
-              <a:rPr lang="en-US" dirty="0"/>
-              <a:t> from data *</a:t>
-            </a:r>
-          </a:p>
-          <a:p>
-            <a:pPr lvl="1"/>
-            <a:r>
-              <a:rPr lang="en-US" dirty="0"/>
-              <a:t>Learning models from available training data, to make good predictions on unseen test data</a:t>
-            </a:r>
-          </a:p>
-          <a:p>
-            <a:endParaRPr lang="en-US" dirty="0"/>
-          </a:p>
-          <a:p>
-            <a:pPr marL="0" marR="0" indent="0" algn="l" defTabSz="914400" rtl="0" eaLnBrk="1" fontAlgn="auto" latinLnBrk="0" hangingPunct="1">
+          </a:p>
+        </p:txBody>
+      </p:sp>
+      <p:sp>
+        <p:nvSpPr>
+          <p:cNvPr id="4" name="Slide Number Placeholder 3"/>
+          <p:cNvSpPr>
+            <a:spLocks noGrp="1"/>
+          </p:cNvSpPr>
+          <p:nvPr>
+            <p:ph type="sldNum" sz="quarter" idx="10"/>
+          </p:nvPr>
+        </p:nvSpPr>
+        <p:spPr/>
+        <p:txBody>
+          <a:bodyPr/>
+          <a:lstStyle/>
+          <a:p>
+            <a:pPr marL="0" marR="0" lvl="0" indent="0" algn="r" defTabSz="914400" rtl="0" eaLnBrk="1" fontAlgn="auto" latinLnBrk="0" hangingPunct="1">
               <a:lnSpc>
                 <a:spcPct val="100000"/>
               </a:lnSpc>
@@ -844,44 +1013,61 @@
               <a:tabLst/>
               <a:defRPr/>
             </a:pPr>
-            <a:r>
-              <a:rPr lang="en-US" baseline="0" dirty="0"/>
-              <a:t>Highlight the keywords: Known Data, Model, Unknown Data and the Prediction (statistically…)</a:t>
-            </a:r>
-            <a:endParaRPr lang="en-US" dirty="0"/>
-          </a:p>
-          <a:p>
-            <a:endParaRPr lang="en-US" dirty="0"/>
-          </a:p>
-        </p:txBody>
-      </p:sp>
-      <p:sp>
-        <p:nvSpPr>
-          <p:cNvPr id="4" name="Slide Number Placeholder 3"/>
-          <p:cNvSpPr>
-            <a:spLocks noGrp="1"/>
-          </p:cNvSpPr>
-          <p:nvPr>
-            <p:ph type="sldNum" sz="quarter" idx="10"/>
-          </p:nvPr>
-        </p:nvSpPr>
-        <p:spPr/>
-        <p:txBody>
-          <a:bodyPr/>
-          <a:lstStyle/>
-          <a:p>
             <a:fld id="{39B346B2-E8EF-43C1-9AB2-48101FFD65C8}" type="slidenum">
-              <a:rPr lang="en-US" smtClean="0"/>
+              <a:rPr kumimoji="0" lang="en-US" sz="1200" b="0" i="0" u="none" strike="noStrike" kern="1200" cap="none" spc="0" normalizeH="0" baseline="0" noProof="0" smtClean="0">
+                <a:ln>
+                  <a:noFill/>
+                </a:ln>
+                <a:solidFill>
+                  <a:prstClr val="black"/>
+                </a:solidFill>
+                <a:effectLst/>
+                <a:uLnTx/>
+                <a:uFillTx/>
+                <a:latin typeface="Calibri" panose="020F0502020204030204"/>
+                <a:ea typeface="+mn-ea"/>
+                <a:cs typeface="+mn-cs"/>
+              </a:rPr>
+              <a:pPr marL="0" marR="0" lvl="0" indent="0" algn="r" defTabSz="914400" rtl="0" eaLnBrk="1" fontAlgn="auto" latinLnBrk="0" hangingPunct="1">
+                <a:lnSpc>
+                  <a:spcPct val="100000"/>
+                </a:lnSpc>
+                <a:spcBef>
+                  <a:spcPts val="0"/>
+                </a:spcBef>
+                <a:spcAft>
+                  <a:spcPts val="0"/>
+                </a:spcAft>
+                <a:buClrTx/>
+                <a:buSzTx/>
+                <a:buFontTx/>
+                <a:buNone/>
+                <a:tabLst/>
+                <a:defRPr/>
+              </a:pPr>
               <a:t>3</a:t>
             </a:fld>
-            <a:endParaRPr lang="en-US"/>
+            <a:endParaRPr kumimoji="0" lang="en-US" sz="1200" b="0" i="0" u="none" strike="noStrike" kern="1200" cap="none" spc="0" normalizeH="0" baseline="0" noProof="0">
+              <a:ln>
+                <a:noFill/>
+              </a:ln>
+              <a:solidFill>
+                <a:prstClr val="black"/>
+              </a:solidFill>
+              <a:effectLst/>
+              <a:uLnTx/>
+              <a:uFillTx/>
+              <a:latin typeface="Calibri" panose="020F0502020204030204"/>
+              <a:ea typeface="+mn-ea"/>
+              <a:cs typeface="+mn-cs"/>
+            </a:endParaRPr>
           </a:p>
         </p:txBody>
       </p:sp>
     </p:spTree>
     <p:extLst>
       <p:ext uri="{BB962C8B-B14F-4D97-AF65-F5344CB8AC3E}">
-        <p14:creationId xmlns:p14="http://schemas.microsoft.com/office/powerpoint/2010/main" val="1031894107"/>
+        <p14:creationId xmlns:p14="http://schemas.microsoft.com/office/powerpoint/2010/main" val="407476579"/>
       </p:ext>
     </p:extLst>
   </p:cSld>
@@ -937,30 +1123,59 @@
           <a:p>
             <a:r>
               <a:rPr lang="en-US" dirty="0"/>
-              <a:t>Weather</a:t>
+              <a:t>Basic definition:</a:t>
+            </a:r>
+          </a:p>
+          <a:p>
+            <a:pPr lvl="1"/>
+            <a:r>
+              <a:rPr lang="en-US" dirty="0"/>
+              <a:t>Machine learning develops algorithms for making </a:t>
             </a:r>
             <a:r>
-              <a:rPr lang="en-US" baseline="0" dirty="0"/>
-              <a:t> forecast sample:</a:t>
+              <a:rPr lang="en-US" b="1" dirty="0"/>
+              <a:t>predictions (statistical sense)</a:t>
             </a:r>
-          </a:p>
-          <a:p>
+            <a:r>
+              <a:rPr lang="en-US" dirty="0"/>
+              <a:t> from data *</a:t>
+            </a:r>
+          </a:p>
+          <a:p>
+            <a:pPr lvl="1"/>
+            <a:r>
+              <a:rPr lang="en-US" dirty="0"/>
+              <a:t>Learning models from available training data, to make good predictions on unseen test data</a:t>
+            </a:r>
+          </a:p>
+          <a:p>
+            <a:endParaRPr lang="en-US" dirty="0"/>
+          </a:p>
+          <a:p>
+            <a:pPr marL="0" marR="0" indent="0" algn="l" defTabSz="914400" rtl="0" eaLnBrk="1" fontAlgn="auto" latinLnBrk="0" hangingPunct="1">
+              <a:lnSpc>
+                <a:spcPct val="100000"/>
+              </a:lnSpc>
+              <a:spcBef>
+                <a:spcPts val="0"/>
+              </a:spcBef>
+              <a:spcAft>
+                <a:spcPts val="0"/>
+              </a:spcAft>
+              <a:buClrTx/>
+              <a:buSzTx/>
+              <a:buFontTx/>
+              <a:buNone/>
+              <a:tabLst/>
+              <a:defRPr/>
+            </a:pPr>
             <a:r>
               <a:rPr lang="en-US" baseline="0" dirty="0"/>
-              <a:t>	- You have previous weather data</a:t>
+              <a:t>Highlight the keywords: Known Data, Model, Unknown Data and the Prediction (statistically…)</a:t>
             </a:r>
-          </a:p>
-          <a:p>
-            <a:r>
-              <a:rPr lang="en-US" baseline="0" dirty="0"/>
-              <a:t>	- You build your ML model based on existing data</a:t>
-            </a:r>
-          </a:p>
-          <a:p>
-            <a:r>
-              <a:rPr lang="en-US" baseline="0" dirty="0"/>
-              <a:t>	- Based on the model you developed, make good predictions about future</a:t>
-            </a:r>
+            <a:endParaRPr lang="en-US" dirty="0"/>
+          </a:p>
+          <a:p>
             <a:endParaRPr lang="en-US" dirty="0"/>
           </a:p>
         </p:txBody>
@@ -982,7 +1197,7 @@
           <a:p>
             <a:fld id="{39B346B2-E8EF-43C1-9AB2-48101FFD65C8}" type="slidenum">
               <a:rPr lang="en-US" smtClean="0"/>
-              <a:t>5</a:t>
+              <a:t>4</a:t>
             </a:fld>
             <a:endParaRPr lang="en-US"/>
           </a:p>
@@ -991,7 +1206,7 @@
     </p:spTree>
     <p:extLst>
       <p:ext uri="{BB962C8B-B14F-4D97-AF65-F5344CB8AC3E}">
-        <p14:creationId xmlns:p14="http://schemas.microsoft.com/office/powerpoint/2010/main" val="393467366"/>
+        <p14:creationId xmlns:p14="http://schemas.microsoft.com/office/powerpoint/2010/main" val="1031894107"/>
       </p:ext>
     </p:extLst>
   </p:cSld>
@@ -1047,20 +1262,29 @@
           <a:p>
             <a:r>
               <a:rPr lang="en-US" dirty="0"/>
-              <a:t>Using</a:t>
+              <a:t>Weather</a:t>
             </a:r>
             <a:r>
               <a:rPr lang="en-US" baseline="0" dirty="0"/>
-              <a:t> appropriate algorithms with the existing data, we generate a mathematical model, formulation or define a pattern to predict future, unknown values </a:t>
+              <a:t> forecast sample:</a:t>
             </a:r>
-          </a:p>
-          <a:p>
-            <a:endParaRPr lang="en-US" baseline="0" dirty="0"/>
           </a:p>
           <a:p>
             <a:r>
               <a:rPr lang="en-US" baseline="0" dirty="0"/>
-              <a:t>Highlight the keywords: Known Data, Model, Unknown Data and the Prediction (statistically…)</a:t>
+              <a:t>	- You have previous weather data</a:t>
+            </a:r>
+          </a:p>
+          <a:p>
+            <a:r>
+              <a:rPr lang="en-US" baseline="0" dirty="0"/>
+              <a:t>	- You build your ML model based on existing data</a:t>
+            </a:r>
+          </a:p>
+          <a:p>
+            <a:r>
+              <a:rPr lang="en-US" baseline="0" dirty="0"/>
+              <a:t>	- Based on the model you developed, make good predictions about future</a:t>
             </a:r>
             <a:endParaRPr lang="en-US" dirty="0"/>
           </a:p>
@@ -1092,7 +1316,7 @@
     </p:spTree>
     <p:extLst>
       <p:ext uri="{BB962C8B-B14F-4D97-AF65-F5344CB8AC3E}">
-        <p14:creationId xmlns:p14="http://schemas.microsoft.com/office/powerpoint/2010/main" val="2309223906"/>
+        <p14:creationId xmlns:p14="http://schemas.microsoft.com/office/powerpoint/2010/main" val="393467366"/>
       </p:ext>
     </p:extLst>
   </p:cSld>
@@ -1148,25 +1372,21 @@
           <a:p>
             <a:r>
               <a:rPr lang="en-US" dirty="0"/>
-              <a:t>Cheat Sheet: </a:t>
+              <a:t>Using</a:t>
             </a:r>
-          </a:p>
-          <a:p>
             <a:r>
-              <a:rPr lang="en-US" dirty="0">
-                <a:hlinkClick r:id="rId3"/>
-              </a:rPr>
-              <a:t>https://docs.microsoft.com/en-us/azure/machine-learning/studio/algorithm-choice</a:t>
+              <a:rPr lang="en-US" baseline="0" dirty="0"/>
+              <a:t> appropriate algorithms with the existing data, we generate a mathematical model, formulation or define a pattern to predict future, unknown values </a:t>
             </a:r>
-            <a:endParaRPr lang="en-US" dirty="0"/>
+          </a:p>
+          <a:p>
+            <a:endParaRPr lang="en-US" baseline="0" dirty="0"/>
           </a:p>
           <a:p>
             <a:r>
-              <a:rPr lang="en-US" dirty="0"/>
-              <a:t>https://docs.microsoft.com/en-us/azure/machine-learning/studio/algorithm-cheat-sheet</a:t>
+              <a:rPr lang="en-US" baseline="0" dirty="0"/>
+              <a:t>Highlight the keywords: Known Data, Model, Unknown Data and the Prediction (statistically…)</a:t>
             </a:r>
-          </a:p>
-          <a:p>
             <a:endParaRPr lang="en-US" dirty="0"/>
           </a:p>
         </p:txBody>
@@ -1178,7 +1398,7 @@
             <a:spLocks noGrp="1"/>
           </p:cNvSpPr>
           <p:nvPr>
-            <p:ph type="sldNum" sz="quarter" idx="5"/>
+            <p:ph type="sldNum" sz="quarter" idx="10"/>
           </p:nvPr>
         </p:nvSpPr>
         <p:spPr/>
@@ -1186,7 +1406,7 @@
           <a:bodyPr/>
           <a:lstStyle/>
           <a:p>
-            <a:fld id="{21FA0B34-2399-4225-A735-4DF20F9FDF14}" type="slidenum">
+            <a:fld id="{39B346B2-E8EF-43C1-9AB2-48101FFD65C8}" type="slidenum">
               <a:rPr lang="en-US" smtClean="0"/>
               <a:t>7</a:t>
             </a:fld>
@@ -1197,7 +1417,7 @@
     </p:spTree>
     <p:extLst>
       <p:ext uri="{BB962C8B-B14F-4D97-AF65-F5344CB8AC3E}">
-        <p14:creationId xmlns:p14="http://schemas.microsoft.com/office/powerpoint/2010/main" val="2288075013"/>
+        <p14:creationId xmlns:p14="http://schemas.microsoft.com/office/powerpoint/2010/main" val="2309223906"/>
       </p:ext>
     </p:extLst>
   </p:cSld>
@@ -1252,15 +1472,27 @@
           <a:lstStyle/>
           <a:p>
             <a:r>
-              <a:rPr lang="en-US" b="1" dirty="0"/>
-              <a:t>How to choose algorithms for Microsoft Azure Machine Learning</a:t>
+              <a:rPr lang="en-US" dirty="0"/>
+              <a:t>Cheat Sheet: </a:t>
             </a:r>
           </a:p>
           <a:p>
             <a:r>
-              <a:rPr lang="en-US"/>
-              <a:t>https://azure.microsoft.com/en-us/documentation/articles/machine-learning-algorithm-choice/</a:t>
+              <a:rPr lang="en-US" dirty="0">
+                <a:hlinkClick r:id="rId3"/>
+              </a:rPr>
+              <a:t>https://docs.microsoft.com/en-us/azure/machine-learning/studio/algorithm-choice</a:t>
             </a:r>
+            <a:endParaRPr lang="en-US" dirty="0"/>
+          </a:p>
+          <a:p>
+            <a:r>
+              <a:rPr lang="en-US" dirty="0"/>
+              <a:t>https://docs.microsoft.com/en-us/azure/machine-learning/studio/algorithm-cheat-sheet</a:t>
+            </a:r>
+          </a:p>
+          <a:p>
+            <a:endParaRPr lang="en-US" dirty="0"/>
           </a:p>
         </p:txBody>
       </p:sp>
@@ -1271,7 +1503,7 @@
             <a:spLocks noGrp="1"/>
           </p:cNvSpPr>
           <p:nvPr>
-            <p:ph type="sldNum" sz="quarter" idx="10"/>
+            <p:ph type="sldNum" sz="quarter" idx="5"/>
           </p:nvPr>
         </p:nvSpPr>
         <p:spPr/>
@@ -1279,7 +1511,7 @@
           <a:bodyPr/>
           <a:lstStyle/>
           <a:p>
-            <a:fld id="{39B346B2-E8EF-43C1-9AB2-48101FFD65C8}" type="slidenum">
+            <a:fld id="{21FA0B34-2399-4225-A735-4DF20F9FDF14}" type="slidenum">
               <a:rPr lang="en-US" smtClean="0"/>
               <a:t>8</a:t>
             </a:fld>
@@ -1290,7 +1522,7 @@
     </p:spTree>
     <p:extLst>
       <p:ext uri="{BB962C8B-B14F-4D97-AF65-F5344CB8AC3E}">
-        <p14:creationId xmlns:p14="http://schemas.microsoft.com/office/powerpoint/2010/main" val="1214150826"/>
+        <p14:creationId xmlns:p14="http://schemas.microsoft.com/office/powerpoint/2010/main" val="2288075013"/>
       </p:ext>
     </p:extLst>
   </p:cSld>
@@ -1344,52 +1576,27 @@
           <a:bodyPr/>
           <a:lstStyle/>
           <a:p>
-            <a:pPr marL="0" marR="0" indent="0" algn="l" defTabSz="914400" rtl="0" eaLnBrk="1" fontAlgn="auto" latinLnBrk="0" hangingPunct="1">
-              <a:lnSpc>
-                <a:spcPct val="100000"/>
-              </a:lnSpc>
-              <a:spcBef>
-                <a:spcPts val="0"/>
-              </a:spcBef>
-              <a:spcAft>
-                <a:spcPts val="0"/>
-              </a:spcAft>
-              <a:buClrTx/>
-              <a:buSzTx/>
-              <a:buFontTx/>
-              <a:buNone/>
-              <a:tabLst/>
-              <a:defRPr/>
-            </a:pPr>
             <a:r>
-              <a:rPr lang="en-US" dirty="0"/>
-              <a:t>More samples on: https://azure.microsoft.com/en-us/documentation/articles/machine-learning-algorithm-choice/</a:t>
+              <a:rPr lang="en-US" b="1" dirty="0"/>
+              <a:t>How to choose algorithms for Microsoft Azure Machine Learning</a:t>
             </a:r>
           </a:p>
           <a:p>
-            <a:endParaRPr lang="en-US" dirty="0"/>
-          </a:p>
-          <a:p>
             <a:r>
-              <a:rPr lang="en-US" dirty="0"/>
-              <a:t>Mention about Classification,</a:t>
+              <a:rPr lang="en-US"/>
+              <a:t>https://azure.microsoft.com/en-us/documentation/articles/machine-learning-algorithm-choice/</a:t>
             </a:r>
-            <a:r>
-              <a:rPr lang="en-US" baseline="0" dirty="0"/>
-              <a:t> Regression etc.</a:t>
-            </a:r>
-            <a:endParaRPr lang="en-US" dirty="0"/>
           </a:p>
         </p:txBody>
       </p:sp>
       <p:sp>
         <p:nvSpPr>
-          <p:cNvPr id="4" name="Header Placeholder 3"/>
+          <p:cNvPr id="4" name="Slide Number Placeholder 3"/>
           <p:cNvSpPr>
             <a:spLocks noGrp="1"/>
           </p:cNvSpPr>
           <p:nvPr>
-            <p:ph type="hdr" sz="quarter" idx="10"/>
+            <p:ph type="sldNum" sz="quarter" idx="10"/>
           </p:nvPr>
         </p:nvSpPr>
         <p:spPr/>
@@ -1397,190 +1604,18 @@
           <a:bodyPr/>
           <a:lstStyle/>
           <a:p>
-            <a:r>
-              <a:rPr lang="en-US">
-                <a:gradFill>
-                  <a:gsLst>
-                    <a:gs pos="0">
-                      <a:prstClr val="black">
-                        <a:lumMod val="50000"/>
-                      </a:prstClr>
-                    </a:gs>
-                    <a:gs pos="100000">
-                      <a:prstClr val="black">
-                        <a:lumMod val="50000"/>
-                      </a:prstClr>
-                    </a:gs>
-                  </a:gsLst>
-                  <a:lin ang="5400000" scaled="0"/>
-                </a:gradFill>
-              </a:rPr>
-              <a:t>Server &amp; Tools Business</a:t>
-            </a:r>
-            <a:endParaRPr lang="en-US" dirty="0">
-              <a:gradFill>
-                <a:gsLst>
-                  <a:gs pos="0">
-                    <a:prstClr val="black">
-                      <a:lumMod val="50000"/>
-                    </a:prstClr>
-                  </a:gs>
-                  <a:gs pos="100000">
-                    <a:prstClr val="black">
-                      <a:lumMod val="50000"/>
-                    </a:prstClr>
-                  </a:gs>
-                </a:gsLst>
-                <a:lin ang="5400000" scaled="0"/>
-              </a:gradFill>
-            </a:endParaRPr>
-          </a:p>
-        </p:txBody>
-      </p:sp>
-      <p:sp>
-        <p:nvSpPr>
-          <p:cNvPr id="5" name="Footer Placeholder 4"/>
-          <p:cNvSpPr>
-            <a:spLocks noGrp="1"/>
-          </p:cNvSpPr>
-          <p:nvPr>
-            <p:ph type="ftr" sz="quarter" idx="11"/>
-          </p:nvPr>
-        </p:nvSpPr>
-        <p:spPr/>
-        <p:txBody>
-          <a:bodyPr/>
-          <a:lstStyle/>
-          <a:p>
-            <a:pPr defTabSz="966211" eaLnBrk="0" hangingPunct="0"/>
-            <a:r>
-              <a:rPr lang="en-US" sz="400">
-                <a:gradFill>
-                  <a:gsLst>
-                    <a:gs pos="0">
-                      <a:prstClr val="black"/>
-                    </a:gs>
-                    <a:gs pos="100000">
-                      <a:prstClr val="black"/>
-                    </a:gs>
-                  </a:gsLst>
-                  <a:lin ang="5400000" scaled="0"/>
-                </a:gradFill>
-                <a:latin typeface="Segoe UI" pitchFamily="34" charset="0"/>
-                <a:ea typeface="Segoe UI" pitchFamily="34" charset="0"/>
-                <a:cs typeface="Segoe UI" pitchFamily="34" charset="0"/>
-              </a:rPr>
-              <a:t>© 2012 Microsoft Corporation. All rights reserved. Microsoft, Windows, and other product names are or may be registered trademarks and/or trademarks in the U.S. and/or other countries.</a:t>
-            </a:r>
-          </a:p>
-          <a:p>
-            <a:pPr defTabSz="966211" eaLnBrk="0" hangingPunct="0"/>
-            <a:r>
-              <a:rPr lang="en-US" sz="400">
-                <a:gradFill>
-                  <a:gsLst>
-                    <a:gs pos="0">
-                      <a:prstClr val="black"/>
-                    </a:gs>
-                    <a:gs pos="100000">
-                      <a:prstClr val="black"/>
-                    </a:gs>
-                  </a:gsLst>
-                  <a:lin ang="5400000" scaled="0"/>
-                </a:gradFill>
-                <a:latin typeface="Segoe UI" pitchFamily="34" charset="0"/>
-                <a:ea typeface="Segoe UI" pitchFamily="34" charset="0"/>
-                <a:cs typeface="Segoe UI" pitchFamily="34" charset="0"/>
-              </a:rPr>
-              <a:t>The information herein is for informational purposes only and represents the current view of Microsoft Corporation as of the date of this presentation. Because Microsoft must respond to changing market conditions, it should not be interpreted to be a commitment on the part of Microsoft, and Microsoft cannot guarantee the accuracy of any information provided after the date of this presentation. MICROSOFT MAKES NO WARRANTIES, EXPRESS, IMPLIED OR STATUTORY, AS TO THE INFORMATION IN THIS PRESENTATION.</a:t>
-            </a:r>
-            <a:endParaRPr lang="en-US" sz="400" dirty="0">
-              <a:gradFill>
-                <a:gsLst>
-                  <a:gs pos="0">
-                    <a:prstClr val="black"/>
-                  </a:gs>
-                  <a:gs pos="100000">
-                    <a:prstClr val="black"/>
-                  </a:gs>
-                </a:gsLst>
-                <a:lin ang="5400000" scaled="0"/>
-              </a:gradFill>
-              <a:latin typeface="Segoe UI" pitchFamily="34" charset="0"/>
-              <a:ea typeface="Segoe UI" pitchFamily="34" charset="0"/>
-              <a:cs typeface="Segoe UI" pitchFamily="34" charset="0"/>
-            </a:endParaRPr>
-          </a:p>
-        </p:txBody>
-      </p:sp>
-      <p:sp>
-        <p:nvSpPr>
-          <p:cNvPr id="6" name="Date Placeholder 5"/>
-          <p:cNvSpPr>
-            <a:spLocks noGrp="1"/>
-          </p:cNvSpPr>
-          <p:nvPr>
-            <p:ph type="dt" idx="12"/>
-          </p:nvPr>
-        </p:nvSpPr>
-        <p:spPr/>
-        <p:txBody>
-          <a:bodyPr/>
-          <a:lstStyle/>
-          <a:p>
-            <a:fld id="{E6FE629A-1E79-4E31-9BE5-687C75F419CF}" type="datetime1">
-              <a:rPr lang="en-US" smtClean="0">
-                <a:solidFill>
-                  <a:prstClr val="black"/>
-                </a:solidFill>
-              </a:rPr>
-              <a:pPr/>
-              <a:t>11/4/2018</a:t>
-            </a:fld>
-            <a:endParaRPr lang="en-US" dirty="0">
-              <a:solidFill>
-                <a:prstClr val="black"/>
-              </a:solidFill>
-            </a:endParaRPr>
-          </a:p>
-        </p:txBody>
-      </p:sp>
-      <p:sp>
-        <p:nvSpPr>
-          <p:cNvPr id="7" name="Slide Number Placeholder 6"/>
-          <p:cNvSpPr>
-            <a:spLocks noGrp="1"/>
-          </p:cNvSpPr>
-          <p:nvPr>
-            <p:ph type="sldNum" sz="quarter" idx="13"/>
-          </p:nvPr>
-        </p:nvSpPr>
-        <p:spPr/>
-        <p:txBody>
-          <a:bodyPr/>
-          <a:lstStyle/>
-          <a:p>
-            <a:fld id="{B4008EB6-D09E-4580-8CD6-DDB14511944F}" type="slidenum">
-              <a:rPr lang="en-US" smtClean="0">
-                <a:solidFill>
-                  <a:prstClr val="black"/>
-                </a:solidFill>
-              </a:rPr>
-              <a:pPr/>
+            <a:fld id="{39B346B2-E8EF-43C1-9AB2-48101FFD65C8}" type="slidenum">
+              <a:rPr lang="en-US" smtClean="0"/>
               <a:t>9</a:t>
             </a:fld>
-            <a:endParaRPr lang="en-US" dirty="0">
-              <a:solidFill>
-                <a:prstClr val="black"/>
-              </a:solidFill>
-            </a:endParaRPr>
+            <a:endParaRPr lang="en-US"/>
           </a:p>
         </p:txBody>
       </p:sp>
     </p:spTree>
     <p:extLst>
       <p:ext uri="{BB962C8B-B14F-4D97-AF65-F5344CB8AC3E}">
-        <p14:creationId xmlns:p14="http://schemas.microsoft.com/office/powerpoint/2010/main" val="3541414205"/>
+        <p14:creationId xmlns:p14="http://schemas.microsoft.com/office/powerpoint/2010/main" val="1214150826"/>
       </p:ext>
     </p:extLst>
   </p:cSld>
@@ -1634,18 +1669,52 @@
           <a:bodyPr/>
           <a:lstStyle/>
           <a:p>
+            <a:pPr marL="0" marR="0" indent="0" algn="l" defTabSz="914400" rtl="0" eaLnBrk="1" fontAlgn="auto" latinLnBrk="0" hangingPunct="1">
+              <a:lnSpc>
+                <a:spcPct val="100000"/>
+              </a:lnSpc>
+              <a:spcBef>
+                <a:spcPts val="0"/>
+              </a:spcBef>
+              <a:spcAft>
+                <a:spcPts val="0"/>
+              </a:spcAft>
+              <a:buClrTx/>
+              <a:buSzTx/>
+              <a:buFontTx/>
+              <a:buNone/>
+              <a:tabLst/>
+              <a:defRPr/>
+            </a:pPr>
+            <a:r>
+              <a:rPr lang="en-US" dirty="0"/>
+              <a:t>More samples on: https://azure.microsoft.com/en-us/documentation/articles/machine-learning-algorithm-choice/</a:t>
+            </a:r>
+          </a:p>
+          <a:p>
+            <a:endParaRPr lang="en-US" dirty="0"/>
+          </a:p>
+          <a:p>
+            <a:r>
+              <a:rPr lang="en-US" dirty="0"/>
+              <a:t>Mention about Classification,</a:t>
+            </a:r>
+            <a:r>
+              <a:rPr lang="en-US" baseline="0" dirty="0"/>
+              <a:t> Regression etc.</a:t>
+            </a:r>
             <a:endParaRPr lang="en-US" dirty="0"/>
           </a:p>
         </p:txBody>
       </p:sp>
       <p:sp>
         <p:nvSpPr>
-          <p:cNvPr id="4" name="Slide Number Placeholder 3"/>
+          <p:cNvPr id="4" name="Header Placeholder 3"/>
           <p:cNvSpPr>
             <a:spLocks noGrp="1"/>
           </p:cNvSpPr>
           <p:nvPr>
-            <p:ph type="sldNum" sz="quarter" idx="10"/>
+            <p:ph type="hdr" sz="quarter" idx="10"/>
           </p:nvPr>
         </p:nvSpPr>
         <p:spPr/>
@@ -1653,18 +1722,190 @@
           <a:bodyPr/>
           <a:lstStyle/>
           <a:p>
-            <a:fld id="{39B346B2-E8EF-43C1-9AB2-48101FFD65C8}" type="slidenum">
-              <a:rPr lang="en-US" smtClean="0"/>
-              <a:t>15</a:t>
+            <a:r>
+              <a:rPr lang="en-US">
+                <a:gradFill>
+                  <a:gsLst>
+                    <a:gs pos="0">
+                      <a:prstClr val="black">
+                        <a:lumMod val="50000"/>
+                      </a:prstClr>
+                    </a:gs>
+                    <a:gs pos="100000">
+                      <a:prstClr val="black">
+                        <a:lumMod val="50000"/>
+                      </a:prstClr>
+                    </a:gs>
+                  </a:gsLst>
+                  <a:lin ang="5400000" scaled="0"/>
+                </a:gradFill>
+              </a:rPr>
+              <a:t>Server &amp; Tools Business</a:t>
+            </a:r>
+            <a:endParaRPr lang="en-US" dirty="0">
+              <a:gradFill>
+                <a:gsLst>
+                  <a:gs pos="0">
+                    <a:prstClr val="black">
+                      <a:lumMod val="50000"/>
+                    </a:prstClr>
+                  </a:gs>
+                  <a:gs pos="100000">
+                    <a:prstClr val="black">
+                      <a:lumMod val="50000"/>
+                    </a:prstClr>
+                  </a:gs>
+                </a:gsLst>
+                <a:lin ang="5400000" scaled="0"/>
+              </a:gradFill>
+            </a:endParaRPr>
+          </a:p>
+        </p:txBody>
+      </p:sp>
+      <p:sp>
+        <p:nvSpPr>
+          <p:cNvPr id="5" name="Footer Placeholder 4"/>
+          <p:cNvSpPr>
+            <a:spLocks noGrp="1"/>
+          </p:cNvSpPr>
+          <p:nvPr>
+            <p:ph type="ftr" sz="quarter" idx="11"/>
+          </p:nvPr>
+        </p:nvSpPr>
+        <p:spPr/>
+        <p:txBody>
+          <a:bodyPr/>
+          <a:lstStyle/>
+          <a:p>
+            <a:pPr defTabSz="966211" eaLnBrk="0" hangingPunct="0"/>
+            <a:r>
+              <a:rPr lang="en-US" sz="400">
+                <a:gradFill>
+                  <a:gsLst>
+                    <a:gs pos="0">
+                      <a:prstClr val="black"/>
+                    </a:gs>
+                    <a:gs pos="100000">
+                      <a:prstClr val="black"/>
+                    </a:gs>
+                  </a:gsLst>
+                  <a:lin ang="5400000" scaled="0"/>
+                </a:gradFill>
+                <a:latin typeface="Segoe UI" pitchFamily="34" charset="0"/>
+                <a:ea typeface="Segoe UI" pitchFamily="34" charset="0"/>
+                <a:cs typeface="Segoe UI" pitchFamily="34" charset="0"/>
+              </a:rPr>
+              <a:t>© 2012 Microsoft Corporation. All rights reserved. Microsoft, Windows, and other product names are or may be registered trademarks and/or trademarks in the U.S. and/or other countries.</a:t>
+            </a:r>
+          </a:p>
+          <a:p>
+            <a:pPr defTabSz="966211" eaLnBrk="0" hangingPunct="0"/>
+            <a:r>
+              <a:rPr lang="en-US" sz="400">
+                <a:gradFill>
+                  <a:gsLst>
+                    <a:gs pos="0">
+                      <a:prstClr val="black"/>
+                    </a:gs>
+                    <a:gs pos="100000">
+                      <a:prstClr val="black"/>
+                    </a:gs>
+                  </a:gsLst>
+                  <a:lin ang="5400000" scaled="0"/>
+                </a:gradFill>
+                <a:latin typeface="Segoe UI" pitchFamily="34" charset="0"/>
+                <a:ea typeface="Segoe UI" pitchFamily="34" charset="0"/>
+                <a:cs typeface="Segoe UI" pitchFamily="34" charset="0"/>
+              </a:rPr>
+              <a:t>The information herein is for informational purposes only and represents the current view of Microsoft Corporation as of the date of this presentation. Because Microsoft must respond to changing market conditions, it should not be interpreted to be a commitment on the part of Microsoft, and Microsoft cannot guarantee the accuracy of any information provided after the date of this presentation. MICROSOFT MAKES NO WARRANTIES, EXPRESS, IMPLIED OR STATUTORY, AS TO THE INFORMATION IN THIS PRESENTATION.</a:t>
+            </a:r>
+            <a:endParaRPr lang="en-US" sz="400" dirty="0">
+              <a:gradFill>
+                <a:gsLst>
+                  <a:gs pos="0">
+                    <a:prstClr val="black"/>
+                  </a:gs>
+                  <a:gs pos="100000">
+                    <a:prstClr val="black"/>
+                  </a:gs>
+                </a:gsLst>
+                <a:lin ang="5400000" scaled="0"/>
+              </a:gradFill>
+              <a:latin typeface="Segoe UI" pitchFamily="34" charset="0"/>
+              <a:ea typeface="Segoe UI" pitchFamily="34" charset="0"/>
+              <a:cs typeface="Segoe UI" pitchFamily="34" charset="0"/>
+            </a:endParaRPr>
+          </a:p>
+        </p:txBody>
+      </p:sp>
+      <p:sp>
+        <p:nvSpPr>
+          <p:cNvPr id="6" name="Date Placeholder 5"/>
+          <p:cNvSpPr>
+            <a:spLocks noGrp="1"/>
+          </p:cNvSpPr>
+          <p:nvPr>
+            <p:ph type="dt" idx="12"/>
+          </p:nvPr>
+        </p:nvSpPr>
+        <p:spPr/>
+        <p:txBody>
+          <a:bodyPr/>
+          <a:lstStyle/>
+          <a:p>
+            <a:fld id="{E6FE629A-1E79-4E31-9BE5-687C75F419CF}" type="datetime1">
+              <a:rPr lang="en-US" smtClean="0">
+                <a:solidFill>
+                  <a:prstClr val="black"/>
+                </a:solidFill>
+              </a:rPr>
+              <a:pPr/>
+              <a:t>11/7/2018</a:t>
             </a:fld>
-            <a:endParaRPr lang="en-US"/>
+            <a:endParaRPr lang="en-US" dirty="0">
+              <a:solidFill>
+                <a:prstClr val="black"/>
+              </a:solidFill>
+            </a:endParaRPr>
+          </a:p>
+        </p:txBody>
+      </p:sp>
+      <p:sp>
+        <p:nvSpPr>
+          <p:cNvPr id="7" name="Slide Number Placeholder 6"/>
+          <p:cNvSpPr>
+            <a:spLocks noGrp="1"/>
+          </p:cNvSpPr>
+          <p:nvPr>
+            <p:ph type="sldNum" sz="quarter" idx="13"/>
+          </p:nvPr>
+        </p:nvSpPr>
+        <p:spPr/>
+        <p:txBody>
+          <a:bodyPr/>
+          <a:lstStyle/>
+          <a:p>
+            <a:fld id="{B4008EB6-D09E-4580-8CD6-DDB14511944F}" type="slidenum">
+              <a:rPr lang="en-US" smtClean="0">
+                <a:solidFill>
+                  <a:prstClr val="black"/>
+                </a:solidFill>
+              </a:rPr>
+              <a:pPr/>
+              <a:t>10</a:t>
+            </a:fld>
+            <a:endParaRPr lang="en-US" dirty="0">
+              <a:solidFill>
+                <a:prstClr val="black"/>
+              </a:solidFill>
+            </a:endParaRPr>
           </a:p>
         </p:txBody>
       </p:sp>
     </p:spTree>
     <p:extLst>
       <p:ext uri="{BB962C8B-B14F-4D97-AF65-F5344CB8AC3E}">
-        <p14:creationId xmlns:p14="http://schemas.microsoft.com/office/powerpoint/2010/main" val="2845919665"/>
+        <p14:creationId xmlns:p14="http://schemas.microsoft.com/office/powerpoint/2010/main" val="3541414205"/>
       </p:ext>
     </p:extLst>
   </p:cSld>
@@ -1718,12 +1959,6 @@
           <a:bodyPr/>
           <a:lstStyle/>
           <a:p>
-            <a:r>
-              <a:rPr lang="en-US" dirty="0"/>
-              <a:t>https://docs.microsoft.com/en-us/azure/machine-learning/studio/what-is-ml-studio</a:t>
-            </a:r>
-          </a:p>
-          <a:p>
             <a:endParaRPr lang="en-US" dirty="0"/>
           </a:p>
         </p:txBody>
@@ -1735,7 +1970,7 @@
             <a:spLocks noGrp="1"/>
           </p:cNvSpPr>
           <p:nvPr>
-            <p:ph type="sldNum" sz="quarter" idx="5"/>
+            <p:ph type="sldNum" sz="quarter" idx="10"/>
           </p:nvPr>
         </p:nvSpPr>
         <p:spPr/>
@@ -1743,9 +1978,9 @@
           <a:bodyPr/>
           <a:lstStyle/>
           <a:p>
-            <a:fld id="{21FA0B34-2399-4225-A735-4DF20F9FDF14}" type="slidenum">
+            <a:fld id="{39B346B2-E8EF-43C1-9AB2-48101FFD65C8}" type="slidenum">
               <a:rPr lang="en-US" smtClean="0"/>
-              <a:t>17</a:t>
+              <a:t>16</a:t>
             </a:fld>
             <a:endParaRPr lang="en-US"/>
           </a:p>
@@ -1754,7 +1989,7 @@
     </p:spTree>
     <p:extLst>
       <p:ext uri="{BB962C8B-B14F-4D97-AF65-F5344CB8AC3E}">
-        <p14:creationId xmlns:p14="http://schemas.microsoft.com/office/powerpoint/2010/main" val="803722563"/>
+        <p14:creationId xmlns:p14="http://schemas.microsoft.com/office/powerpoint/2010/main" val="2845919665"/>
       </p:ext>
     </p:extLst>
   </p:cSld>
@@ -1911,7 +2146,7 @@
           <a:p>
             <a:fld id="{22C58929-9DC1-42E8-8EB1-B8BF8C0A623C}" type="datetimeFigureOut">
               <a:rPr lang="en-US" smtClean="0"/>
-              <a:t>11/4/2018</a:t>
+              <a:t>11/7/2018</a:t>
             </a:fld>
             <a:endParaRPr lang="en-US"/>
           </a:p>
@@ -2109,7 +2344,7 @@
           <a:p>
             <a:fld id="{22C58929-9DC1-42E8-8EB1-B8BF8C0A623C}" type="datetimeFigureOut">
               <a:rPr lang="en-US" smtClean="0"/>
-              <a:t>11/4/2018</a:t>
+              <a:t>11/7/2018</a:t>
             </a:fld>
             <a:endParaRPr lang="en-US"/>
           </a:p>
@@ -2317,7 +2552,7 @@
           <a:p>
             <a:fld id="{22C58929-9DC1-42E8-8EB1-B8BF8C0A623C}" type="datetimeFigureOut">
               <a:rPr lang="en-US" smtClean="0"/>
-              <a:t>11/4/2018</a:t>
+              <a:t>11/7/2018</a:t>
             </a:fld>
             <a:endParaRPr lang="en-US"/>
           </a:p>
@@ -3283,7 +3518,7 @@
           <a:p>
             <a:fld id="{22C58929-9DC1-42E8-8EB1-B8BF8C0A623C}" type="datetimeFigureOut">
               <a:rPr lang="en-US" smtClean="0"/>
-              <a:t>11/4/2018</a:t>
+              <a:t>11/7/2018</a:t>
             </a:fld>
             <a:endParaRPr lang="en-US"/>
           </a:p>
@@ -3693,7 +3928,7 @@
           <a:p>
             <a:fld id="{22C58929-9DC1-42E8-8EB1-B8BF8C0A623C}" type="datetimeFigureOut">
               <a:rPr lang="en-US" smtClean="0"/>
-              <a:t>11/4/2018</a:t>
+              <a:t>11/7/2018</a:t>
             </a:fld>
             <a:endParaRPr lang="en-US"/>
           </a:p>
@@ -3958,7 +4193,7 @@
           <a:p>
             <a:fld id="{22C58929-9DC1-42E8-8EB1-B8BF8C0A623C}" type="datetimeFigureOut">
               <a:rPr lang="en-US" smtClean="0"/>
-              <a:t>11/4/2018</a:t>
+              <a:t>11/7/2018</a:t>
             </a:fld>
             <a:endParaRPr lang="en-US"/>
           </a:p>
@@ -4370,7 +4605,7 @@
           <a:p>
             <a:fld id="{22C58929-9DC1-42E8-8EB1-B8BF8C0A623C}" type="datetimeFigureOut">
               <a:rPr lang="en-US" smtClean="0"/>
-              <a:t>11/4/2018</a:t>
+              <a:t>11/7/2018</a:t>
             </a:fld>
             <a:endParaRPr lang="en-US"/>
           </a:p>
@@ -4511,7 +4746,7 @@
           <a:p>
             <a:fld id="{22C58929-9DC1-42E8-8EB1-B8BF8C0A623C}" type="datetimeFigureOut">
               <a:rPr lang="en-US" smtClean="0"/>
-              <a:t>11/4/2018</a:t>
+              <a:t>11/7/2018</a:t>
             </a:fld>
             <a:endParaRPr lang="en-US"/>
           </a:p>
@@ -4624,7 +4859,7 @@
           <a:p>
             <a:fld id="{22C58929-9DC1-42E8-8EB1-B8BF8C0A623C}" type="datetimeFigureOut">
               <a:rPr lang="en-US" smtClean="0"/>
-              <a:t>11/4/2018</a:t>
+              <a:t>11/7/2018</a:t>
             </a:fld>
             <a:endParaRPr lang="en-US"/>
           </a:p>
@@ -4935,7 +5170,7 @@
           <a:p>
             <a:fld id="{22C58929-9DC1-42E8-8EB1-B8BF8C0A623C}" type="datetimeFigureOut">
               <a:rPr lang="en-US" smtClean="0"/>
-              <a:t>11/4/2018</a:t>
+              <a:t>11/7/2018</a:t>
             </a:fld>
             <a:endParaRPr lang="en-US"/>
           </a:p>
@@ -5223,7 +5458,7 @@
           <a:p>
             <a:fld id="{22C58929-9DC1-42E8-8EB1-B8BF8C0A623C}" type="datetimeFigureOut">
               <a:rPr lang="en-US" smtClean="0"/>
-              <a:t>11/4/2018</a:t>
+              <a:t>11/7/2018</a:t>
             </a:fld>
             <a:endParaRPr lang="en-US"/>
           </a:p>
@@ -5464,7 +5699,7 @@
           <a:p>
             <a:fld id="{22C58929-9DC1-42E8-8EB1-B8BF8C0A623C}" type="datetimeFigureOut">
               <a:rPr lang="en-US" smtClean="0"/>
-              <a:t>11/4/2018</a:t>
+              <a:t>11/7/2018</a:t>
             </a:fld>
             <a:endParaRPr lang="en-US"/>
           </a:p>
@@ -6336,7 +6571,7 @@
           <p:cNvPr id="2" name="Title 1">
             <a:extLst>
               <a:ext uri="{FF2B5EF4-FFF2-40B4-BE49-F238E27FC236}">
-                <a16:creationId xmlns:a16="http://schemas.microsoft.com/office/drawing/2014/main" id="{C1305F7E-BCC3-433A-ADDB-9128922BEB0D}"/>
+                <a16:creationId xmlns:a16="http://schemas.microsoft.com/office/drawing/2014/main" id="{7FD7B23D-7E98-4103-B985-75C743B50C17}"/>
               </a:ext>
             </a:extLst>
           </p:cNvPr>
@@ -6352,7 +6587,10 @@
           <a:bodyPr/>
           <a:lstStyle/>
           <a:p>
-            <a:endParaRPr lang="en-US"/>
+            <a:r>
+              <a:rPr lang="en-US" dirty="0"/>
+              <a:t>Azure ML Studio</a:t>
+            </a:r>
           </a:p>
         </p:txBody>
       </p:sp>
@@ -6361,7 +6599,7 @@
           <p:cNvPr id="3" name="Subtitle 2">
             <a:extLst>
               <a:ext uri="{FF2B5EF4-FFF2-40B4-BE49-F238E27FC236}">
-                <a16:creationId xmlns:a16="http://schemas.microsoft.com/office/drawing/2014/main" id="{DDEC4A22-719A-46C9-BACE-8773352B93CE}"/>
+                <a16:creationId xmlns:a16="http://schemas.microsoft.com/office/drawing/2014/main" id="{FAFFC336-E87F-4E25-9873-A4F34C14C609}"/>
               </a:ext>
             </a:extLst>
           </p:cNvPr>
@@ -6377,14 +6615,141 @@
           <a:bodyPr/>
           <a:lstStyle/>
           <a:p>
-            <a:endParaRPr lang="en-US"/>
+            <a:r>
+              <a:rPr lang="en-US" dirty="0"/>
+              <a:t>Hands on Lab - Workshop</a:t>
+            </a:r>
           </a:p>
         </p:txBody>
       </p:sp>
+      <p:sp>
+        <p:nvSpPr>
+          <p:cNvPr id="4" name="TextBox 3">
+            <a:extLst>
+              <a:ext uri="{FF2B5EF4-FFF2-40B4-BE49-F238E27FC236}">
+                <a16:creationId xmlns:a16="http://schemas.microsoft.com/office/drawing/2014/main" id="{1DA77A3F-CD3E-4881-9A6B-6AB9083ED025}"/>
+              </a:ext>
+            </a:extLst>
+          </p:cNvPr>
+          <p:cNvSpPr txBox="1"/>
+          <p:nvPr/>
+        </p:nvSpPr>
+        <p:spPr>
+          <a:xfrm>
+            <a:off x="7847218" y="4775656"/>
+            <a:ext cx="3898207" cy="1200329"/>
+          </a:xfrm>
+          <a:prstGeom prst="rect">
+            <a:avLst/>
+          </a:prstGeom>
+          <a:noFill/>
+        </p:spPr>
+        <p:txBody>
+          <a:bodyPr wrap="square" rtlCol="0">
+            <a:spAutoFit/>
+          </a:bodyPr>
+          <a:lstStyle/>
+          <a:p>
+            <a:endParaRPr lang="en-US" dirty="0"/>
+          </a:p>
+          <a:p>
+            <a:r>
+              <a:rPr lang="en-US" dirty="0"/>
+              <a:t>@</a:t>
+            </a:r>
+            <a:r>
+              <a:rPr lang="en-US" dirty="0" err="1"/>
+              <a:t>JoyjeetM</a:t>
+            </a:r>
+            <a:endParaRPr lang="en-US" dirty="0"/>
+          </a:p>
+          <a:p>
+            <a:endParaRPr lang="en-US" dirty="0"/>
+          </a:p>
+          <a:p>
+            <a:r>
+              <a:rPr lang="en-US" dirty="0"/>
+              <a:t>https://www.linkedin.com/in/joyjeetm/</a:t>
+            </a:r>
+          </a:p>
+        </p:txBody>
+      </p:sp>
+      <p:pic>
+        <p:nvPicPr>
+          <p:cNvPr id="10" name="Picture 9">
+            <a:extLst>
+              <a:ext uri="{FF2B5EF4-FFF2-40B4-BE49-F238E27FC236}">
+                <a16:creationId xmlns:a16="http://schemas.microsoft.com/office/drawing/2014/main" id="{BCC69838-95CC-4B93-988F-A1456D79FB0B}"/>
+              </a:ext>
+            </a:extLst>
+          </p:cNvPr>
+          <p:cNvPicPr>
+            <a:picLocks noChangeAspect="1"/>
+          </p:cNvPicPr>
+          <p:nvPr/>
+        </p:nvPicPr>
+        <p:blipFill>
+          <a:blip r:embed="rId3">
+            <a:extLst>
+              <a:ext uri="{28A0092B-C50C-407E-A947-70E740481C1C}">
+                <a14:useLocalDpi xmlns:a14="http://schemas.microsoft.com/office/drawing/2010/main" val="0"/>
+              </a:ext>
+            </a:extLst>
+          </a:blip>
+          <a:stretch>
+            <a:fillRect/>
+          </a:stretch>
+        </p:blipFill>
+        <p:spPr>
+          <a:xfrm>
+            <a:off x="7459188" y="5601335"/>
+            <a:ext cx="388030" cy="374650"/>
+          </a:xfrm>
+          <a:prstGeom prst="rect">
+            <a:avLst/>
+          </a:prstGeom>
+        </p:spPr>
+      </p:pic>
+      <p:pic>
+        <p:nvPicPr>
+          <p:cNvPr id="12" name="Picture 11" descr="A close up of a device&#10;&#10;Description automatically generated">
+            <a:extLst>
+              <a:ext uri="{FF2B5EF4-FFF2-40B4-BE49-F238E27FC236}">
+                <a16:creationId xmlns:a16="http://schemas.microsoft.com/office/drawing/2014/main" id="{152171BE-BFD1-40AB-8FEF-7A2BA9A0AA67}"/>
+              </a:ext>
+            </a:extLst>
+          </p:cNvPr>
+          <p:cNvPicPr>
+            <a:picLocks noChangeAspect="1"/>
+          </p:cNvPicPr>
+          <p:nvPr/>
+        </p:nvPicPr>
+        <p:blipFill>
+          <a:blip r:embed="rId4">
+            <a:extLst>
+              <a:ext uri="{28A0092B-C50C-407E-A947-70E740481C1C}">
+                <a14:useLocalDpi xmlns:a14="http://schemas.microsoft.com/office/drawing/2010/main" val="0"/>
+              </a:ext>
+            </a:extLst>
+          </a:blip>
+          <a:stretch>
+            <a:fillRect/>
+          </a:stretch>
+        </p:blipFill>
+        <p:spPr>
+          <a:xfrm>
+            <a:off x="7457325" y="5066168"/>
+            <a:ext cx="391757" cy="374650"/>
+          </a:xfrm>
+          <a:prstGeom prst="rect">
+            <a:avLst/>
+          </a:prstGeom>
+        </p:spPr>
+      </p:pic>
     </p:spTree>
     <p:extLst>
       <p:ext uri="{BB962C8B-B14F-4D97-AF65-F5344CB8AC3E}">
-        <p14:creationId xmlns:p14="http://schemas.microsoft.com/office/powerpoint/2010/main" val="4201020627"/>
+        <p14:creationId xmlns:p14="http://schemas.microsoft.com/office/powerpoint/2010/main" val="3983092351"/>
       </p:ext>
     </p:extLst>
   </p:cSld>
@@ -6395,6 +6760,518 @@
 </file>
 
 <file path=ppt/slides/slide10.xml><?xml version="1.0" encoding="utf-8"?>
+<p:sld xmlns:a="http://schemas.openxmlformats.org/drawingml/2006/main" xmlns:r="http://schemas.openxmlformats.org/officeDocument/2006/relationships" xmlns:p="http://schemas.openxmlformats.org/presentationml/2006/main">
+  <p:cSld>
+    <p:spTree>
+      <p:nvGrpSpPr>
+        <p:cNvPr id="1" name=""/>
+        <p:cNvGrpSpPr/>
+        <p:nvPr/>
+      </p:nvGrpSpPr>
+      <p:grpSpPr>
+        <a:xfrm>
+          <a:off x="0" y="0"/>
+          <a:ext cx="0" cy="0"/>
+          <a:chOff x="0" y="0"/>
+          <a:chExt cx="0" cy="0"/>
+        </a:xfrm>
+      </p:grpSpPr>
+      <p:sp>
+        <p:nvSpPr>
+          <p:cNvPr id="3" name="Title 2"/>
+          <p:cNvSpPr>
+            <a:spLocks noGrp="1"/>
+          </p:cNvSpPr>
+          <p:nvPr>
+            <p:ph type="title"/>
+          </p:nvPr>
+        </p:nvSpPr>
+        <p:spPr>
+          <a:xfrm>
+            <a:off x="152400" y="174625"/>
+            <a:ext cx="11887200" cy="1336675"/>
+          </a:xfrm>
+        </p:spPr>
+        <p:txBody>
+          <a:bodyPr>
+            <a:normAutofit/>
+          </a:bodyPr>
+          <a:lstStyle/>
+          <a:p>
+            <a:r>
+              <a:rPr lang="en-US" dirty="0"/>
+              <a:t>Common Classes of Algorithms</a:t>
+            </a:r>
+            <a:br>
+              <a:rPr lang="en-US" dirty="0"/>
+            </a:br>
+            <a:r>
+              <a:rPr lang="en-US" sz="2800" dirty="0"/>
+              <a:t>(</a:t>
+            </a:r>
+            <a:r>
+              <a:rPr lang="en-US" sz="2800" dirty="0" err="1"/>
+              <a:t>Supervised|Unsupervised</a:t>
+            </a:r>
+            <a:r>
+              <a:rPr lang="en-US" sz="2800" dirty="0"/>
+              <a:t>)</a:t>
+            </a:r>
+          </a:p>
+        </p:txBody>
+      </p:sp>
+      <p:grpSp>
+        <p:nvGrpSpPr>
+          <p:cNvPr id="10" name="Group 9"/>
+          <p:cNvGrpSpPr/>
+          <p:nvPr/>
+        </p:nvGrpSpPr>
+        <p:grpSpPr>
+          <a:xfrm>
+            <a:off x="1059585" y="2119089"/>
+            <a:ext cx="2073762" cy="3602908"/>
+            <a:chOff x="634610" y="2119089"/>
+            <a:chExt cx="2073762" cy="3602908"/>
+          </a:xfrm>
+        </p:grpSpPr>
+        <p:sp>
+          <p:nvSpPr>
+            <p:cNvPr id="9" name="Rectangle 8"/>
+            <p:cNvSpPr/>
+            <p:nvPr/>
+          </p:nvSpPr>
+          <p:spPr>
+            <a:xfrm>
+              <a:off x="634610" y="2119089"/>
+              <a:ext cx="2073762" cy="3602908"/>
+            </a:xfrm>
+            <a:prstGeom prst="rect">
+              <a:avLst/>
+            </a:prstGeom>
+          </p:spPr>
+          <p:style>
+            <a:lnRef idx="2">
+              <a:schemeClr val="accent1">
+                <a:shade val="50000"/>
+              </a:schemeClr>
+            </a:lnRef>
+            <a:fillRef idx="1">
+              <a:schemeClr val="accent1"/>
+            </a:fillRef>
+            <a:effectRef idx="0">
+              <a:schemeClr val="accent1"/>
+            </a:effectRef>
+            <a:fontRef idx="minor">
+              <a:schemeClr val="lt1"/>
+            </a:fontRef>
+          </p:style>
+          <p:txBody>
+            <a:bodyPr lIns="0" rIns="0" rtlCol="0" anchor="t" anchorCtr="0"/>
+            <a:lstStyle/>
+            <a:p>
+              <a:pPr algn="ctr"/>
+              <a:r>
+                <a:rPr lang="en-US" sz="2400" dirty="0"/>
+                <a:t>Classification</a:t>
+              </a:r>
+            </a:p>
+          </p:txBody>
+        </p:sp>
+        <p:grpSp>
+          <p:nvGrpSpPr>
+            <p:cNvPr id="7" name="Group 6"/>
+            <p:cNvGrpSpPr/>
+            <p:nvPr/>
+          </p:nvGrpSpPr>
+          <p:grpSpPr>
+            <a:xfrm>
+              <a:off x="663637" y="3426809"/>
+              <a:ext cx="2023055" cy="1828800"/>
+              <a:chOff x="1087120" y="1285207"/>
+              <a:chExt cx="2423563" cy="2275841"/>
+            </a:xfrm>
+          </p:grpSpPr>
+          <p:pic>
+            <p:nvPicPr>
+              <p:cNvPr id="1026" name="Picture 2" descr="Gender classification from height and weight"/>
+              <p:cNvPicPr>
+                <a:picLocks noChangeAspect="1" noChangeArrowheads="1"/>
+              </p:cNvPicPr>
+              <p:nvPr/>
+            </p:nvPicPr>
+            <p:blipFill rotWithShape="1">
+              <a:blip r:embed="rId3" cstate="email">
+                <a:extLst>
+                  <a:ext uri="{28A0092B-C50C-407E-A947-70E740481C1C}">
+                    <a14:useLocalDpi xmlns:a14="http://schemas.microsoft.com/office/drawing/2010/main"/>
+                  </a:ext>
+                </a:extLst>
+              </a:blip>
+              <a:srcRect/>
+              <a:stretch/>
+            </p:blipFill>
+            <p:spPr bwMode="auto">
+              <a:xfrm>
+                <a:off x="1087120" y="1285207"/>
+                <a:ext cx="2423563" cy="2275841"/>
+              </a:xfrm>
+              <a:prstGeom prst="rect">
+                <a:avLst/>
+              </a:prstGeom>
+              <a:noFill/>
+              <a:extLst>
+                <a:ext uri="{909E8E84-426E-40DD-AFC4-6F175D3DCCD1}">
+                  <a14:hiddenFill xmlns:a14="http://schemas.microsoft.com/office/drawing/2010/main">
+                    <a:solidFill>
+                      <a:srgbClr val="FFFFFF"/>
+                    </a:solidFill>
+                  </a14:hiddenFill>
+                </a:ext>
+              </a:extLst>
+            </p:spPr>
+          </p:pic>
+          <p:cxnSp>
+            <p:nvCxnSpPr>
+              <p:cNvPr id="6" name="Straight Connector 5"/>
+              <p:cNvCxnSpPr/>
+              <p:nvPr/>
+            </p:nvCxnSpPr>
+            <p:spPr>
+              <a:xfrm>
+                <a:off x="1524000" y="1574800"/>
+                <a:ext cx="1778000" cy="1656080"/>
+              </a:xfrm>
+              <a:prstGeom prst="line">
+                <a:avLst/>
+              </a:prstGeom>
+              <a:ln w="28575">
+                <a:solidFill>
+                  <a:srgbClr val="002060"/>
+                </a:solidFill>
+              </a:ln>
+            </p:spPr>
+            <p:style>
+              <a:lnRef idx="1">
+                <a:schemeClr val="accent1"/>
+              </a:lnRef>
+              <a:fillRef idx="0">
+                <a:schemeClr val="accent1"/>
+              </a:fillRef>
+              <a:effectRef idx="0">
+                <a:schemeClr val="accent1"/>
+              </a:effectRef>
+              <a:fontRef idx="minor">
+                <a:schemeClr val="tx1"/>
+              </a:fontRef>
+            </p:style>
+          </p:cxnSp>
+        </p:grpSp>
+      </p:grpSp>
+      <p:grpSp>
+        <p:nvGrpSpPr>
+          <p:cNvPr id="2" name="Group 1"/>
+          <p:cNvGrpSpPr/>
+          <p:nvPr/>
+        </p:nvGrpSpPr>
+        <p:grpSpPr>
+          <a:xfrm>
+            <a:off x="6381397" y="2119089"/>
+            <a:ext cx="2073762" cy="3602908"/>
+            <a:chOff x="4546308" y="2119089"/>
+            <a:chExt cx="2073762" cy="3602908"/>
+          </a:xfrm>
+        </p:grpSpPr>
+        <p:sp>
+          <p:nvSpPr>
+            <p:cNvPr id="14" name="Rectangle 13"/>
+            <p:cNvSpPr/>
+            <p:nvPr/>
+          </p:nvSpPr>
+          <p:spPr>
+            <a:xfrm>
+              <a:off x="4546308" y="2119089"/>
+              <a:ext cx="2073762" cy="3602908"/>
+            </a:xfrm>
+            <a:prstGeom prst="rect">
+              <a:avLst/>
+            </a:prstGeom>
+          </p:spPr>
+          <p:style>
+            <a:lnRef idx="2">
+              <a:schemeClr val="accent1">
+                <a:shade val="50000"/>
+              </a:schemeClr>
+            </a:lnRef>
+            <a:fillRef idx="1">
+              <a:schemeClr val="accent1"/>
+            </a:fillRef>
+            <a:effectRef idx="0">
+              <a:schemeClr val="accent1"/>
+            </a:effectRef>
+            <a:fontRef idx="minor">
+              <a:schemeClr val="lt1"/>
+            </a:fontRef>
+          </p:style>
+          <p:txBody>
+            <a:bodyPr lIns="0" rIns="0" rtlCol="0" anchor="t" anchorCtr="0"/>
+            <a:lstStyle/>
+            <a:p>
+              <a:pPr algn="ctr"/>
+              <a:r>
+                <a:rPr lang="en-US" sz="2400" dirty="0"/>
+                <a:t>Regression</a:t>
+              </a:r>
+            </a:p>
+          </p:txBody>
+        </p:sp>
+        <p:pic>
+          <p:nvPicPr>
+            <p:cNvPr id="1028" name="Picture 4" descr="Data with a nonlinear trend"/>
+            <p:cNvPicPr>
+              <a:picLocks noChangeAspect="1" noChangeArrowheads="1"/>
+            </p:cNvPicPr>
+            <p:nvPr/>
+          </p:nvPicPr>
+          <p:blipFill rotWithShape="1">
+            <a:blip r:embed="rId4" cstate="email">
+              <a:extLst>
+                <a:ext uri="{28A0092B-C50C-407E-A947-70E740481C1C}">
+                  <a14:useLocalDpi xmlns:a14="http://schemas.microsoft.com/office/drawing/2010/main"/>
+                </a:ext>
+              </a:extLst>
+            </a:blip>
+            <a:srcRect/>
+            <a:stretch/>
+          </p:blipFill>
+          <p:spPr bwMode="auto">
+            <a:xfrm>
+              <a:off x="4575948" y="3426809"/>
+              <a:ext cx="2036957" cy="1828800"/>
+            </a:xfrm>
+            <a:prstGeom prst="rect">
+              <a:avLst/>
+            </a:prstGeom>
+            <a:noFill/>
+            <a:extLst>
+              <a:ext uri="{909E8E84-426E-40DD-AFC4-6F175D3DCCD1}">
+                <a14:hiddenFill xmlns:a14="http://schemas.microsoft.com/office/drawing/2010/main">
+                  <a:solidFill>
+                    <a:srgbClr val="FFFFFF"/>
+                  </a:solidFill>
+                </a14:hiddenFill>
+              </a:ext>
+            </a:extLst>
+          </p:spPr>
+        </p:pic>
+      </p:grpSp>
+      <p:grpSp>
+        <p:nvGrpSpPr>
+          <p:cNvPr id="5" name="Group 4"/>
+          <p:cNvGrpSpPr/>
+          <p:nvPr/>
+        </p:nvGrpSpPr>
+        <p:grpSpPr>
+          <a:xfrm>
+            <a:off x="9042304" y="2119089"/>
+            <a:ext cx="2073762" cy="3602908"/>
+            <a:chOff x="7302404" y="2119089"/>
+            <a:chExt cx="2073762" cy="3602908"/>
+          </a:xfrm>
+        </p:grpSpPr>
+        <p:sp>
+          <p:nvSpPr>
+            <p:cNvPr id="16" name="Rectangle 15"/>
+            <p:cNvSpPr/>
+            <p:nvPr/>
+          </p:nvSpPr>
+          <p:spPr>
+            <a:xfrm>
+              <a:off x="7302404" y="2119089"/>
+              <a:ext cx="2073762" cy="3602908"/>
+            </a:xfrm>
+            <a:prstGeom prst="rect">
+              <a:avLst/>
+            </a:prstGeom>
+          </p:spPr>
+          <p:style>
+            <a:lnRef idx="2">
+              <a:schemeClr val="accent1">
+                <a:shade val="50000"/>
+              </a:schemeClr>
+            </a:lnRef>
+            <a:fillRef idx="1">
+              <a:schemeClr val="accent1"/>
+            </a:fillRef>
+            <a:effectRef idx="0">
+              <a:schemeClr val="accent1"/>
+            </a:effectRef>
+            <a:fontRef idx="minor">
+              <a:schemeClr val="lt1"/>
+            </a:fontRef>
+          </p:style>
+          <p:txBody>
+            <a:bodyPr lIns="0" rIns="0" rtlCol="0" anchor="t" anchorCtr="0"/>
+            <a:lstStyle/>
+            <a:p>
+              <a:pPr algn="ctr"/>
+              <a:r>
+                <a:rPr lang="en-US" sz="2400" dirty="0"/>
+                <a:t>Anomaly Detection</a:t>
+              </a:r>
+            </a:p>
+          </p:txBody>
+        </p:sp>
+        <p:pic>
+          <p:nvPicPr>
+            <p:cNvPr id="1030" name="Picture 6" descr="https://acomdpsstorage.blob.core.windows.net/dpsmedia-prod/azure.microsoft.com/en-us/documentation/articles/machine-learning-algorithm-choice/20151014060220/image8.png"/>
+            <p:cNvPicPr>
+              <a:picLocks noChangeAspect="1" noChangeArrowheads="1"/>
+            </p:cNvPicPr>
+            <p:nvPr/>
+          </p:nvPicPr>
+          <p:blipFill rotWithShape="1">
+            <a:blip r:embed="rId5" cstate="email">
+              <a:extLst>
+                <a:ext uri="{28A0092B-C50C-407E-A947-70E740481C1C}">
+                  <a14:useLocalDpi xmlns:a14="http://schemas.microsoft.com/office/drawing/2010/main"/>
+                </a:ext>
+              </a:extLst>
+            </a:blip>
+            <a:srcRect/>
+            <a:stretch/>
+          </p:blipFill>
+          <p:spPr bwMode="auto">
+            <a:xfrm>
+              <a:off x="7355372" y="3426809"/>
+              <a:ext cx="1967825" cy="1828800"/>
+            </a:xfrm>
+            <a:prstGeom prst="rect">
+              <a:avLst/>
+            </a:prstGeom>
+            <a:noFill/>
+            <a:extLst>
+              <a:ext uri="{909E8E84-426E-40DD-AFC4-6F175D3DCCD1}">
+                <a14:hiddenFill xmlns:a14="http://schemas.microsoft.com/office/drawing/2010/main">
+                  <a:solidFill>
+                    <a:srgbClr val="FFFFFF"/>
+                  </a:solidFill>
+                </a14:hiddenFill>
+              </a:ext>
+            </a:extLst>
+          </p:spPr>
+        </p:pic>
+      </p:grpSp>
+      <p:grpSp>
+        <p:nvGrpSpPr>
+          <p:cNvPr id="4" name="Group 3"/>
+          <p:cNvGrpSpPr/>
+          <p:nvPr/>
+        </p:nvGrpSpPr>
+        <p:grpSpPr>
+          <a:xfrm>
+            <a:off x="3720491" y="2119089"/>
+            <a:ext cx="2073762" cy="3602908"/>
+            <a:chOff x="9525003" y="2119089"/>
+            <a:chExt cx="2073762" cy="3602908"/>
+          </a:xfrm>
+        </p:grpSpPr>
+        <p:sp>
+          <p:nvSpPr>
+            <p:cNvPr id="17" name="Rectangle 16"/>
+            <p:cNvSpPr/>
+            <p:nvPr/>
+          </p:nvSpPr>
+          <p:spPr>
+            <a:xfrm>
+              <a:off x="9525003" y="2119089"/>
+              <a:ext cx="2073762" cy="3602908"/>
+            </a:xfrm>
+            <a:prstGeom prst="rect">
+              <a:avLst/>
+            </a:prstGeom>
+          </p:spPr>
+          <p:style>
+            <a:lnRef idx="2">
+              <a:schemeClr val="accent1">
+                <a:shade val="50000"/>
+              </a:schemeClr>
+            </a:lnRef>
+            <a:fillRef idx="1">
+              <a:schemeClr val="accent1"/>
+            </a:fillRef>
+            <a:effectRef idx="0">
+              <a:schemeClr val="accent1"/>
+            </a:effectRef>
+            <a:fontRef idx="minor">
+              <a:schemeClr val="lt1"/>
+            </a:fontRef>
+          </p:style>
+          <p:txBody>
+            <a:bodyPr lIns="0" rIns="0" rtlCol="0" anchor="t" anchorCtr="0"/>
+            <a:lstStyle/>
+            <a:p>
+              <a:pPr algn="ctr"/>
+              <a:r>
+                <a:rPr lang="en-US" sz="2400" dirty="0"/>
+                <a:t>Clustering</a:t>
+              </a:r>
+            </a:p>
+          </p:txBody>
+        </p:sp>
+        <p:pic>
+          <p:nvPicPr>
+            <p:cNvPr id="1032" name="Picture 8" descr="Data set grouped using K-means"/>
+            <p:cNvPicPr>
+              <a:picLocks noChangeAspect="1" noChangeArrowheads="1"/>
+            </p:cNvPicPr>
+            <p:nvPr/>
+          </p:nvPicPr>
+          <p:blipFill rotWithShape="1">
+            <a:blip r:embed="rId6" cstate="email">
+              <a:extLst>
+                <a:ext uri="{28A0092B-C50C-407E-A947-70E740481C1C}">
+                  <a14:useLocalDpi xmlns:a14="http://schemas.microsoft.com/office/drawing/2010/main"/>
+                </a:ext>
+              </a:extLst>
+            </a:blip>
+            <a:srcRect/>
+            <a:stretch/>
+          </p:blipFill>
+          <p:spPr bwMode="auto">
+            <a:xfrm>
+              <a:off x="9555881" y="3426808"/>
+              <a:ext cx="2011680" cy="1828801"/>
+            </a:xfrm>
+            <a:prstGeom prst="rect">
+              <a:avLst/>
+            </a:prstGeom>
+            <a:noFill/>
+            <a:extLst>
+              <a:ext uri="{909E8E84-426E-40DD-AFC4-6F175D3DCCD1}">
+                <a14:hiddenFill xmlns:a14="http://schemas.microsoft.com/office/drawing/2010/main">
+                  <a:solidFill>
+                    <a:srgbClr val="FFFFFF"/>
+                  </a:solidFill>
+                </a14:hiddenFill>
+              </a:ext>
+            </a:extLst>
+          </p:spPr>
+        </p:pic>
+      </p:grpSp>
+    </p:spTree>
+    <p:extLst>
+      <p:ext uri="{BB962C8B-B14F-4D97-AF65-F5344CB8AC3E}">
+        <p14:creationId xmlns:p14="http://schemas.microsoft.com/office/powerpoint/2010/main" val="1557822894"/>
+      </p:ext>
+    </p:extLst>
+  </p:cSld>
+  <p:clrMapOvr>
+    <a:masterClrMapping/>
+  </p:clrMapOvr>
+</p:sld>
+</file>
+
+<file path=ppt/slides/slide11.xml><?xml version="1.0" encoding="utf-8"?>
 <p:sld xmlns:a="http://schemas.openxmlformats.org/drawingml/2006/main" xmlns:r="http://schemas.openxmlformats.org/officeDocument/2006/relationships" xmlns:p="http://schemas.openxmlformats.org/presentationml/2006/main">
   <p:cSld>
     <p:spTree>
@@ -6549,7 +7426,7 @@
 </p:sld>
 </file>
 
-<file path=ppt/slides/slide11.xml><?xml version="1.0" encoding="utf-8"?>
+<file path=ppt/slides/slide12.xml><?xml version="1.0" encoding="utf-8"?>
 <p:sld xmlns:a="http://schemas.openxmlformats.org/drawingml/2006/main" xmlns:r="http://schemas.openxmlformats.org/officeDocument/2006/relationships" xmlns:p="http://schemas.openxmlformats.org/presentationml/2006/main">
   <p:cSld>
     <p:spTree>
@@ -6839,7 +7716,7 @@
 </p:sld>
 </file>
 
-<file path=ppt/slides/slide12.xml><?xml version="1.0" encoding="utf-8"?>
+<file path=ppt/slides/slide13.xml><?xml version="1.0" encoding="utf-8"?>
 <p:sld xmlns:a="http://schemas.openxmlformats.org/drawingml/2006/main" xmlns:r="http://schemas.openxmlformats.org/officeDocument/2006/relationships" xmlns:p="http://schemas.openxmlformats.org/presentationml/2006/main">
   <p:cSld>
     <p:spTree>
@@ -7073,7 +7950,7 @@
 </p:sld>
 </file>
 
-<file path=ppt/slides/slide13.xml><?xml version="1.0" encoding="utf-8"?>
+<file path=ppt/slides/slide14.xml><?xml version="1.0" encoding="utf-8"?>
 <p:sld xmlns:a="http://schemas.openxmlformats.org/drawingml/2006/main" xmlns:r="http://schemas.openxmlformats.org/officeDocument/2006/relationships" xmlns:p="http://schemas.openxmlformats.org/presentationml/2006/main">
   <p:cSld>
     <p:spTree>
@@ -7331,7 +8208,7 @@
 </p:sld>
 </file>
 
-<file path=ppt/slides/slide14.xml><?xml version="1.0" encoding="utf-8"?>
+<file path=ppt/slides/slide15.xml><?xml version="1.0" encoding="utf-8"?>
 <p:sld xmlns:a="http://schemas.openxmlformats.org/drawingml/2006/main" xmlns:r="http://schemas.openxmlformats.org/officeDocument/2006/relationships" xmlns:p="http://schemas.openxmlformats.org/presentationml/2006/main">
   <p:cSld>
     <p:spTree>
@@ -7927,7 +8804,7 @@
 </p:sld>
 </file>
 
-<file path=ppt/slides/slide15.xml><?xml version="1.0" encoding="utf-8"?>
+<file path=ppt/slides/slide16.xml><?xml version="1.0" encoding="utf-8"?>
 <p:sld xmlns:a="http://schemas.openxmlformats.org/drawingml/2006/main" xmlns:r="http://schemas.openxmlformats.org/officeDocument/2006/relationships" xmlns:p="http://schemas.openxmlformats.org/presentationml/2006/main">
   <p:cSld>
     <p:spTree>
@@ -8525,7 +9402,7 @@
 </p:sld>
 </file>
 
-<file path=ppt/slides/slide16.xml><?xml version="1.0" encoding="utf-8"?>
+<file path=ppt/slides/slide17.xml><?xml version="1.0" encoding="utf-8"?>
 <p:sld xmlns:a="http://schemas.openxmlformats.org/drawingml/2006/main" xmlns:r="http://schemas.openxmlformats.org/officeDocument/2006/relationships" xmlns:p="http://schemas.openxmlformats.org/presentationml/2006/main">
   <p:cSld>
     <p:spTree>
@@ -8680,7 +9557,664 @@
 </p:sld>
 </file>
 
-<file path=ppt/slides/slide17.xml><?xml version="1.0" encoding="utf-8"?>
+<file path=ppt/slides/slide18.xml><?xml version="1.0" encoding="utf-8"?>
+<p:sld xmlns:a="http://schemas.openxmlformats.org/drawingml/2006/main" xmlns:r="http://schemas.openxmlformats.org/officeDocument/2006/relationships" xmlns:p="http://schemas.openxmlformats.org/presentationml/2006/main">
+  <p:cSld>
+    <p:spTree>
+      <p:nvGrpSpPr>
+        <p:cNvPr id="1" name=""/>
+        <p:cNvGrpSpPr/>
+        <p:nvPr/>
+      </p:nvGrpSpPr>
+      <p:grpSpPr>
+        <a:xfrm>
+          <a:off x="0" y="0"/>
+          <a:ext cx="0" cy="0"/>
+          <a:chOff x="0" y="0"/>
+          <a:chExt cx="0" cy="0"/>
+        </a:xfrm>
+      </p:grpSpPr>
+      <p:sp>
+        <p:nvSpPr>
+          <p:cNvPr id="2" name="Title 1">
+            <a:extLst>
+              <a:ext uri="{FF2B5EF4-FFF2-40B4-BE49-F238E27FC236}">
+                <a16:creationId xmlns:a16="http://schemas.microsoft.com/office/drawing/2014/main" id="{A6A4B43F-6AD9-4B5F-B24B-E6726B13BC44}"/>
+              </a:ext>
+            </a:extLst>
+          </p:cNvPr>
+          <p:cNvSpPr>
+            <a:spLocks noGrp="1"/>
+          </p:cNvSpPr>
+          <p:nvPr>
+            <p:ph type="title"/>
+          </p:nvPr>
+        </p:nvSpPr>
+        <p:spPr/>
+        <p:txBody>
+          <a:bodyPr/>
+          <a:lstStyle/>
+          <a:p>
+            <a:r>
+              <a:rPr lang="en-US" dirty="0"/>
+              <a:t>Your go to Team!</a:t>
+            </a:r>
+          </a:p>
+        </p:txBody>
+      </p:sp>
+      <p:graphicFrame>
+        <p:nvGraphicFramePr>
+          <p:cNvPr id="4" name="Content Placeholder 3">
+            <a:extLst>
+              <a:ext uri="{FF2B5EF4-FFF2-40B4-BE49-F238E27FC236}">
+                <a16:creationId xmlns:a16="http://schemas.microsoft.com/office/drawing/2014/main" id="{F03ED187-5D33-4117-AD0F-8A1AE3F58452}"/>
+              </a:ext>
+            </a:extLst>
+          </p:cNvPr>
+          <p:cNvGraphicFramePr>
+            <a:graphicFrameLocks noGrp="1"/>
+          </p:cNvGraphicFramePr>
+          <p:nvPr>
+            <p:ph idx="1"/>
+          </p:nvPr>
+        </p:nvGraphicFramePr>
+        <p:xfrm>
+          <a:off x="152400" y="1028700"/>
+          <a:ext cx="11887200" cy="2966720"/>
+        </p:xfrm>
+        <a:graphic>
+          <a:graphicData uri="http://schemas.openxmlformats.org/drawingml/2006/table">
+            <a:tbl>
+              <a:tblPr firstRow="1" bandRow="1">
+                <a:tableStyleId>{5C22544A-7EE6-4342-B048-85BDC9FD1C3A}</a:tableStyleId>
+              </a:tblPr>
+              <a:tblGrid>
+                <a:gridCol w="4166212">
+                  <a:extLst>
+                    <a:ext uri="{9D8B030D-6E8A-4147-A177-3AD203B41FA5}">
+                      <a16:colId xmlns:a16="http://schemas.microsoft.com/office/drawing/2014/main" val="3792636849"/>
+                    </a:ext>
+                  </a:extLst>
+                </a:gridCol>
+                <a:gridCol w="4153359">
+                  <a:extLst>
+                    <a:ext uri="{9D8B030D-6E8A-4147-A177-3AD203B41FA5}">
+                      <a16:colId xmlns:a16="http://schemas.microsoft.com/office/drawing/2014/main" val="2751555973"/>
+                    </a:ext>
+                  </a:extLst>
+                </a:gridCol>
+                <a:gridCol w="3567629">
+                  <a:extLst>
+                    <a:ext uri="{9D8B030D-6E8A-4147-A177-3AD203B41FA5}">
+                      <a16:colId xmlns:a16="http://schemas.microsoft.com/office/drawing/2014/main" val="1564450213"/>
+                    </a:ext>
+                  </a:extLst>
+                </a:gridCol>
+              </a:tblGrid>
+              <a:tr h="370840">
+                <a:tc>
+                  <a:txBody>
+                    <a:bodyPr/>
+                    <a:lstStyle/>
+                    <a:p>
+                      <a:r>
+                        <a:rPr lang="en-US" dirty="0"/>
+                        <a:t>Name</a:t>
+                      </a:r>
+                    </a:p>
+                  </a:txBody>
+                  <a:tcPr/>
+                </a:tc>
+                <a:tc>
+                  <a:txBody>
+                    <a:bodyPr/>
+                    <a:lstStyle/>
+                    <a:p>
+                      <a:r>
+                        <a:rPr lang="en-US" dirty="0"/>
+                        <a:t>Email</a:t>
+                      </a:r>
+                    </a:p>
+                  </a:txBody>
+                  <a:tcPr/>
+                </a:tc>
+                <a:tc>
+                  <a:txBody>
+                    <a:bodyPr/>
+                    <a:lstStyle/>
+                    <a:p>
+                      <a:endParaRPr lang="en-US" dirty="0"/>
+                    </a:p>
+                  </a:txBody>
+                  <a:tcPr/>
+                </a:tc>
+                <a:extLst>
+                  <a:ext uri="{0D108BD9-81ED-4DB2-BD59-A6C34878D82A}">
+                    <a16:rowId xmlns:a16="http://schemas.microsoft.com/office/drawing/2014/main" val="487544113"/>
+                  </a:ext>
+                </a:extLst>
+              </a:tr>
+              <a:tr h="370840">
+                <a:tc>
+                  <a:txBody>
+                    <a:bodyPr/>
+                    <a:lstStyle/>
+                    <a:p>
+                      <a:r>
+                        <a:rPr lang="en-US" dirty="0">
+                          <a:solidFill>
+                            <a:schemeClr val="accent1">
+                              <a:lumMod val="50000"/>
+                            </a:schemeClr>
+                          </a:solidFill>
+                        </a:rPr>
+                        <a:t>Megan Smith</a:t>
+                      </a:r>
+                    </a:p>
+                  </a:txBody>
+                  <a:tcPr/>
+                </a:tc>
+                <a:tc>
+                  <a:txBody>
+                    <a:bodyPr/>
+                    <a:lstStyle/>
+                    <a:p>
+                      <a:pPr marL="0" marR="0" lvl="0" indent="0" algn="l" defTabSz="914400" rtl="0" eaLnBrk="1" fontAlgn="auto" latinLnBrk="0" hangingPunct="1">
+                        <a:lnSpc>
+                          <a:spcPct val="100000"/>
+                        </a:lnSpc>
+                        <a:spcBef>
+                          <a:spcPts val="0"/>
+                        </a:spcBef>
+                        <a:spcAft>
+                          <a:spcPts val="0"/>
+                        </a:spcAft>
+                        <a:buClrTx/>
+                        <a:buSzTx/>
+                        <a:buFontTx/>
+                        <a:buNone/>
+                        <a:tabLst/>
+                        <a:defRPr/>
+                      </a:pPr>
+                      <a:r>
+                        <a:rPr lang="en-US" dirty="0">
+                          <a:hlinkClick r:id="rId2"/>
+                        </a:rPr>
+                        <a:t>megan.smith@microsoft.com</a:t>
+                      </a:r>
+                      <a:r>
+                        <a:rPr lang="en-US" dirty="0"/>
+                        <a:t> </a:t>
+                      </a:r>
+                    </a:p>
+                  </a:txBody>
+                  <a:tcPr/>
+                </a:tc>
+                <a:tc>
+                  <a:txBody>
+                    <a:bodyPr/>
+                    <a:lstStyle/>
+                    <a:p>
+                      <a:pPr marL="0" marR="0" lvl="0" indent="0" algn="l" defTabSz="914400" rtl="0" eaLnBrk="1" fontAlgn="auto" latinLnBrk="0" hangingPunct="1">
+                        <a:lnSpc>
+                          <a:spcPct val="100000"/>
+                        </a:lnSpc>
+                        <a:spcBef>
+                          <a:spcPts val="0"/>
+                        </a:spcBef>
+                        <a:spcAft>
+                          <a:spcPts val="0"/>
+                        </a:spcAft>
+                        <a:buClrTx/>
+                        <a:buSzTx/>
+                        <a:buFontTx/>
+                        <a:buNone/>
+                        <a:tabLst/>
+                        <a:defRPr/>
+                      </a:pPr>
+                      <a:r>
+                        <a:rPr lang="en-US" sz="1800" kern="1200" dirty="0">
+                          <a:solidFill>
+                            <a:schemeClr val="accent1">
+                              <a:lumMod val="50000"/>
+                            </a:schemeClr>
+                          </a:solidFill>
+                          <a:latin typeface="+mn-lt"/>
+                          <a:ea typeface="+mn-ea"/>
+                          <a:cs typeface="+mn-cs"/>
+                        </a:rPr>
+                        <a:t>SQL Server, SQL Data Warehouse</a:t>
+                      </a:r>
+                    </a:p>
+                  </a:txBody>
+                  <a:tcPr/>
+                </a:tc>
+                <a:extLst>
+                  <a:ext uri="{0D108BD9-81ED-4DB2-BD59-A6C34878D82A}">
+                    <a16:rowId xmlns:a16="http://schemas.microsoft.com/office/drawing/2014/main" val="1510396782"/>
+                  </a:ext>
+                </a:extLst>
+              </a:tr>
+              <a:tr h="370840">
+                <a:tc>
+                  <a:txBody>
+                    <a:bodyPr/>
+                    <a:lstStyle/>
+                    <a:p>
+                      <a:r>
+                        <a:rPr lang="en-US" dirty="0">
+                          <a:solidFill>
+                            <a:schemeClr val="accent1">
+                              <a:lumMod val="50000"/>
+                            </a:schemeClr>
+                          </a:solidFill>
+                        </a:rPr>
+                        <a:t>Joyjeet Majumdar</a:t>
+                      </a:r>
+                    </a:p>
+                  </a:txBody>
+                  <a:tcPr/>
+                </a:tc>
+                <a:tc>
+                  <a:txBody>
+                    <a:bodyPr/>
+                    <a:lstStyle/>
+                    <a:p>
+                      <a:r>
+                        <a:rPr lang="en-US" dirty="0" err="1">
+                          <a:hlinkClick r:id="rId3"/>
+                        </a:rPr>
+                        <a:t>joyjeetm@microsof</a:t>
+                      </a:r>
+                      <a:r>
+                        <a:rPr lang="en-US" dirty="0">
+                          <a:hlinkClick r:id="rId3"/>
+                        </a:rPr>
+                        <a:t> t.com</a:t>
+                      </a:r>
+                      <a:endParaRPr lang="en-US" dirty="0"/>
+                    </a:p>
+                  </a:txBody>
+                  <a:tcPr/>
+                </a:tc>
+                <a:tc>
+                  <a:txBody>
+                    <a:bodyPr/>
+                    <a:lstStyle/>
+                    <a:p>
+                      <a:r>
+                        <a:rPr lang="en-US" sz="1800" kern="1200" dirty="0">
+                          <a:solidFill>
+                            <a:schemeClr val="accent1">
+                              <a:lumMod val="50000"/>
+                            </a:schemeClr>
+                          </a:solidFill>
+                          <a:latin typeface="+mn-lt"/>
+                          <a:ea typeface="+mn-ea"/>
+                          <a:cs typeface="+mn-cs"/>
+                        </a:rPr>
+                        <a:t>Advance Analytics, AI</a:t>
+                      </a:r>
+                    </a:p>
+                  </a:txBody>
+                  <a:tcPr/>
+                </a:tc>
+                <a:extLst>
+                  <a:ext uri="{0D108BD9-81ED-4DB2-BD59-A6C34878D82A}">
+                    <a16:rowId xmlns:a16="http://schemas.microsoft.com/office/drawing/2014/main" val="862494671"/>
+                  </a:ext>
+                </a:extLst>
+              </a:tr>
+              <a:tr h="370840">
+                <a:tc>
+                  <a:txBody>
+                    <a:bodyPr/>
+                    <a:lstStyle/>
+                    <a:p>
+                      <a:r>
+                        <a:rPr lang="en-US" dirty="0">
+                          <a:solidFill>
+                            <a:schemeClr val="accent1">
+                              <a:lumMod val="50000"/>
+                            </a:schemeClr>
+                          </a:solidFill>
+                        </a:rPr>
+                        <a:t>Geoff Fawcett</a:t>
+                      </a:r>
+                    </a:p>
+                  </a:txBody>
+                  <a:tcPr/>
+                </a:tc>
+                <a:tc>
+                  <a:txBody>
+                    <a:bodyPr/>
+                    <a:lstStyle/>
+                    <a:p>
+                      <a:r>
+                        <a:rPr lang="en-US" dirty="0">
+                          <a:hlinkClick r:id="rId4"/>
+                        </a:rPr>
+                        <a:t>Geoff.Fawcett@microsoft.com</a:t>
+                      </a:r>
+                      <a:r>
+                        <a:rPr lang="en-US" dirty="0"/>
+                        <a:t> </a:t>
+                      </a:r>
+                    </a:p>
+                  </a:txBody>
+                  <a:tcPr/>
+                </a:tc>
+                <a:tc>
+                  <a:txBody>
+                    <a:bodyPr/>
+                    <a:lstStyle/>
+                    <a:p>
+                      <a:r>
+                        <a:rPr lang="en-US" sz="1800" kern="1200" dirty="0">
+                          <a:solidFill>
+                            <a:schemeClr val="accent1">
+                              <a:lumMod val="50000"/>
+                            </a:schemeClr>
+                          </a:solidFill>
+                          <a:latin typeface="+mn-lt"/>
+                          <a:ea typeface="+mn-ea"/>
+                          <a:cs typeface="+mn-cs"/>
+                        </a:rPr>
+                        <a:t>Power BI</a:t>
+                      </a:r>
+                    </a:p>
+                  </a:txBody>
+                  <a:tcPr/>
+                </a:tc>
+                <a:extLst>
+                  <a:ext uri="{0D108BD9-81ED-4DB2-BD59-A6C34878D82A}">
+                    <a16:rowId xmlns:a16="http://schemas.microsoft.com/office/drawing/2014/main" val="2005219900"/>
+                  </a:ext>
+                </a:extLst>
+              </a:tr>
+              <a:tr h="370840">
+                <a:tc>
+                  <a:txBody>
+                    <a:bodyPr/>
+                    <a:lstStyle/>
+                    <a:p>
+                      <a:r>
+                        <a:rPr lang="en-US" dirty="0">
+                          <a:solidFill>
+                            <a:schemeClr val="accent1">
+                              <a:lumMod val="50000"/>
+                            </a:schemeClr>
+                          </a:solidFill>
+                        </a:rPr>
+                        <a:t>Amit Budhu</a:t>
+                      </a:r>
+                    </a:p>
+                  </a:txBody>
+                  <a:tcPr/>
+                </a:tc>
+                <a:tc>
+                  <a:txBody>
+                    <a:bodyPr/>
+                    <a:lstStyle/>
+                    <a:p>
+                      <a:r>
+                        <a:rPr lang="en-US" dirty="0">
+                          <a:hlinkClick r:id="rId5"/>
+                        </a:rPr>
+                        <a:t>Amitraj.Budhu@microsoft.com</a:t>
+                      </a:r>
+                      <a:r>
+                        <a:rPr lang="en-US" dirty="0"/>
+                        <a:t> </a:t>
+                      </a:r>
+                    </a:p>
+                  </a:txBody>
+                  <a:tcPr/>
+                </a:tc>
+                <a:tc>
+                  <a:txBody>
+                    <a:bodyPr/>
+                    <a:lstStyle/>
+                    <a:p>
+                      <a:r>
+                        <a:rPr lang="en-US" sz="1800" kern="1200" dirty="0">
+                          <a:solidFill>
+                            <a:schemeClr val="accent1">
+                              <a:lumMod val="50000"/>
+                            </a:schemeClr>
+                          </a:solidFill>
+                          <a:latin typeface="+mn-lt"/>
+                          <a:ea typeface="+mn-ea"/>
+                          <a:cs typeface="+mn-cs"/>
+                        </a:rPr>
+                        <a:t>Apps, Infrastructure, DevOps</a:t>
+                      </a:r>
+                    </a:p>
+                  </a:txBody>
+                  <a:tcPr/>
+                </a:tc>
+                <a:extLst>
+                  <a:ext uri="{0D108BD9-81ED-4DB2-BD59-A6C34878D82A}">
+                    <a16:rowId xmlns:a16="http://schemas.microsoft.com/office/drawing/2014/main" val="4190035897"/>
+                  </a:ext>
+                </a:extLst>
+              </a:tr>
+              <a:tr h="370840">
+                <a:tc>
+                  <a:txBody>
+                    <a:bodyPr/>
+                    <a:lstStyle/>
+                    <a:p>
+                      <a:r>
+                        <a:rPr lang="en-US" dirty="0">
+                          <a:solidFill>
+                            <a:schemeClr val="accent1">
+                              <a:lumMod val="50000"/>
+                            </a:schemeClr>
+                          </a:solidFill>
+                        </a:rPr>
+                        <a:t>Tom Ford</a:t>
+                      </a:r>
+                    </a:p>
+                  </a:txBody>
+                  <a:tcPr/>
+                </a:tc>
+                <a:tc>
+                  <a:txBody>
+                    <a:bodyPr/>
+                    <a:lstStyle/>
+                    <a:p>
+                      <a:r>
+                        <a:rPr lang="en-US" dirty="0">
+                          <a:hlinkClick r:id="rId6"/>
+                        </a:rPr>
+                        <a:t>TomFo@microsoft.com</a:t>
+                      </a:r>
+                      <a:r>
+                        <a:rPr lang="en-US" dirty="0"/>
+                        <a:t> </a:t>
+                      </a:r>
+                    </a:p>
+                  </a:txBody>
+                  <a:tcPr/>
+                </a:tc>
+                <a:tc>
+                  <a:txBody>
+                    <a:bodyPr/>
+                    <a:lstStyle/>
+                    <a:p>
+                      <a:r>
+                        <a:rPr lang="en-US" sz="1800" kern="1200" dirty="0">
+                          <a:solidFill>
+                            <a:schemeClr val="accent1">
+                              <a:lumMod val="50000"/>
+                            </a:schemeClr>
+                          </a:solidFill>
+                          <a:latin typeface="+mn-lt"/>
+                          <a:ea typeface="+mn-ea"/>
+                          <a:cs typeface="+mn-cs"/>
+                        </a:rPr>
+                        <a:t>All Data and AI needs for Business</a:t>
+                      </a:r>
+                    </a:p>
+                  </a:txBody>
+                  <a:tcPr/>
+                </a:tc>
+                <a:extLst>
+                  <a:ext uri="{0D108BD9-81ED-4DB2-BD59-A6C34878D82A}">
+                    <a16:rowId xmlns:a16="http://schemas.microsoft.com/office/drawing/2014/main" val="1141127157"/>
+                  </a:ext>
+                </a:extLst>
+              </a:tr>
+              <a:tr h="370840">
+                <a:tc>
+                  <a:txBody>
+                    <a:bodyPr/>
+                    <a:lstStyle/>
+                    <a:p>
+                      <a:r>
+                        <a:rPr lang="en-US" dirty="0">
+                          <a:solidFill>
+                            <a:schemeClr val="accent1">
+                              <a:lumMod val="50000"/>
+                            </a:schemeClr>
+                          </a:solidFill>
+                        </a:rPr>
+                        <a:t>Tom Roe</a:t>
+                      </a:r>
+                    </a:p>
+                  </a:txBody>
+                  <a:tcPr/>
+                </a:tc>
+                <a:tc>
+                  <a:txBody>
+                    <a:bodyPr/>
+                    <a:lstStyle/>
+                    <a:p>
+                      <a:r>
+                        <a:rPr lang="en-US" dirty="0">
+                          <a:hlinkClick r:id="rId7"/>
+                        </a:rPr>
+                        <a:t>Tom.Roe@microsoft.com</a:t>
+                      </a:r>
+                      <a:r>
+                        <a:rPr lang="en-US" dirty="0"/>
+                        <a:t> </a:t>
+                      </a:r>
+                    </a:p>
+                  </a:txBody>
+                  <a:tcPr/>
+                </a:tc>
+                <a:tc>
+                  <a:txBody>
+                    <a:bodyPr/>
+                    <a:lstStyle/>
+                    <a:p>
+                      <a:r>
+                        <a:rPr lang="en-US" sz="1800" kern="1200" dirty="0">
+                          <a:solidFill>
+                            <a:schemeClr val="accent1">
+                              <a:lumMod val="50000"/>
+                            </a:schemeClr>
+                          </a:solidFill>
+                          <a:latin typeface="+mn-lt"/>
+                          <a:ea typeface="+mn-ea"/>
+                          <a:cs typeface="+mn-cs"/>
+                        </a:rPr>
+                        <a:t>All Apps &amp; Infra needs for Business</a:t>
+                      </a:r>
+                    </a:p>
+                  </a:txBody>
+                  <a:tcPr/>
+                </a:tc>
+                <a:extLst>
+                  <a:ext uri="{0D108BD9-81ED-4DB2-BD59-A6C34878D82A}">
+                    <a16:rowId xmlns:a16="http://schemas.microsoft.com/office/drawing/2014/main" val="2760979292"/>
+                  </a:ext>
+                </a:extLst>
+              </a:tr>
+              <a:tr h="370840">
+                <a:tc>
+                  <a:txBody>
+                    <a:bodyPr/>
+                    <a:lstStyle/>
+                    <a:p>
+                      <a:r>
+                        <a:rPr lang="en-US" dirty="0">
+                          <a:solidFill>
+                            <a:schemeClr val="accent1">
+                              <a:lumMod val="50000"/>
+                            </a:schemeClr>
+                          </a:solidFill>
+                        </a:rPr>
+                        <a:t>Brian Hewitt</a:t>
+                      </a:r>
+                    </a:p>
+                  </a:txBody>
+                  <a:tcPr/>
+                </a:tc>
+                <a:tc>
+                  <a:txBody>
+                    <a:bodyPr/>
+                    <a:lstStyle/>
+                    <a:p>
+                      <a:r>
+                        <a:rPr lang="en-US" dirty="0">
+                          <a:hlinkClick r:id="rId8"/>
+                        </a:rPr>
+                        <a:t>Brian.Hewitt@microsoft.com</a:t>
+                      </a:r>
+                      <a:endParaRPr lang="en-US" dirty="0"/>
+                    </a:p>
+                  </a:txBody>
+                  <a:tcPr/>
+                </a:tc>
+                <a:tc>
+                  <a:txBody>
+                    <a:bodyPr/>
+                    <a:lstStyle/>
+                    <a:p>
+                      <a:r>
+                        <a:rPr lang="en-US" sz="1800" kern="1200" dirty="0">
+                          <a:solidFill>
+                            <a:schemeClr val="accent1">
+                              <a:lumMod val="50000"/>
+                            </a:schemeClr>
+                          </a:solidFill>
+                          <a:latin typeface="+mn-lt"/>
+                          <a:ea typeface="+mn-ea"/>
+                          <a:cs typeface="+mn-cs"/>
+                        </a:rPr>
+                        <a:t>Any Microsoft help you need </a:t>
+                      </a:r>
+                    </a:p>
+                  </a:txBody>
+                  <a:tcPr/>
+                </a:tc>
+                <a:extLst>
+                  <a:ext uri="{0D108BD9-81ED-4DB2-BD59-A6C34878D82A}">
+                    <a16:rowId xmlns:a16="http://schemas.microsoft.com/office/drawing/2014/main" val="180535236"/>
+                  </a:ext>
+                </a:extLst>
+              </a:tr>
+            </a:tbl>
+          </a:graphicData>
+        </a:graphic>
+      </p:graphicFrame>
+    </p:spTree>
+    <p:extLst>
+      <p:ext uri="{BB962C8B-B14F-4D97-AF65-F5344CB8AC3E}">
+        <p14:creationId xmlns:p14="http://schemas.microsoft.com/office/powerpoint/2010/main" val="32507161"/>
+      </p:ext>
+    </p:extLst>
+  </p:cSld>
+  <p:clrMapOvr>
+    <a:masterClrMapping/>
+  </p:clrMapOvr>
+</p:sld>
+</file>
+
+<file path=ppt/slides/slide19.xml><?xml version="1.0" encoding="utf-8"?>
 <p:sld xmlns:a="http://schemas.openxmlformats.org/drawingml/2006/main" xmlns:r="http://schemas.openxmlformats.org/officeDocument/2006/relationships" xmlns:p="http://schemas.openxmlformats.org/presentationml/2006/main">
   <p:cSld>
     <p:spTree>
@@ -8720,7 +10254,7 @@
           <a:p>
             <a:r>
               <a:rPr lang="en-US" dirty="0"/>
-              <a:t>What is Azure ML Studio</a:t>
+              <a:t>References</a:t>
             </a:r>
           </a:p>
         </p:txBody>
@@ -8747,12 +10281,48 @@
           <a:lstStyle/>
           <a:p>
             <a:r>
+              <a:rPr lang="en-US" dirty="0"/>
+              <a:t>What is ML Studio</a:t>
+            </a:r>
+            <a:endParaRPr lang="en-US" dirty="0">
+              <a:hlinkClick r:id="rId3"/>
+            </a:endParaRPr>
+          </a:p>
+          <a:p>
+            <a:pPr lvl="1"/>
+            <a:r>
               <a:rPr lang="en-US" dirty="0">
                 <a:hlinkClick r:id="rId3"/>
               </a:rPr>
               <a:t>https://docs.microsoft.com/en-us/azure/machine-learning/studio/what-is-ml-studio</a:t>
             </a:r>
             <a:endParaRPr lang="en-US" dirty="0"/>
+          </a:p>
+          <a:p>
+            <a:endParaRPr lang="en-US" dirty="0"/>
+          </a:p>
+          <a:p>
+            <a:r>
+              <a:rPr lang="en-US" dirty="0"/>
+              <a:t>Cheat Sheet: </a:t>
+            </a:r>
+          </a:p>
+          <a:p>
+            <a:pPr lvl="1"/>
+            <a:r>
+              <a:rPr lang="en-US" dirty="0">
+                <a:hlinkClick r:id="rId4"/>
+              </a:rPr>
+              <a:t>https://docs.microsoft.com/en-us/azure/machine-learning/studio/algorithm-choice</a:t>
+            </a:r>
+            <a:endParaRPr lang="en-US" dirty="0"/>
+          </a:p>
+          <a:p>
+            <a:pPr lvl="1"/>
+            <a:r>
+              <a:rPr lang="en-US" dirty="0"/>
+              <a:t>https://docs.microsoft.com/en-us/azure/machine-learning/studio/algorithm-cheat-sheet</a:t>
+            </a:r>
           </a:p>
           <a:p>
             <a:endParaRPr lang="en-US" dirty="0"/>
@@ -8773,6 +10343,668 @@
 </file>
 
 <file path=ppt/slides/slide2.xml><?xml version="1.0" encoding="utf-8"?>
+<p:sld xmlns:a="http://schemas.openxmlformats.org/drawingml/2006/main" xmlns:r="http://schemas.openxmlformats.org/officeDocument/2006/relationships" xmlns:p="http://schemas.openxmlformats.org/presentationml/2006/main">
+  <p:cSld>
+    <p:spTree>
+      <p:nvGrpSpPr>
+        <p:cNvPr id="1" name=""/>
+        <p:cNvGrpSpPr/>
+        <p:nvPr/>
+      </p:nvGrpSpPr>
+      <p:grpSpPr>
+        <a:xfrm>
+          <a:off x="0" y="0"/>
+          <a:ext cx="0" cy="0"/>
+          <a:chOff x="0" y="0"/>
+          <a:chExt cx="0" cy="0"/>
+        </a:xfrm>
+      </p:grpSpPr>
+      <p:sp>
+        <p:nvSpPr>
+          <p:cNvPr id="2" name="Title 1">
+            <a:extLst>
+              <a:ext uri="{FF2B5EF4-FFF2-40B4-BE49-F238E27FC236}">
+                <a16:creationId xmlns:a16="http://schemas.microsoft.com/office/drawing/2014/main" id="{A6A4B43F-6AD9-4B5F-B24B-E6726B13BC44}"/>
+              </a:ext>
+            </a:extLst>
+          </p:cNvPr>
+          <p:cNvSpPr>
+            <a:spLocks noGrp="1"/>
+          </p:cNvSpPr>
+          <p:nvPr>
+            <p:ph type="title"/>
+          </p:nvPr>
+        </p:nvSpPr>
+        <p:spPr/>
+        <p:txBody>
+          <a:bodyPr/>
+          <a:lstStyle/>
+          <a:p>
+            <a:r>
+              <a:rPr lang="en-US" dirty="0"/>
+              <a:t>Your go to Team!</a:t>
+            </a:r>
+          </a:p>
+        </p:txBody>
+      </p:sp>
+      <p:graphicFrame>
+        <p:nvGraphicFramePr>
+          <p:cNvPr id="4" name="Content Placeholder 3">
+            <a:extLst>
+              <a:ext uri="{FF2B5EF4-FFF2-40B4-BE49-F238E27FC236}">
+                <a16:creationId xmlns:a16="http://schemas.microsoft.com/office/drawing/2014/main" id="{F03ED187-5D33-4117-AD0F-8A1AE3F58452}"/>
+              </a:ext>
+            </a:extLst>
+          </p:cNvPr>
+          <p:cNvGraphicFramePr>
+            <a:graphicFrameLocks noGrp="1"/>
+          </p:cNvGraphicFramePr>
+          <p:nvPr>
+            <p:ph idx="1"/>
+            <p:extLst>
+              <p:ext uri="{D42A27DB-BD31-4B8C-83A1-F6EECF244321}">
+                <p14:modId xmlns:p14="http://schemas.microsoft.com/office/powerpoint/2010/main" val="3831002454"/>
+              </p:ext>
+            </p:extLst>
+          </p:nvPr>
+        </p:nvGraphicFramePr>
+        <p:xfrm>
+          <a:off x="152400" y="1028700"/>
+          <a:ext cx="11887200" cy="2966720"/>
+        </p:xfrm>
+        <a:graphic>
+          <a:graphicData uri="http://schemas.openxmlformats.org/drawingml/2006/table">
+            <a:tbl>
+              <a:tblPr firstRow="1" bandRow="1">
+                <a:tableStyleId>{5C22544A-7EE6-4342-B048-85BDC9FD1C3A}</a:tableStyleId>
+              </a:tblPr>
+              <a:tblGrid>
+                <a:gridCol w="4166212">
+                  <a:extLst>
+                    <a:ext uri="{9D8B030D-6E8A-4147-A177-3AD203B41FA5}">
+                      <a16:colId xmlns:a16="http://schemas.microsoft.com/office/drawing/2014/main" val="3792636849"/>
+                    </a:ext>
+                  </a:extLst>
+                </a:gridCol>
+                <a:gridCol w="4153359">
+                  <a:extLst>
+                    <a:ext uri="{9D8B030D-6E8A-4147-A177-3AD203B41FA5}">
+                      <a16:colId xmlns:a16="http://schemas.microsoft.com/office/drawing/2014/main" val="2751555973"/>
+                    </a:ext>
+                  </a:extLst>
+                </a:gridCol>
+                <a:gridCol w="3567629">
+                  <a:extLst>
+                    <a:ext uri="{9D8B030D-6E8A-4147-A177-3AD203B41FA5}">
+                      <a16:colId xmlns:a16="http://schemas.microsoft.com/office/drawing/2014/main" val="1564450213"/>
+                    </a:ext>
+                  </a:extLst>
+                </a:gridCol>
+              </a:tblGrid>
+              <a:tr h="370840">
+                <a:tc>
+                  <a:txBody>
+                    <a:bodyPr/>
+                    <a:lstStyle/>
+                    <a:p>
+                      <a:r>
+                        <a:rPr lang="en-US" dirty="0"/>
+                        <a:t>Name</a:t>
+                      </a:r>
+                    </a:p>
+                  </a:txBody>
+                  <a:tcPr/>
+                </a:tc>
+                <a:tc>
+                  <a:txBody>
+                    <a:bodyPr/>
+                    <a:lstStyle/>
+                    <a:p>
+                      <a:r>
+                        <a:rPr lang="en-US" dirty="0"/>
+                        <a:t>Email</a:t>
+                      </a:r>
+                    </a:p>
+                  </a:txBody>
+                  <a:tcPr/>
+                </a:tc>
+                <a:tc>
+                  <a:txBody>
+                    <a:bodyPr/>
+                    <a:lstStyle/>
+                    <a:p>
+                      <a:endParaRPr lang="en-US" dirty="0"/>
+                    </a:p>
+                  </a:txBody>
+                  <a:tcPr/>
+                </a:tc>
+                <a:extLst>
+                  <a:ext uri="{0D108BD9-81ED-4DB2-BD59-A6C34878D82A}">
+                    <a16:rowId xmlns:a16="http://schemas.microsoft.com/office/drawing/2014/main" val="487544113"/>
+                  </a:ext>
+                </a:extLst>
+              </a:tr>
+              <a:tr h="370840">
+                <a:tc>
+                  <a:txBody>
+                    <a:bodyPr/>
+                    <a:lstStyle/>
+                    <a:p>
+                      <a:r>
+                        <a:rPr lang="en-US" dirty="0">
+                          <a:solidFill>
+                            <a:schemeClr val="accent1">
+                              <a:lumMod val="50000"/>
+                            </a:schemeClr>
+                          </a:solidFill>
+                        </a:rPr>
+                        <a:t>Megan Smith</a:t>
+                      </a:r>
+                    </a:p>
+                  </a:txBody>
+                  <a:tcPr/>
+                </a:tc>
+                <a:tc>
+                  <a:txBody>
+                    <a:bodyPr/>
+                    <a:lstStyle/>
+                    <a:p>
+                      <a:pPr marL="0" marR="0" lvl="0" indent="0" algn="l" defTabSz="914400" rtl="0" eaLnBrk="1" fontAlgn="auto" latinLnBrk="0" hangingPunct="1">
+                        <a:lnSpc>
+                          <a:spcPct val="100000"/>
+                        </a:lnSpc>
+                        <a:spcBef>
+                          <a:spcPts val="0"/>
+                        </a:spcBef>
+                        <a:spcAft>
+                          <a:spcPts val="0"/>
+                        </a:spcAft>
+                        <a:buClrTx/>
+                        <a:buSzTx/>
+                        <a:buFontTx/>
+                        <a:buNone/>
+                        <a:tabLst/>
+                        <a:defRPr/>
+                      </a:pPr>
+                      <a:r>
+                        <a:rPr lang="en-US" dirty="0">
+                          <a:hlinkClick r:id="rId2"/>
+                        </a:rPr>
+                        <a:t>megan.smith@microsoft.com</a:t>
+                      </a:r>
+                      <a:r>
+                        <a:rPr lang="en-US" dirty="0"/>
+                        <a:t> </a:t>
+                      </a:r>
+                    </a:p>
+                  </a:txBody>
+                  <a:tcPr/>
+                </a:tc>
+                <a:tc>
+                  <a:txBody>
+                    <a:bodyPr/>
+                    <a:lstStyle/>
+                    <a:p>
+                      <a:pPr marL="0" marR="0" lvl="0" indent="0" algn="l" defTabSz="914400" rtl="0" eaLnBrk="1" fontAlgn="auto" latinLnBrk="0" hangingPunct="1">
+                        <a:lnSpc>
+                          <a:spcPct val="100000"/>
+                        </a:lnSpc>
+                        <a:spcBef>
+                          <a:spcPts val="0"/>
+                        </a:spcBef>
+                        <a:spcAft>
+                          <a:spcPts val="0"/>
+                        </a:spcAft>
+                        <a:buClrTx/>
+                        <a:buSzTx/>
+                        <a:buFontTx/>
+                        <a:buNone/>
+                        <a:tabLst/>
+                        <a:defRPr/>
+                      </a:pPr>
+                      <a:r>
+                        <a:rPr lang="en-US" sz="1800" kern="1200" dirty="0">
+                          <a:solidFill>
+                            <a:schemeClr val="accent1">
+                              <a:lumMod val="50000"/>
+                            </a:schemeClr>
+                          </a:solidFill>
+                          <a:latin typeface="+mn-lt"/>
+                          <a:ea typeface="+mn-ea"/>
+                          <a:cs typeface="+mn-cs"/>
+                        </a:rPr>
+                        <a:t>SQL Server, SQL Data Warehouse</a:t>
+                      </a:r>
+                    </a:p>
+                  </a:txBody>
+                  <a:tcPr/>
+                </a:tc>
+                <a:extLst>
+                  <a:ext uri="{0D108BD9-81ED-4DB2-BD59-A6C34878D82A}">
+                    <a16:rowId xmlns:a16="http://schemas.microsoft.com/office/drawing/2014/main" val="1510396782"/>
+                  </a:ext>
+                </a:extLst>
+              </a:tr>
+              <a:tr h="370840">
+                <a:tc>
+                  <a:txBody>
+                    <a:bodyPr/>
+                    <a:lstStyle/>
+                    <a:p>
+                      <a:r>
+                        <a:rPr lang="en-US" dirty="0">
+                          <a:solidFill>
+                            <a:schemeClr val="accent1">
+                              <a:lumMod val="50000"/>
+                            </a:schemeClr>
+                          </a:solidFill>
+                        </a:rPr>
+                        <a:t>Joyjeet Majumdar</a:t>
+                      </a:r>
+                    </a:p>
+                  </a:txBody>
+                  <a:tcPr/>
+                </a:tc>
+                <a:tc>
+                  <a:txBody>
+                    <a:bodyPr/>
+                    <a:lstStyle/>
+                    <a:p>
+                      <a:r>
+                        <a:rPr lang="en-US" dirty="0" err="1">
+                          <a:hlinkClick r:id="rId3"/>
+                        </a:rPr>
+                        <a:t>joyjeetm@microsof</a:t>
+                      </a:r>
+                      <a:r>
+                        <a:rPr lang="en-US" dirty="0">
+                          <a:hlinkClick r:id="rId3"/>
+                        </a:rPr>
+                        <a:t> t.com</a:t>
+                      </a:r>
+                      <a:endParaRPr lang="en-US" dirty="0"/>
+                    </a:p>
+                  </a:txBody>
+                  <a:tcPr/>
+                </a:tc>
+                <a:tc>
+                  <a:txBody>
+                    <a:bodyPr/>
+                    <a:lstStyle/>
+                    <a:p>
+                      <a:r>
+                        <a:rPr lang="en-US" sz="1800" kern="1200" dirty="0">
+                          <a:solidFill>
+                            <a:schemeClr val="accent1">
+                              <a:lumMod val="50000"/>
+                            </a:schemeClr>
+                          </a:solidFill>
+                          <a:latin typeface="+mn-lt"/>
+                          <a:ea typeface="+mn-ea"/>
+                          <a:cs typeface="+mn-cs"/>
+                        </a:rPr>
+                        <a:t>Advance Analytics, AI</a:t>
+                      </a:r>
+                    </a:p>
+                  </a:txBody>
+                  <a:tcPr/>
+                </a:tc>
+                <a:extLst>
+                  <a:ext uri="{0D108BD9-81ED-4DB2-BD59-A6C34878D82A}">
+                    <a16:rowId xmlns:a16="http://schemas.microsoft.com/office/drawing/2014/main" val="862494671"/>
+                  </a:ext>
+                </a:extLst>
+              </a:tr>
+              <a:tr h="370840">
+                <a:tc>
+                  <a:txBody>
+                    <a:bodyPr/>
+                    <a:lstStyle/>
+                    <a:p>
+                      <a:r>
+                        <a:rPr lang="en-US" dirty="0">
+                          <a:solidFill>
+                            <a:schemeClr val="accent1">
+                              <a:lumMod val="50000"/>
+                            </a:schemeClr>
+                          </a:solidFill>
+                        </a:rPr>
+                        <a:t>Geoff Fawcett</a:t>
+                      </a:r>
+                    </a:p>
+                  </a:txBody>
+                  <a:tcPr/>
+                </a:tc>
+                <a:tc>
+                  <a:txBody>
+                    <a:bodyPr/>
+                    <a:lstStyle/>
+                    <a:p>
+                      <a:r>
+                        <a:rPr lang="en-US" dirty="0">
+                          <a:hlinkClick r:id="rId4"/>
+                        </a:rPr>
+                        <a:t>Geoff.Fawcett@microsoft.com</a:t>
+                      </a:r>
+                      <a:r>
+                        <a:rPr lang="en-US" dirty="0"/>
+                        <a:t> </a:t>
+                      </a:r>
+                    </a:p>
+                  </a:txBody>
+                  <a:tcPr/>
+                </a:tc>
+                <a:tc>
+                  <a:txBody>
+                    <a:bodyPr/>
+                    <a:lstStyle/>
+                    <a:p>
+                      <a:r>
+                        <a:rPr lang="en-US" sz="1800" kern="1200" dirty="0">
+                          <a:solidFill>
+                            <a:schemeClr val="accent1">
+                              <a:lumMod val="50000"/>
+                            </a:schemeClr>
+                          </a:solidFill>
+                          <a:latin typeface="+mn-lt"/>
+                          <a:ea typeface="+mn-ea"/>
+                          <a:cs typeface="+mn-cs"/>
+                        </a:rPr>
+                        <a:t>Power BI</a:t>
+                      </a:r>
+                    </a:p>
+                  </a:txBody>
+                  <a:tcPr/>
+                </a:tc>
+                <a:extLst>
+                  <a:ext uri="{0D108BD9-81ED-4DB2-BD59-A6C34878D82A}">
+                    <a16:rowId xmlns:a16="http://schemas.microsoft.com/office/drawing/2014/main" val="2005219900"/>
+                  </a:ext>
+                </a:extLst>
+              </a:tr>
+              <a:tr h="370840">
+                <a:tc>
+                  <a:txBody>
+                    <a:bodyPr/>
+                    <a:lstStyle/>
+                    <a:p>
+                      <a:r>
+                        <a:rPr lang="en-US" dirty="0">
+                          <a:solidFill>
+                            <a:schemeClr val="accent1">
+                              <a:lumMod val="50000"/>
+                            </a:schemeClr>
+                          </a:solidFill>
+                        </a:rPr>
+                        <a:t>Amit Budhu</a:t>
+                      </a:r>
+                    </a:p>
+                  </a:txBody>
+                  <a:tcPr/>
+                </a:tc>
+                <a:tc>
+                  <a:txBody>
+                    <a:bodyPr/>
+                    <a:lstStyle/>
+                    <a:p>
+                      <a:r>
+                        <a:rPr lang="en-US" dirty="0">
+                          <a:hlinkClick r:id="rId5"/>
+                        </a:rPr>
+                        <a:t>Amitraj.Budhu@microsoft.com</a:t>
+                      </a:r>
+                      <a:r>
+                        <a:rPr lang="en-US" dirty="0"/>
+                        <a:t> </a:t>
+                      </a:r>
+                    </a:p>
+                  </a:txBody>
+                  <a:tcPr/>
+                </a:tc>
+                <a:tc>
+                  <a:txBody>
+                    <a:bodyPr/>
+                    <a:lstStyle/>
+                    <a:p>
+                      <a:r>
+                        <a:rPr lang="en-US" sz="1800" kern="1200" dirty="0">
+                          <a:solidFill>
+                            <a:schemeClr val="accent1">
+                              <a:lumMod val="50000"/>
+                            </a:schemeClr>
+                          </a:solidFill>
+                          <a:latin typeface="+mn-lt"/>
+                          <a:ea typeface="+mn-ea"/>
+                          <a:cs typeface="+mn-cs"/>
+                        </a:rPr>
+                        <a:t>Apps, Infrastructure, DevOps</a:t>
+                      </a:r>
+                    </a:p>
+                  </a:txBody>
+                  <a:tcPr/>
+                </a:tc>
+                <a:extLst>
+                  <a:ext uri="{0D108BD9-81ED-4DB2-BD59-A6C34878D82A}">
+                    <a16:rowId xmlns:a16="http://schemas.microsoft.com/office/drawing/2014/main" val="4190035897"/>
+                  </a:ext>
+                </a:extLst>
+              </a:tr>
+              <a:tr h="370840">
+                <a:tc>
+                  <a:txBody>
+                    <a:bodyPr/>
+                    <a:lstStyle/>
+                    <a:p>
+                      <a:r>
+                        <a:rPr lang="en-US" dirty="0">
+                          <a:solidFill>
+                            <a:schemeClr val="accent1">
+                              <a:lumMod val="50000"/>
+                            </a:schemeClr>
+                          </a:solidFill>
+                        </a:rPr>
+                        <a:t>Tom Ford</a:t>
+                      </a:r>
+                    </a:p>
+                  </a:txBody>
+                  <a:tcPr/>
+                </a:tc>
+                <a:tc>
+                  <a:txBody>
+                    <a:bodyPr/>
+                    <a:lstStyle/>
+                    <a:p>
+                      <a:r>
+                        <a:rPr lang="en-US" dirty="0">
+                          <a:hlinkClick r:id="rId6"/>
+                        </a:rPr>
+                        <a:t>TomFo@microsoft.com</a:t>
+                      </a:r>
+                      <a:r>
+                        <a:rPr lang="en-US" dirty="0"/>
+                        <a:t> </a:t>
+                      </a:r>
+                    </a:p>
+                  </a:txBody>
+                  <a:tcPr/>
+                </a:tc>
+                <a:tc>
+                  <a:txBody>
+                    <a:bodyPr/>
+                    <a:lstStyle/>
+                    <a:p>
+                      <a:r>
+                        <a:rPr lang="en-US" sz="1800" kern="1200" dirty="0">
+                          <a:solidFill>
+                            <a:schemeClr val="accent1">
+                              <a:lumMod val="50000"/>
+                            </a:schemeClr>
+                          </a:solidFill>
+                          <a:latin typeface="+mn-lt"/>
+                          <a:ea typeface="+mn-ea"/>
+                          <a:cs typeface="+mn-cs"/>
+                        </a:rPr>
+                        <a:t>All Data and AI needs for Business</a:t>
+                      </a:r>
+                    </a:p>
+                  </a:txBody>
+                  <a:tcPr/>
+                </a:tc>
+                <a:extLst>
+                  <a:ext uri="{0D108BD9-81ED-4DB2-BD59-A6C34878D82A}">
+                    <a16:rowId xmlns:a16="http://schemas.microsoft.com/office/drawing/2014/main" val="1141127157"/>
+                  </a:ext>
+                </a:extLst>
+              </a:tr>
+              <a:tr h="370840">
+                <a:tc>
+                  <a:txBody>
+                    <a:bodyPr/>
+                    <a:lstStyle/>
+                    <a:p>
+                      <a:r>
+                        <a:rPr lang="en-US" dirty="0">
+                          <a:solidFill>
+                            <a:schemeClr val="accent1">
+                              <a:lumMod val="50000"/>
+                            </a:schemeClr>
+                          </a:solidFill>
+                        </a:rPr>
+                        <a:t>Tom Roe</a:t>
+                      </a:r>
+                    </a:p>
+                  </a:txBody>
+                  <a:tcPr/>
+                </a:tc>
+                <a:tc>
+                  <a:txBody>
+                    <a:bodyPr/>
+                    <a:lstStyle/>
+                    <a:p>
+                      <a:r>
+                        <a:rPr lang="en-US" dirty="0">
+                          <a:hlinkClick r:id="rId7"/>
+                        </a:rPr>
+                        <a:t>Tom.Roe@microsoft.com</a:t>
+                      </a:r>
+                      <a:r>
+                        <a:rPr lang="en-US" dirty="0"/>
+                        <a:t> </a:t>
+                      </a:r>
+                    </a:p>
+                  </a:txBody>
+                  <a:tcPr/>
+                </a:tc>
+                <a:tc>
+                  <a:txBody>
+                    <a:bodyPr/>
+                    <a:lstStyle/>
+                    <a:p>
+                      <a:r>
+                        <a:rPr lang="en-US" sz="1800" kern="1200" dirty="0">
+                          <a:solidFill>
+                            <a:schemeClr val="accent1">
+                              <a:lumMod val="50000"/>
+                            </a:schemeClr>
+                          </a:solidFill>
+                          <a:latin typeface="+mn-lt"/>
+                          <a:ea typeface="+mn-ea"/>
+                          <a:cs typeface="+mn-cs"/>
+                        </a:rPr>
+                        <a:t>All Apps &amp; Infra needs for Business</a:t>
+                      </a:r>
+                    </a:p>
+                  </a:txBody>
+                  <a:tcPr/>
+                </a:tc>
+                <a:extLst>
+                  <a:ext uri="{0D108BD9-81ED-4DB2-BD59-A6C34878D82A}">
+                    <a16:rowId xmlns:a16="http://schemas.microsoft.com/office/drawing/2014/main" val="2760979292"/>
+                  </a:ext>
+                </a:extLst>
+              </a:tr>
+              <a:tr h="370840">
+                <a:tc>
+                  <a:txBody>
+                    <a:bodyPr/>
+                    <a:lstStyle/>
+                    <a:p>
+                      <a:r>
+                        <a:rPr lang="en-US" dirty="0">
+                          <a:solidFill>
+                            <a:schemeClr val="accent1">
+                              <a:lumMod val="50000"/>
+                            </a:schemeClr>
+                          </a:solidFill>
+                        </a:rPr>
+                        <a:t>Brian Hewitt</a:t>
+                      </a:r>
+                    </a:p>
+                  </a:txBody>
+                  <a:tcPr/>
+                </a:tc>
+                <a:tc>
+                  <a:txBody>
+                    <a:bodyPr/>
+                    <a:lstStyle/>
+                    <a:p>
+                      <a:r>
+                        <a:rPr lang="en-US" dirty="0">
+                          <a:hlinkClick r:id="rId8"/>
+                        </a:rPr>
+                        <a:t>Brian.Hewitt@microsoft.com</a:t>
+                      </a:r>
+                      <a:endParaRPr lang="en-US" dirty="0"/>
+                    </a:p>
+                  </a:txBody>
+                  <a:tcPr/>
+                </a:tc>
+                <a:tc>
+                  <a:txBody>
+                    <a:bodyPr/>
+                    <a:lstStyle/>
+                    <a:p>
+                      <a:r>
+                        <a:rPr lang="en-US" sz="1800" kern="1200" dirty="0">
+                          <a:solidFill>
+                            <a:schemeClr val="accent1">
+                              <a:lumMod val="50000"/>
+                            </a:schemeClr>
+                          </a:solidFill>
+                          <a:latin typeface="+mn-lt"/>
+                          <a:ea typeface="+mn-ea"/>
+                          <a:cs typeface="+mn-cs"/>
+                        </a:rPr>
+                        <a:t>Any Microsoft help you need </a:t>
+                      </a:r>
+                    </a:p>
+                  </a:txBody>
+                  <a:tcPr/>
+                </a:tc>
+                <a:extLst>
+                  <a:ext uri="{0D108BD9-81ED-4DB2-BD59-A6C34878D82A}">
+                    <a16:rowId xmlns:a16="http://schemas.microsoft.com/office/drawing/2014/main" val="180535236"/>
+                  </a:ext>
+                </a:extLst>
+              </a:tr>
+            </a:tbl>
+          </a:graphicData>
+        </a:graphic>
+      </p:graphicFrame>
+    </p:spTree>
+    <p:extLst>
+      <p:ext uri="{BB962C8B-B14F-4D97-AF65-F5344CB8AC3E}">
+        <p14:creationId xmlns:p14="http://schemas.microsoft.com/office/powerpoint/2010/main" val="2525443605"/>
+      </p:ext>
+    </p:extLst>
+  </p:cSld>
+  <p:clrMapOvr>
+    <a:masterClrMapping/>
+  </p:clrMapOvr>
+</p:sld>
+</file>
+
+<file path=ppt/slides/slide3.xml><?xml version="1.0" encoding="utf-8"?>
 <p:sld xmlns:a="http://schemas.openxmlformats.org/drawingml/2006/main" xmlns:r="http://schemas.openxmlformats.org/officeDocument/2006/relationships" xmlns:p="http://schemas.openxmlformats.org/presentationml/2006/main">
   <p:cSld>
     <p:spTree>
@@ -9831,14 +12063,14 @@
             </a:ln>
             <a:extLst>
               <a:ext uri="{909E8E84-426E-40dd-AFC4-6F175D3DCCD1}">
-                <a14:hiddenFill xmlns:a14="http://schemas.microsoft.com/office/drawing/2010/main" xmlns="">
+                <a14:hiddenFill xmlns="" xmlns:a14="http://schemas.microsoft.com/office/drawing/2010/main">
                   <a:solidFill>
                     <a:srgbClr val="FFFFFF"/>
                   </a:solidFill>
                 </a14:hiddenFill>
               </a:ext>
               <a:ext uri="{91240B29-F687-4f45-9708-019B960494DF}">
-                <a14:hiddenLine xmlns:a14="http://schemas.microsoft.com/office/drawing/2010/main" xmlns="" w="9525">
+                <a14:hiddenLine xmlns="" xmlns:a14="http://schemas.microsoft.com/office/drawing/2010/main" w="9525">
                   <a:solidFill>
                     <a:srgbClr val="000000"/>
                   </a:solidFill>
@@ -10141,7 +12373,7 @@
             </a:ln>
             <a:extLst>
               <a:ext uri="{91240B29-F687-4f45-9708-019B960494DF}">
-                <a14:hiddenLine xmlns:a14="http://schemas.microsoft.com/office/drawing/2010/main" xmlns="" w="9525">
+                <a14:hiddenLine xmlns="" xmlns:a14="http://schemas.microsoft.com/office/drawing/2010/main" w="9525">
                   <a:solidFill>
                     <a:srgbClr val="000000"/>
                   </a:solidFill>
@@ -10218,7 +12450,7 @@
             </a:ln>
             <a:extLst>
               <a:ext uri="{91240B29-F687-4f45-9708-019B960494DF}">
-                <a14:hiddenLine xmlns:a14="http://schemas.microsoft.com/office/drawing/2010/main" xmlns="" w="9525">
+                <a14:hiddenLine xmlns="" xmlns:a14="http://schemas.microsoft.com/office/drawing/2010/main" w="9525">
                   <a:solidFill>
                     <a:srgbClr val="000000"/>
                   </a:solidFill>
@@ -10295,7 +12527,7 @@
             </a:ln>
             <a:extLst>
               <a:ext uri="{91240B29-F687-4f45-9708-019B960494DF}">
-                <a14:hiddenLine xmlns:a14="http://schemas.microsoft.com/office/drawing/2010/main" xmlns="" w="9525">
+                <a14:hiddenLine xmlns="" xmlns:a14="http://schemas.microsoft.com/office/drawing/2010/main" w="9525">
                   <a:solidFill>
                     <a:srgbClr val="000000"/>
                   </a:solidFill>
@@ -10372,7 +12604,7 @@
             </a:ln>
             <a:extLst>
               <a:ext uri="{91240B29-F687-4f45-9708-019B960494DF}">
-                <a14:hiddenLine xmlns:a14="http://schemas.microsoft.com/office/drawing/2010/main" xmlns="" w="9525">
+                <a14:hiddenLine xmlns="" xmlns:a14="http://schemas.microsoft.com/office/drawing/2010/main" w="9525">
                   <a:solidFill>
                     <a:srgbClr val="000000"/>
                   </a:solidFill>
@@ -10453,7 +12685,7 @@
             </a:ln>
             <a:extLst>
               <a:ext uri="{909E8E84-426E-40dd-AFC4-6F175D3DCCD1}">
-                <a14:hiddenFill xmlns:a14="http://schemas.microsoft.com/office/drawing/2010/main" xmlns="">
+                <a14:hiddenFill xmlns="" xmlns:a14="http://schemas.microsoft.com/office/drawing/2010/main">
                   <a:noFill/>
                 </a14:hiddenFill>
               </a:ext>
@@ -10529,7 +12761,7 @@
             </a:ln>
             <a:extLst>
               <a:ext uri="{909E8E84-426E-40dd-AFC4-6F175D3DCCD1}">
-                <a14:hiddenFill xmlns:a14="http://schemas.microsoft.com/office/drawing/2010/main" xmlns="">
+                <a14:hiddenFill xmlns="" xmlns:a14="http://schemas.microsoft.com/office/drawing/2010/main">
                   <a:noFill/>
                 </a14:hiddenFill>
               </a:ext>
@@ -10639,7 +12871,7 @@
             </a:ln>
             <a:extLst>
               <a:ext uri="{909E8E84-426E-40dd-AFC4-6F175D3DCCD1}">
-                <a14:hiddenFill xmlns:a14="http://schemas.microsoft.com/office/drawing/2010/main" xmlns="">
+                <a14:hiddenFill xmlns="" xmlns:a14="http://schemas.microsoft.com/office/drawing/2010/main">
                   <a:solidFill>
                     <a:srgbClr val="FFFFFF"/>
                   </a:solidFill>
@@ -10713,7 +12945,7 @@
             </a:ln>
             <a:extLst>
               <a:ext uri="{91240B29-F687-4f45-9708-019B960494DF}">
-                <a14:hiddenLine xmlns:a14="http://schemas.microsoft.com/office/drawing/2010/main" xmlns="" w="9525">
+                <a14:hiddenLine xmlns="" xmlns:a14="http://schemas.microsoft.com/office/drawing/2010/main" w="9525">
                   <a:solidFill>
                     <a:srgbClr val="000000"/>
                   </a:solidFill>
@@ -10794,7 +13026,7 @@
             </a:ln>
             <a:extLst>
               <a:ext uri="{909E8E84-426E-40dd-AFC4-6F175D3DCCD1}">
-                <a14:hiddenFill xmlns:a14="http://schemas.microsoft.com/office/drawing/2010/main" xmlns="">
+                <a14:hiddenFill xmlns="" xmlns:a14="http://schemas.microsoft.com/office/drawing/2010/main">
                   <a:noFill/>
                 </a14:hiddenFill>
               </a:ext>
@@ -10870,7 +13102,7 @@
             </a:ln>
             <a:extLst>
               <a:ext uri="{909E8E84-426E-40dd-AFC4-6F175D3DCCD1}">
-                <a14:hiddenFill xmlns:a14="http://schemas.microsoft.com/office/drawing/2010/main" xmlns="">
+                <a14:hiddenFill xmlns="" xmlns:a14="http://schemas.microsoft.com/office/drawing/2010/main">
                   <a:noFill/>
                 </a14:hiddenFill>
               </a:ext>
@@ -11739,7 +13971,7 @@
             </a:ln>
             <a:extLst>
               <a:ext uri="{909E8E84-426E-40dd-AFC4-6F175D3DCCD1}">
-                <a14:hiddenFill xmlns:a14="http://schemas.microsoft.com/office/drawing/2010/main" xmlns="">
+                <a14:hiddenFill xmlns="" xmlns:a14="http://schemas.microsoft.com/office/drawing/2010/main">
                   <a:solidFill>
                     <a:srgbClr val="FFFFFF"/>
                   </a:solidFill>
@@ -11856,7 +14088,7 @@
             </a:ln>
             <a:extLst>
               <a:ext uri="{91240B29-F687-4f45-9708-019B960494DF}">
-                <a14:hiddenLine xmlns:a14="http://schemas.microsoft.com/office/drawing/2010/main" xmlns="" w="9525">
+                <a14:hiddenLine xmlns="" xmlns:a14="http://schemas.microsoft.com/office/drawing/2010/main" w="9525">
                   <a:solidFill>
                     <a:srgbClr val="000000"/>
                   </a:solidFill>
@@ -11979,7 +14211,7 @@
             </a:ln>
             <a:extLst>
               <a:ext uri="{909E8E84-426E-40dd-AFC4-6F175D3DCCD1}">
-                <a14:hiddenFill xmlns:a14="http://schemas.microsoft.com/office/drawing/2010/main" xmlns="">
+                <a14:hiddenFill xmlns="" xmlns:a14="http://schemas.microsoft.com/office/drawing/2010/main">
                   <a:solidFill>
                     <a:srgbClr val="FFFFFF"/>
                   </a:solidFill>
@@ -12096,7 +14328,7 @@
             </a:ln>
             <a:extLst>
               <a:ext uri="{91240B29-F687-4f45-9708-019B960494DF}">
-                <a14:hiddenLine xmlns:a14="http://schemas.microsoft.com/office/drawing/2010/main" xmlns="" w="9525">
+                <a14:hiddenLine xmlns="" xmlns:a14="http://schemas.microsoft.com/office/drawing/2010/main" w="9525">
                   <a:solidFill>
                     <a:srgbClr val="000000"/>
                   </a:solidFill>
@@ -12211,7 +14443,7 @@
             </a:ln>
             <a:extLst>
               <a:ext uri="{909E8E84-426E-40dd-AFC4-6F175D3DCCD1}">
-                <a14:hiddenFill xmlns:a14="http://schemas.microsoft.com/office/drawing/2010/main" xmlns="">
+                <a14:hiddenFill xmlns="" xmlns:a14="http://schemas.microsoft.com/office/drawing/2010/main">
                   <a:solidFill>
                     <a:srgbClr val="FFFFFF"/>
                   </a:solidFill>
@@ -12328,7 +14560,7 @@
             </a:ln>
             <a:extLst>
               <a:ext uri="{91240B29-F687-4f45-9708-019B960494DF}">
-                <a14:hiddenLine xmlns:a14="http://schemas.microsoft.com/office/drawing/2010/main" xmlns="" w="9525">
+                <a14:hiddenLine xmlns="" xmlns:a14="http://schemas.microsoft.com/office/drawing/2010/main" w="9525">
                   <a:solidFill>
                     <a:srgbClr val="000000"/>
                   </a:solidFill>
@@ -12849,7 +15081,7 @@
                 </a:ln>
                 <a:extLst>
                   <a:ext uri="{91240B29-F687-4f45-9708-019B960494DF}">
-                    <a14:hiddenLine xmlns:a14="http://schemas.microsoft.com/office/drawing/2010/main" xmlns="" w="9525">
+                    <a14:hiddenLine xmlns="" xmlns:a14="http://schemas.microsoft.com/office/drawing/2010/main" w="9525">
                       <a:solidFill>
                         <a:srgbClr val="000000"/>
                       </a:solidFill>
@@ -12991,7 +15223,7 @@
                 </a:ln>
                 <a:extLst>
                   <a:ext uri="{91240B29-F687-4f45-9708-019B960494DF}">
-                    <a14:hiddenLine xmlns:a14="http://schemas.microsoft.com/office/drawing/2010/main" xmlns="" w="9525">
+                    <a14:hiddenLine xmlns="" xmlns:a14="http://schemas.microsoft.com/office/drawing/2010/main" w="9525">
                       <a:solidFill>
                         <a:srgbClr val="000000"/>
                       </a:solidFill>
@@ -13133,7 +15365,7 @@
                 </a:ln>
                 <a:extLst>
                   <a:ext uri="{91240B29-F687-4f45-9708-019B960494DF}">
-                    <a14:hiddenLine xmlns:a14="http://schemas.microsoft.com/office/drawing/2010/main" xmlns="" w="9525">
+                    <a14:hiddenLine xmlns="" xmlns:a14="http://schemas.microsoft.com/office/drawing/2010/main" w="9525">
                       <a:solidFill>
                         <a:srgbClr val="000000"/>
                       </a:solidFill>
@@ -13275,7 +15507,7 @@
                 </a:ln>
                 <a:extLst>
                   <a:ext uri="{91240B29-F687-4f45-9708-019B960494DF}">
-                    <a14:hiddenLine xmlns:a14="http://schemas.microsoft.com/office/drawing/2010/main" xmlns="" w="9525">
+                    <a14:hiddenLine xmlns="" xmlns:a14="http://schemas.microsoft.com/office/drawing/2010/main" w="9525">
                       <a:solidFill>
                         <a:srgbClr val="000000"/>
                       </a:solidFill>
@@ -13352,14 +15584,14 @@
             </a:ln>
             <a:extLst>
               <a:ext uri="{909E8E84-426E-40dd-AFC4-6F175D3DCCD1}">
-                <a14:hiddenFill xmlns:a14="http://schemas.microsoft.com/office/drawing/2010/main" xmlns="">
+                <a14:hiddenFill xmlns="" xmlns:a14="http://schemas.microsoft.com/office/drawing/2010/main">
                   <a:solidFill>
                     <a:srgbClr val="FFFFFF"/>
                   </a:solidFill>
                 </a14:hiddenFill>
               </a:ext>
               <a:ext uri="{91240B29-F687-4f45-9708-019B960494DF}">
-                <a14:hiddenLine xmlns:a14="http://schemas.microsoft.com/office/drawing/2010/main" xmlns="" w="9525">
+                <a14:hiddenLine xmlns="" xmlns:a14="http://schemas.microsoft.com/office/drawing/2010/main" w="9525">
                   <a:solidFill>
                     <a:srgbClr val="000000"/>
                   </a:solidFill>
@@ -13581,7 +15813,7 @@
             </a:ln>
             <a:extLst>
               <a:ext uri="{91240B29-F687-4f45-9708-019B960494DF}">
-                <a14:hiddenLine xmlns:a14="http://schemas.microsoft.com/office/drawing/2010/main" xmlns="" w="9525">
+                <a14:hiddenLine xmlns="" xmlns:a14="http://schemas.microsoft.com/office/drawing/2010/main" w="9525">
                   <a:solidFill>
                     <a:srgbClr val="000000"/>
                   </a:solidFill>
@@ -13694,14 +15926,14 @@
             </a:ln>
             <a:extLst>
               <a:ext uri="{909E8E84-426E-40dd-AFC4-6F175D3DCCD1}">
-                <a14:hiddenFill xmlns:a14="http://schemas.microsoft.com/office/drawing/2010/main" xmlns="">
+                <a14:hiddenFill xmlns="" xmlns:a14="http://schemas.microsoft.com/office/drawing/2010/main">
                   <a:solidFill>
                     <a:srgbClr val="FFFFFF"/>
                   </a:solidFill>
                 </a14:hiddenFill>
               </a:ext>
               <a:ext uri="{91240B29-F687-4f45-9708-019B960494DF}">
-                <a14:hiddenLine xmlns:a14="http://schemas.microsoft.com/office/drawing/2010/main" xmlns="" w="9525">
+                <a14:hiddenLine xmlns="" xmlns:a14="http://schemas.microsoft.com/office/drawing/2010/main" w="9525">
                   <a:solidFill>
                     <a:srgbClr val="000000"/>
                   </a:solidFill>
@@ -13826,14 +16058,14 @@
             </a:ln>
             <a:extLst>
               <a:ext uri="{909E8E84-426E-40dd-AFC4-6F175D3DCCD1}">
-                <a14:hiddenFill xmlns:a14="http://schemas.microsoft.com/office/drawing/2010/main" xmlns="">
+                <a14:hiddenFill xmlns="" xmlns:a14="http://schemas.microsoft.com/office/drawing/2010/main">
                   <a:solidFill>
                     <a:srgbClr val="FFFFFF"/>
                   </a:solidFill>
                 </a14:hiddenFill>
               </a:ext>
               <a:ext uri="{91240B29-F687-4f45-9708-019B960494DF}">
-                <a14:hiddenLine xmlns:a14="http://schemas.microsoft.com/office/drawing/2010/main" xmlns="" w="9525">
+                <a14:hiddenLine xmlns="" xmlns:a14="http://schemas.microsoft.com/office/drawing/2010/main" w="9525">
                   <a:solidFill>
                     <a:srgbClr val="000000"/>
                   </a:solidFill>
@@ -17360,7 +19592,7 @@
 </p:sld>
 </file>
 
-<file path=ppt/slides/slide3.xml><?xml version="1.0" encoding="utf-8"?>
+<file path=ppt/slides/slide4.xml><?xml version="1.0" encoding="utf-8"?>
 <p:sld xmlns:a="http://schemas.openxmlformats.org/drawingml/2006/main" xmlns:r="http://schemas.openxmlformats.org/officeDocument/2006/relationships" xmlns:p="http://schemas.openxmlformats.org/presentationml/2006/main">
   <p:cSld>
     <p:spTree>
@@ -17520,7 +19752,7 @@
 </p:sld>
 </file>
 
-<file path=ppt/slides/slide4.xml><?xml version="1.0" encoding="utf-8"?>
+<file path=ppt/slides/slide5.xml><?xml version="1.0" encoding="utf-8"?>
 <p:sld xmlns:a="http://schemas.openxmlformats.org/drawingml/2006/main" xmlns:r="http://schemas.openxmlformats.org/officeDocument/2006/relationships" xmlns:p="http://schemas.openxmlformats.org/presentationml/2006/main">
   <p:cSld>
     <p:spTree>
@@ -17572,7 +19804,7 @@
 </p:sld>
 </file>
 
-<file path=ppt/slides/slide5.xml><?xml version="1.0" encoding="utf-8"?>
+<file path=ppt/slides/slide6.xml><?xml version="1.0" encoding="utf-8"?>
 <p:sld xmlns:a="http://schemas.openxmlformats.org/drawingml/2006/main" xmlns:r="http://schemas.openxmlformats.org/officeDocument/2006/relationships" xmlns:p="http://schemas.openxmlformats.org/presentationml/2006/main">
   <p:cSld>
     <p:spTree>
@@ -21446,7 +23678,7 @@
 </p:sld>
 </file>
 
-<file path=ppt/slides/slide6.xml><?xml version="1.0" encoding="utf-8"?>
+<file path=ppt/slides/slide7.xml><?xml version="1.0" encoding="utf-8"?>
 <p:sld xmlns:a="http://schemas.openxmlformats.org/drawingml/2006/main" xmlns:r="http://schemas.openxmlformats.org/officeDocument/2006/relationships" xmlns:p="http://schemas.openxmlformats.org/presentationml/2006/main">
   <p:cSld>
     <p:spTree>
@@ -26407,7 +28639,7 @@
 </p:sld>
 </file>
 
-<file path=ppt/slides/slide7.xml><?xml version="1.0" encoding="utf-8"?>
+<file path=ppt/slides/slide8.xml><?xml version="1.0" encoding="utf-8"?>
 <p:sld xmlns:a="http://schemas.openxmlformats.org/drawingml/2006/main" xmlns:r="http://schemas.openxmlformats.org/officeDocument/2006/relationships" xmlns:p="http://schemas.openxmlformats.org/presentationml/2006/main">
   <p:cSld>
     <p:spTree>
@@ -26653,7 +28885,7 @@
 </p:sld>
 </file>
 
-<file path=ppt/slides/slide8.xml><?xml version="1.0" encoding="utf-8"?>
+<file path=ppt/slides/slide9.xml><?xml version="1.0" encoding="utf-8"?>
 <p:sld xmlns:a="http://schemas.openxmlformats.org/drawingml/2006/main" xmlns:r="http://schemas.openxmlformats.org/officeDocument/2006/relationships" xmlns:p="http://schemas.openxmlformats.org/presentationml/2006/main">
   <p:cSld>
     <p:spTree>
@@ -27203,518 +29435,6 @@
     <p:extLst>
       <p:ext uri="{BB962C8B-B14F-4D97-AF65-F5344CB8AC3E}">
         <p14:creationId xmlns:p14="http://schemas.microsoft.com/office/powerpoint/2010/main" val="2836479094"/>
-      </p:ext>
-    </p:extLst>
-  </p:cSld>
-  <p:clrMapOvr>
-    <a:masterClrMapping/>
-  </p:clrMapOvr>
-</p:sld>
-</file>
-
-<file path=ppt/slides/slide9.xml><?xml version="1.0" encoding="utf-8"?>
-<p:sld xmlns:a="http://schemas.openxmlformats.org/drawingml/2006/main" xmlns:r="http://schemas.openxmlformats.org/officeDocument/2006/relationships" xmlns:p="http://schemas.openxmlformats.org/presentationml/2006/main">
-  <p:cSld>
-    <p:spTree>
-      <p:nvGrpSpPr>
-        <p:cNvPr id="1" name=""/>
-        <p:cNvGrpSpPr/>
-        <p:nvPr/>
-      </p:nvGrpSpPr>
-      <p:grpSpPr>
-        <a:xfrm>
-          <a:off x="0" y="0"/>
-          <a:ext cx="0" cy="0"/>
-          <a:chOff x="0" y="0"/>
-          <a:chExt cx="0" cy="0"/>
-        </a:xfrm>
-      </p:grpSpPr>
-      <p:sp>
-        <p:nvSpPr>
-          <p:cNvPr id="3" name="Title 2"/>
-          <p:cNvSpPr>
-            <a:spLocks noGrp="1"/>
-          </p:cNvSpPr>
-          <p:nvPr>
-            <p:ph type="title"/>
-          </p:nvPr>
-        </p:nvSpPr>
-        <p:spPr>
-          <a:xfrm>
-            <a:off x="152400" y="174625"/>
-            <a:ext cx="11887200" cy="1336675"/>
-          </a:xfrm>
-        </p:spPr>
-        <p:txBody>
-          <a:bodyPr>
-            <a:normAutofit/>
-          </a:bodyPr>
-          <a:lstStyle/>
-          <a:p>
-            <a:r>
-              <a:rPr lang="en-US" dirty="0"/>
-              <a:t>Common Classes of Algorithms</a:t>
-            </a:r>
-            <a:br>
-              <a:rPr lang="en-US" dirty="0"/>
-            </a:br>
-            <a:r>
-              <a:rPr lang="en-US" sz="2800" dirty="0"/>
-              <a:t>(</a:t>
-            </a:r>
-            <a:r>
-              <a:rPr lang="en-US" sz="2800" dirty="0" err="1"/>
-              <a:t>Supervised|Unsupervised</a:t>
-            </a:r>
-            <a:r>
-              <a:rPr lang="en-US" sz="2800" dirty="0"/>
-              <a:t>)</a:t>
-            </a:r>
-          </a:p>
-        </p:txBody>
-      </p:sp>
-      <p:grpSp>
-        <p:nvGrpSpPr>
-          <p:cNvPr id="10" name="Group 9"/>
-          <p:cNvGrpSpPr/>
-          <p:nvPr/>
-        </p:nvGrpSpPr>
-        <p:grpSpPr>
-          <a:xfrm>
-            <a:off x="1059585" y="2119089"/>
-            <a:ext cx="2073762" cy="3602908"/>
-            <a:chOff x="634610" y="2119089"/>
-            <a:chExt cx="2073762" cy="3602908"/>
-          </a:xfrm>
-        </p:grpSpPr>
-        <p:sp>
-          <p:nvSpPr>
-            <p:cNvPr id="9" name="Rectangle 8"/>
-            <p:cNvSpPr/>
-            <p:nvPr/>
-          </p:nvSpPr>
-          <p:spPr>
-            <a:xfrm>
-              <a:off x="634610" y="2119089"/>
-              <a:ext cx="2073762" cy="3602908"/>
-            </a:xfrm>
-            <a:prstGeom prst="rect">
-              <a:avLst/>
-            </a:prstGeom>
-          </p:spPr>
-          <p:style>
-            <a:lnRef idx="2">
-              <a:schemeClr val="accent1">
-                <a:shade val="50000"/>
-              </a:schemeClr>
-            </a:lnRef>
-            <a:fillRef idx="1">
-              <a:schemeClr val="accent1"/>
-            </a:fillRef>
-            <a:effectRef idx="0">
-              <a:schemeClr val="accent1"/>
-            </a:effectRef>
-            <a:fontRef idx="minor">
-              <a:schemeClr val="lt1"/>
-            </a:fontRef>
-          </p:style>
-          <p:txBody>
-            <a:bodyPr lIns="0" rIns="0" rtlCol="0" anchor="t" anchorCtr="0"/>
-            <a:lstStyle/>
-            <a:p>
-              <a:pPr algn="ctr"/>
-              <a:r>
-                <a:rPr lang="en-US" sz="2400" dirty="0"/>
-                <a:t>Classification</a:t>
-              </a:r>
-            </a:p>
-          </p:txBody>
-        </p:sp>
-        <p:grpSp>
-          <p:nvGrpSpPr>
-            <p:cNvPr id="7" name="Group 6"/>
-            <p:cNvGrpSpPr/>
-            <p:nvPr/>
-          </p:nvGrpSpPr>
-          <p:grpSpPr>
-            <a:xfrm>
-              <a:off x="663637" y="3426809"/>
-              <a:ext cx="2023055" cy="1828800"/>
-              <a:chOff x="1087120" y="1285207"/>
-              <a:chExt cx="2423563" cy="2275841"/>
-            </a:xfrm>
-          </p:grpSpPr>
-          <p:pic>
-            <p:nvPicPr>
-              <p:cNvPr id="1026" name="Picture 2" descr="Gender classification from height and weight"/>
-              <p:cNvPicPr>
-                <a:picLocks noChangeAspect="1" noChangeArrowheads="1"/>
-              </p:cNvPicPr>
-              <p:nvPr/>
-            </p:nvPicPr>
-            <p:blipFill rotWithShape="1">
-              <a:blip r:embed="rId3" cstate="email">
-                <a:extLst>
-                  <a:ext uri="{28A0092B-C50C-407E-A947-70E740481C1C}">
-                    <a14:useLocalDpi xmlns:a14="http://schemas.microsoft.com/office/drawing/2010/main"/>
-                  </a:ext>
-                </a:extLst>
-              </a:blip>
-              <a:srcRect/>
-              <a:stretch/>
-            </p:blipFill>
-            <p:spPr bwMode="auto">
-              <a:xfrm>
-                <a:off x="1087120" y="1285207"/>
-                <a:ext cx="2423563" cy="2275841"/>
-              </a:xfrm>
-              <a:prstGeom prst="rect">
-                <a:avLst/>
-              </a:prstGeom>
-              <a:noFill/>
-              <a:extLst>
-                <a:ext uri="{909E8E84-426E-40DD-AFC4-6F175D3DCCD1}">
-                  <a14:hiddenFill xmlns:a14="http://schemas.microsoft.com/office/drawing/2010/main">
-                    <a:solidFill>
-                      <a:srgbClr val="FFFFFF"/>
-                    </a:solidFill>
-                  </a14:hiddenFill>
-                </a:ext>
-              </a:extLst>
-            </p:spPr>
-          </p:pic>
-          <p:cxnSp>
-            <p:nvCxnSpPr>
-              <p:cNvPr id="6" name="Straight Connector 5"/>
-              <p:cNvCxnSpPr/>
-              <p:nvPr/>
-            </p:nvCxnSpPr>
-            <p:spPr>
-              <a:xfrm>
-                <a:off x="1524000" y="1574800"/>
-                <a:ext cx="1778000" cy="1656080"/>
-              </a:xfrm>
-              <a:prstGeom prst="line">
-                <a:avLst/>
-              </a:prstGeom>
-              <a:ln w="28575">
-                <a:solidFill>
-                  <a:srgbClr val="002060"/>
-                </a:solidFill>
-              </a:ln>
-            </p:spPr>
-            <p:style>
-              <a:lnRef idx="1">
-                <a:schemeClr val="accent1"/>
-              </a:lnRef>
-              <a:fillRef idx="0">
-                <a:schemeClr val="accent1"/>
-              </a:fillRef>
-              <a:effectRef idx="0">
-                <a:schemeClr val="accent1"/>
-              </a:effectRef>
-              <a:fontRef idx="minor">
-                <a:schemeClr val="tx1"/>
-              </a:fontRef>
-            </p:style>
-          </p:cxnSp>
-        </p:grpSp>
-      </p:grpSp>
-      <p:grpSp>
-        <p:nvGrpSpPr>
-          <p:cNvPr id="2" name="Group 1"/>
-          <p:cNvGrpSpPr/>
-          <p:nvPr/>
-        </p:nvGrpSpPr>
-        <p:grpSpPr>
-          <a:xfrm>
-            <a:off x="6381397" y="2119089"/>
-            <a:ext cx="2073762" cy="3602908"/>
-            <a:chOff x="4546308" y="2119089"/>
-            <a:chExt cx="2073762" cy="3602908"/>
-          </a:xfrm>
-        </p:grpSpPr>
-        <p:sp>
-          <p:nvSpPr>
-            <p:cNvPr id="14" name="Rectangle 13"/>
-            <p:cNvSpPr/>
-            <p:nvPr/>
-          </p:nvSpPr>
-          <p:spPr>
-            <a:xfrm>
-              <a:off x="4546308" y="2119089"/>
-              <a:ext cx="2073762" cy="3602908"/>
-            </a:xfrm>
-            <a:prstGeom prst="rect">
-              <a:avLst/>
-            </a:prstGeom>
-          </p:spPr>
-          <p:style>
-            <a:lnRef idx="2">
-              <a:schemeClr val="accent1">
-                <a:shade val="50000"/>
-              </a:schemeClr>
-            </a:lnRef>
-            <a:fillRef idx="1">
-              <a:schemeClr val="accent1"/>
-            </a:fillRef>
-            <a:effectRef idx="0">
-              <a:schemeClr val="accent1"/>
-            </a:effectRef>
-            <a:fontRef idx="minor">
-              <a:schemeClr val="lt1"/>
-            </a:fontRef>
-          </p:style>
-          <p:txBody>
-            <a:bodyPr lIns="0" rIns="0" rtlCol="0" anchor="t" anchorCtr="0"/>
-            <a:lstStyle/>
-            <a:p>
-              <a:pPr algn="ctr"/>
-              <a:r>
-                <a:rPr lang="en-US" sz="2400" dirty="0"/>
-                <a:t>Regression</a:t>
-              </a:r>
-            </a:p>
-          </p:txBody>
-        </p:sp>
-        <p:pic>
-          <p:nvPicPr>
-            <p:cNvPr id="1028" name="Picture 4" descr="Data with a nonlinear trend"/>
-            <p:cNvPicPr>
-              <a:picLocks noChangeAspect="1" noChangeArrowheads="1"/>
-            </p:cNvPicPr>
-            <p:nvPr/>
-          </p:nvPicPr>
-          <p:blipFill rotWithShape="1">
-            <a:blip r:embed="rId4" cstate="email">
-              <a:extLst>
-                <a:ext uri="{28A0092B-C50C-407E-A947-70E740481C1C}">
-                  <a14:useLocalDpi xmlns:a14="http://schemas.microsoft.com/office/drawing/2010/main"/>
-                </a:ext>
-              </a:extLst>
-            </a:blip>
-            <a:srcRect/>
-            <a:stretch/>
-          </p:blipFill>
-          <p:spPr bwMode="auto">
-            <a:xfrm>
-              <a:off x="4575948" y="3426809"/>
-              <a:ext cx="2036957" cy="1828800"/>
-            </a:xfrm>
-            <a:prstGeom prst="rect">
-              <a:avLst/>
-            </a:prstGeom>
-            <a:noFill/>
-            <a:extLst>
-              <a:ext uri="{909E8E84-426E-40DD-AFC4-6F175D3DCCD1}">
-                <a14:hiddenFill xmlns:a14="http://schemas.microsoft.com/office/drawing/2010/main">
-                  <a:solidFill>
-                    <a:srgbClr val="FFFFFF"/>
-                  </a:solidFill>
-                </a14:hiddenFill>
-              </a:ext>
-            </a:extLst>
-          </p:spPr>
-        </p:pic>
-      </p:grpSp>
-      <p:grpSp>
-        <p:nvGrpSpPr>
-          <p:cNvPr id="5" name="Group 4"/>
-          <p:cNvGrpSpPr/>
-          <p:nvPr/>
-        </p:nvGrpSpPr>
-        <p:grpSpPr>
-          <a:xfrm>
-            <a:off x="9042304" y="2119089"/>
-            <a:ext cx="2073762" cy="3602908"/>
-            <a:chOff x="7302404" y="2119089"/>
-            <a:chExt cx="2073762" cy="3602908"/>
-          </a:xfrm>
-        </p:grpSpPr>
-        <p:sp>
-          <p:nvSpPr>
-            <p:cNvPr id="16" name="Rectangle 15"/>
-            <p:cNvSpPr/>
-            <p:nvPr/>
-          </p:nvSpPr>
-          <p:spPr>
-            <a:xfrm>
-              <a:off x="7302404" y="2119089"/>
-              <a:ext cx="2073762" cy="3602908"/>
-            </a:xfrm>
-            <a:prstGeom prst="rect">
-              <a:avLst/>
-            </a:prstGeom>
-          </p:spPr>
-          <p:style>
-            <a:lnRef idx="2">
-              <a:schemeClr val="accent1">
-                <a:shade val="50000"/>
-              </a:schemeClr>
-            </a:lnRef>
-            <a:fillRef idx="1">
-              <a:schemeClr val="accent1"/>
-            </a:fillRef>
-            <a:effectRef idx="0">
-              <a:schemeClr val="accent1"/>
-            </a:effectRef>
-            <a:fontRef idx="minor">
-              <a:schemeClr val="lt1"/>
-            </a:fontRef>
-          </p:style>
-          <p:txBody>
-            <a:bodyPr lIns="0" rIns="0" rtlCol="0" anchor="t" anchorCtr="0"/>
-            <a:lstStyle/>
-            <a:p>
-              <a:pPr algn="ctr"/>
-              <a:r>
-                <a:rPr lang="en-US" sz="2400" dirty="0"/>
-                <a:t>Anomaly Detection</a:t>
-              </a:r>
-            </a:p>
-          </p:txBody>
-        </p:sp>
-        <p:pic>
-          <p:nvPicPr>
-            <p:cNvPr id="1030" name="Picture 6" descr="https://acomdpsstorage.blob.core.windows.net/dpsmedia-prod/azure.microsoft.com/en-us/documentation/articles/machine-learning-algorithm-choice/20151014060220/image8.png"/>
-            <p:cNvPicPr>
-              <a:picLocks noChangeAspect="1" noChangeArrowheads="1"/>
-            </p:cNvPicPr>
-            <p:nvPr/>
-          </p:nvPicPr>
-          <p:blipFill rotWithShape="1">
-            <a:blip r:embed="rId5" cstate="email">
-              <a:extLst>
-                <a:ext uri="{28A0092B-C50C-407E-A947-70E740481C1C}">
-                  <a14:useLocalDpi xmlns:a14="http://schemas.microsoft.com/office/drawing/2010/main"/>
-                </a:ext>
-              </a:extLst>
-            </a:blip>
-            <a:srcRect/>
-            <a:stretch/>
-          </p:blipFill>
-          <p:spPr bwMode="auto">
-            <a:xfrm>
-              <a:off x="7355372" y="3426809"/>
-              <a:ext cx="1967825" cy="1828800"/>
-            </a:xfrm>
-            <a:prstGeom prst="rect">
-              <a:avLst/>
-            </a:prstGeom>
-            <a:noFill/>
-            <a:extLst>
-              <a:ext uri="{909E8E84-426E-40DD-AFC4-6F175D3DCCD1}">
-                <a14:hiddenFill xmlns:a14="http://schemas.microsoft.com/office/drawing/2010/main">
-                  <a:solidFill>
-                    <a:srgbClr val="FFFFFF"/>
-                  </a:solidFill>
-                </a14:hiddenFill>
-              </a:ext>
-            </a:extLst>
-          </p:spPr>
-        </p:pic>
-      </p:grpSp>
-      <p:grpSp>
-        <p:nvGrpSpPr>
-          <p:cNvPr id="4" name="Group 3"/>
-          <p:cNvGrpSpPr/>
-          <p:nvPr/>
-        </p:nvGrpSpPr>
-        <p:grpSpPr>
-          <a:xfrm>
-            <a:off x="3720491" y="2119089"/>
-            <a:ext cx="2073762" cy="3602908"/>
-            <a:chOff x="9525003" y="2119089"/>
-            <a:chExt cx="2073762" cy="3602908"/>
-          </a:xfrm>
-        </p:grpSpPr>
-        <p:sp>
-          <p:nvSpPr>
-            <p:cNvPr id="17" name="Rectangle 16"/>
-            <p:cNvSpPr/>
-            <p:nvPr/>
-          </p:nvSpPr>
-          <p:spPr>
-            <a:xfrm>
-              <a:off x="9525003" y="2119089"/>
-              <a:ext cx="2073762" cy="3602908"/>
-            </a:xfrm>
-            <a:prstGeom prst="rect">
-              <a:avLst/>
-            </a:prstGeom>
-          </p:spPr>
-          <p:style>
-            <a:lnRef idx="2">
-              <a:schemeClr val="accent1">
-                <a:shade val="50000"/>
-              </a:schemeClr>
-            </a:lnRef>
-            <a:fillRef idx="1">
-              <a:schemeClr val="accent1"/>
-            </a:fillRef>
-            <a:effectRef idx="0">
-              <a:schemeClr val="accent1"/>
-            </a:effectRef>
-            <a:fontRef idx="minor">
-              <a:schemeClr val="lt1"/>
-            </a:fontRef>
-          </p:style>
-          <p:txBody>
-            <a:bodyPr lIns="0" rIns="0" rtlCol="0" anchor="t" anchorCtr="0"/>
-            <a:lstStyle/>
-            <a:p>
-              <a:pPr algn="ctr"/>
-              <a:r>
-                <a:rPr lang="en-US" sz="2400" dirty="0"/>
-                <a:t>Clustering</a:t>
-              </a:r>
-            </a:p>
-          </p:txBody>
-        </p:sp>
-        <p:pic>
-          <p:nvPicPr>
-            <p:cNvPr id="1032" name="Picture 8" descr="Data set grouped using K-means"/>
-            <p:cNvPicPr>
-              <a:picLocks noChangeAspect="1" noChangeArrowheads="1"/>
-            </p:cNvPicPr>
-            <p:nvPr/>
-          </p:nvPicPr>
-          <p:blipFill rotWithShape="1">
-            <a:blip r:embed="rId6" cstate="email">
-              <a:extLst>
-                <a:ext uri="{28A0092B-C50C-407E-A947-70E740481C1C}">
-                  <a14:useLocalDpi xmlns:a14="http://schemas.microsoft.com/office/drawing/2010/main"/>
-                </a:ext>
-              </a:extLst>
-            </a:blip>
-            <a:srcRect/>
-            <a:stretch/>
-          </p:blipFill>
-          <p:spPr bwMode="auto">
-            <a:xfrm>
-              <a:off x="9555881" y="3426808"/>
-              <a:ext cx="2011680" cy="1828801"/>
-            </a:xfrm>
-            <a:prstGeom prst="rect">
-              <a:avLst/>
-            </a:prstGeom>
-            <a:noFill/>
-            <a:extLst>
-              <a:ext uri="{909E8E84-426E-40DD-AFC4-6F175D3DCCD1}">
-                <a14:hiddenFill xmlns:a14="http://schemas.microsoft.com/office/drawing/2010/main">
-                  <a:solidFill>
-                    <a:srgbClr val="FFFFFF"/>
-                  </a:solidFill>
-                </a14:hiddenFill>
-              </a:ext>
-            </a:extLst>
-          </p:spPr>
-        </p:pic>
-      </p:grpSp>
-    </p:spTree>
-    <p:extLst>
-      <p:ext uri="{BB962C8B-B14F-4D97-AF65-F5344CB8AC3E}">
-        <p14:creationId xmlns:p14="http://schemas.microsoft.com/office/powerpoint/2010/main" val="1557822894"/>
       </p:ext>
     </p:extLst>
   </p:cSld>
